--- a/ProposalPresentation/Proposal.pptx
+++ b/ProposalPresentation/Proposal.pptx
@@ -110,6 +110,11 @@
       </a:defRPr>
     </a:lvl9pPr>
   </p:defaultTextStyle>
+  <p:extLst>
+    <p:ext uri="{EFAFB233-063F-42B5-8137-9DF3F51BA10A}">
+      <p15:sldGuideLst xmlns:p15="http://schemas.microsoft.com/office/powerpoint/2012/main"/>
+    </p:ext>
+  </p:extLst>
 </p:presentation>
 </file>
 
@@ -281,7 +286,7 @@
           <a:p>
             <a:fld id="{063EE82C-7EBD-4CD0-9EA0-6671C904F8AE}" type="datetimeFigureOut">
               <a:rPr lang="en-US" smtClean="0"/>
-              <a:t>9/29/2016</a:t>
+              <a:t>9/30/2016</a:t>
             </a:fld>
             <a:endParaRPr lang="en-US"/>
           </a:p>
@@ -514,7 +519,7 @@
           <a:p>
             <a:fld id="{063EE82C-7EBD-4CD0-9EA0-6671C904F8AE}" type="datetimeFigureOut">
               <a:rPr lang="en-US" smtClean="0"/>
-              <a:t>9/29/2016</a:t>
+              <a:t>9/30/2016</a:t>
             </a:fld>
             <a:endParaRPr lang="en-US"/>
           </a:p>
@@ -694,7 +699,7 @@
           <a:p>
             <a:fld id="{063EE82C-7EBD-4CD0-9EA0-6671C904F8AE}" type="datetimeFigureOut">
               <a:rPr lang="en-US" smtClean="0"/>
-              <a:t>9/29/2016</a:t>
+              <a:t>9/30/2016</a:t>
             </a:fld>
             <a:endParaRPr lang="en-US"/>
           </a:p>
@@ -869,7 +874,7 @@
           <a:p>
             <a:fld id="{063EE82C-7EBD-4CD0-9EA0-6671C904F8AE}" type="datetimeFigureOut">
               <a:rPr lang="en-US" smtClean="0"/>
-              <a:t>9/29/2016</a:t>
+              <a:t>9/30/2016</a:t>
             </a:fld>
             <a:endParaRPr lang="en-US"/>
           </a:p>
@@ -1123,7 +1128,7 @@
           <a:p>
             <a:fld id="{063EE82C-7EBD-4CD0-9EA0-6671C904F8AE}" type="datetimeFigureOut">
               <a:rPr lang="en-US" smtClean="0"/>
-              <a:t>9/29/2016</a:t>
+              <a:t>9/30/2016</a:t>
             </a:fld>
             <a:endParaRPr lang="en-US"/>
           </a:p>
@@ -1454,7 +1459,7 @@
           <a:p>
             <a:fld id="{063EE82C-7EBD-4CD0-9EA0-6671C904F8AE}" type="datetimeFigureOut">
               <a:rPr lang="en-US" smtClean="0"/>
-              <a:t>9/29/2016</a:t>
+              <a:t>9/30/2016</a:t>
             </a:fld>
             <a:endParaRPr lang="en-US"/>
           </a:p>
@@ -1905,7 +1910,7 @@
           <a:p>
             <a:fld id="{063EE82C-7EBD-4CD0-9EA0-6671C904F8AE}" type="datetimeFigureOut">
               <a:rPr lang="en-US" smtClean="0"/>
-              <a:t>9/29/2016</a:t>
+              <a:t>9/30/2016</a:t>
             </a:fld>
             <a:endParaRPr lang="en-US"/>
           </a:p>
@@ -2023,7 +2028,7 @@
           <a:p>
             <a:fld id="{063EE82C-7EBD-4CD0-9EA0-6671C904F8AE}" type="datetimeFigureOut">
               <a:rPr lang="en-US" smtClean="0"/>
-              <a:t>9/29/2016</a:t>
+              <a:t>9/30/2016</a:t>
             </a:fld>
             <a:endParaRPr lang="en-US"/>
           </a:p>
@@ -2118,7 +2123,7 @@
           <a:p>
             <a:fld id="{063EE82C-7EBD-4CD0-9EA0-6671C904F8AE}" type="datetimeFigureOut">
               <a:rPr lang="en-US" smtClean="0"/>
-              <a:t>9/29/2016</a:t>
+              <a:t>9/30/2016</a:t>
             </a:fld>
             <a:endParaRPr lang="en-US"/>
           </a:p>
@@ -2405,7 +2410,7 @@
           <a:p>
             <a:fld id="{063EE82C-7EBD-4CD0-9EA0-6671C904F8AE}" type="datetimeFigureOut">
               <a:rPr lang="en-US" smtClean="0"/>
-              <a:t>9/29/2016</a:t>
+              <a:t>9/30/2016</a:t>
             </a:fld>
             <a:endParaRPr lang="en-US"/>
           </a:p>
@@ -2727,7 +2732,7 @@
           <a:p>
             <a:fld id="{063EE82C-7EBD-4CD0-9EA0-6671C904F8AE}" type="datetimeFigureOut">
               <a:rPr lang="en-US" smtClean="0"/>
-              <a:t>9/29/2016</a:t>
+              <a:t>9/30/2016</a:t>
             </a:fld>
             <a:endParaRPr lang="en-US"/>
           </a:p>
@@ -2981,7 +2986,7 @@
           <a:p>
             <a:fld id="{063EE82C-7EBD-4CD0-9EA0-6671C904F8AE}" type="datetimeFigureOut">
               <a:rPr lang="en-US" smtClean="0"/>
-              <a:t>9/29/2016</a:t>
+              <a:t>9/30/2016</a:t>
             </a:fld>
             <a:endParaRPr lang="en-US"/>
           </a:p>
@@ -3490,10 +3495,10 @@
           <a:lstStyle/>
           <a:p>
             <a:r>
-              <a:rPr lang="en-US" smtClean="0"/>
+              <a:rPr lang="en-US" dirty="0" smtClean="0"/>
               <a:t>Eye Tracking for Reading Assistance</a:t>
             </a:r>
-            <a:endParaRPr lang="en-US"/>
+            <a:endParaRPr lang="en-US" dirty="0"/>
           </a:p>
         </p:txBody>
       </p:sp>
@@ -3596,22 +3601,52 @@
           <a:lstStyle/>
           <a:p>
             <a:r>
-              <a:rPr lang="en-US" smtClean="0"/>
+              <a:rPr lang="en-US" dirty="0" smtClean="0"/>
               <a:t>Large goal: Track eye movement to support reading</a:t>
             </a:r>
           </a:p>
           <a:p>
             <a:r>
-              <a:rPr lang="en-US" smtClean="0"/>
+              <a:rPr lang="en-US" dirty="0" smtClean="0"/>
               <a:t>Part One: Track word by word movements of eyes along sentences</a:t>
             </a:r>
           </a:p>
           <a:p>
             <a:r>
-              <a:rPr lang="en-US" smtClean="0"/>
-              <a:t>Part Two: Eye movement highlights and speaks words of page</a:t>
-            </a:r>
-            <a:endParaRPr lang="en-US"/>
+              <a:rPr lang="en-US" dirty="0" smtClean="0"/>
+              <a:t>Part Two: Eye movement highlights and speaks words of </a:t>
+            </a:r>
+            <a:r>
+              <a:rPr lang="en-US" dirty="0" smtClean="0"/>
+              <a:t>page</a:t>
+            </a:r>
+          </a:p>
+          <a:p>
+            <a:endParaRPr lang="en-US" dirty="0" smtClean="0"/>
+          </a:p>
+          <a:p>
+            <a:r>
+              <a:rPr lang="en-US" dirty="0" smtClean="0"/>
+              <a:t>State the problem and what kind of solution we are working towards</a:t>
+            </a:r>
+          </a:p>
+          <a:p>
+            <a:endParaRPr lang="en-US" dirty="0"/>
+          </a:p>
+          <a:p>
+            <a:r>
+              <a:rPr lang="en-US" dirty="0" smtClean="0"/>
+              <a:t>Su(story) – </a:t>
+            </a:r>
+            <a:r>
+              <a:rPr lang="en-US" dirty="0" err="1" smtClean="0"/>
+              <a:t>Suhas</a:t>
+            </a:r>
+            <a:r>
+              <a:rPr lang="en-US" dirty="0" smtClean="0"/>
+              <a:t>(tracker)</a:t>
+            </a:r>
+            <a:endParaRPr lang="en-US" dirty="0"/>
           </a:p>
         </p:txBody>
       </p:sp>
@@ -3687,22 +3722,98 @@
         </p:nvSpPr>
         <p:spPr/>
         <p:txBody>
-          <a:bodyPr/>
-          <a:lstStyle/>
-          <a:p>
-            <a:r>
-              <a:rPr lang="en-US" smtClean="0"/>
+          <a:bodyPr>
+            <a:normAutofit fontScale="92500" lnSpcReduction="20000"/>
+          </a:bodyPr>
+          <a:lstStyle/>
+          <a:p>
+            <a:r>
+              <a:rPr lang="en-US" dirty="0" smtClean="0"/>
+              <a:t>Accuracy</a:t>
+            </a:r>
+          </a:p>
+          <a:p>
+            <a:r>
+              <a:rPr lang="en-US" dirty="0" smtClean="0"/>
+              <a:t>Individual differences between eyes</a:t>
+            </a:r>
+          </a:p>
+          <a:p>
+            <a:pPr lvl="1"/>
+            <a:r>
+              <a:rPr lang="en-US" dirty="0" smtClean="0"/>
+              <a:t>What works for one set does not always transfer</a:t>
+            </a:r>
+          </a:p>
+          <a:p>
+            <a:r>
+              <a:rPr lang="en-US" dirty="0" smtClean="0"/>
+              <a:t>Arc degree coverage (want a static user)</a:t>
+            </a:r>
+          </a:p>
+          <a:p>
+            <a:pPr lvl="1"/>
+            <a:r>
+              <a:rPr lang="en-US" dirty="0"/>
+              <a:t>Dealing with dynamic positioning of user</a:t>
+            </a:r>
+            <a:endParaRPr lang="en-US" dirty="0" smtClean="0"/>
+          </a:p>
+          <a:p>
+            <a:r>
+              <a:rPr lang="en-US" dirty="0" smtClean="0"/>
+              <a:t>Constant connection between eye and sensors</a:t>
+            </a:r>
+          </a:p>
+          <a:p>
+            <a:r>
+              <a:rPr lang="en-US" dirty="0" smtClean="0"/>
+              <a:t>Problems with unspecific target goal</a:t>
+            </a:r>
+          </a:p>
+          <a:p>
+            <a:r>
+              <a:rPr lang="en-US" dirty="0" smtClean="0"/>
+              <a:t>Ease of setup / portability</a:t>
+            </a:r>
+          </a:p>
+          <a:p>
+            <a:pPr lvl="1"/>
+            <a:r>
+              <a:rPr lang="en-US" dirty="0" smtClean="0"/>
+              <a:t>Hidden mounting requirement</a:t>
+            </a:r>
+          </a:p>
+          <a:p>
+            <a:r>
+              <a:rPr lang="en-US" dirty="0" smtClean="0"/>
               <a:t>Write our own software to obtain data from eye tracker</a:t>
             </a:r>
           </a:p>
           <a:p>
             <a:r>
-              <a:rPr lang="en-US" smtClean="0"/>
-              <a:t>Account for rapid, random eye movements</a:t>
-            </a:r>
-          </a:p>
-          <a:p>
-            <a:endParaRPr lang="en-US"/>
+              <a:rPr lang="en-US" dirty="0" smtClean="0"/>
+              <a:t>Account </a:t>
+            </a:r>
+            <a:r>
+              <a:rPr lang="en-US" dirty="0" smtClean="0"/>
+              <a:t>for rapid, random eye </a:t>
+            </a:r>
+            <a:r>
+              <a:rPr lang="en-US" dirty="0" smtClean="0"/>
+              <a:t>movements</a:t>
+            </a:r>
+          </a:p>
+          <a:p>
+            <a:r>
+              <a:rPr lang="en-US" dirty="0" err="1" smtClean="0"/>
+              <a:t>Ashkan</a:t>
+            </a:r>
+            <a:r>
+              <a:rPr lang="en-US" dirty="0" smtClean="0"/>
+              <a:t> - Kyle</a:t>
+            </a:r>
+            <a:endParaRPr lang="en-US" dirty="0" smtClean="0"/>
           </a:p>
         </p:txBody>
       </p:sp>
@@ -3782,16 +3893,29 @@
           <a:lstStyle/>
           <a:p>
             <a:r>
-              <a:rPr lang="en-US" smtClean="0"/>
+              <a:rPr lang="en-US" dirty="0" smtClean="0"/>
               <a:t>Reference 3 research papers</a:t>
             </a:r>
           </a:p>
           <a:p>
             <a:r>
-              <a:rPr lang="en-US" smtClean="0"/>
-              <a:t>How general approach builds on previous work</a:t>
-            </a:r>
-            <a:endParaRPr lang="en-US"/>
+              <a:rPr lang="en-US" dirty="0" smtClean="0"/>
+              <a:t>How general approach builds on previous </a:t>
+            </a:r>
+            <a:r>
+              <a:rPr lang="en-US" dirty="0" smtClean="0"/>
+              <a:t>work</a:t>
+            </a:r>
+          </a:p>
+          <a:p>
+            <a:endParaRPr lang="en-US" dirty="0"/>
+          </a:p>
+          <a:p>
+            <a:r>
+              <a:rPr lang="en-US" dirty="0" smtClean="0"/>
+              <a:t>Kyle</a:t>
+            </a:r>
+            <a:endParaRPr lang="en-US" dirty="0"/>
           </a:p>
         </p:txBody>
       </p:sp>
@@ -3871,43 +3995,57 @@
           <a:lstStyle/>
           <a:p>
             <a:r>
-              <a:rPr lang="en-US" smtClean="0"/>
+              <a:rPr lang="en-US" dirty="0" smtClean="0"/>
               <a:t>Experiment 1</a:t>
             </a:r>
           </a:p>
           <a:p>
             <a:pPr lvl="1"/>
             <a:r>
-              <a:rPr lang="en-US" smtClean="0"/>
+              <a:rPr lang="en-US" dirty="0" smtClean="0"/>
               <a:t>Eye movement through a piece of text</a:t>
             </a:r>
           </a:p>
           <a:p>
             <a:r>
-              <a:rPr lang="en-US" smtClean="0"/>
+              <a:rPr lang="en-US" dirty="0" smtClean="0"/>
               <a:t>Experiment 2</a:t>
             </a:r>
           </a:p>
           <a:p>
             <a:pPr lvl="1"/>
             <a:r>
-              <a:rPr lang="en-US" smtClean="0"/>
+              <a:rPr lang="en-US" dirty="0" smtClean="0"/>
               <a:t>What granularity we can expect from eye movement data</a:t>
             </a:r>
           </a:p>
           <a:p>
             <a:r>
-              <a:rPr lang="en-US" smtClean="0"/>
+              <a:rPr lang="en-US" dirty="0" smtClean="0"/>
               <a:t>Experiment 3</a:t>
             </a:r>
           </a:p>
           <a:p>
             <a:pPr lvl="1"/>
             <a:r>
-              <a:rPr lang="en-US" smtClean="0"/>
-              <a:t>Does tracking follow the flow of your actual reading</a:t>
-            </a:r>
-            <a:endParaRPr lang="en-US"/>
+              <a:rPr lang="en-US" dirty="0" smtClean="0"/>
+              <a:t>Does tracking follow the flow of your actual </a:t>
+            </a:r>
+            <a:r>
+              <a:rPr lang="en-US" dirty="0" smtClean="0"/>
+              <a:t>reading</a:t>
+            </a:r>
+          </a:p>
+          <a:p>
+            <a:pPr lvl="1"/>
+            <a:endParaRPr lang="en-US" dirty="0"/>
+          </a:p>
+          <a:p>
+            <a:r>
+              <a:rPr lang="en-US" dirty="0" smtClean="0"/>
+              <a:t>Su</a:t>
+            </a:r>
+            <a:endParaRPr lang="en-US" dirty="0"/>
           </a:p>
         </p:txBody>
       </p:sp>
@@ -3987,19 +4125,33 @@
           <a:lstStyle/>
           <a:p>
             <a:r>
-              <a:rPr lang="en-US" smtClean="0"/>
+              <a:rPr lang="en-US" dirty="0" smtClean="0"/>
               <a:t>Best Case</a:t>
             </a:r>
           </a:p>
           <a:p>
             <a:pPr lvl="1"/>
             <a:r>
-              <a:rPr lang="en-US" smtClean="0"/>
-              <a:t>Set up a profile and allow person to look through a piece of text where the eye movements are tracked accurately</a:t>
-            </a:r>
-          </a:p>
-          <a:p>
-            <a:endParaRPr lang="en-US"/>
+              <a:rPr lang="en-US" dirty="0" smtClean="0"/>
+              <a:t>Set up a profile and allow person to look through a piece of text where the eye movements are tracked </a:t>
+            </a:r>
+            <a:r>
+              <a:rPr lang="en-US" dirty="0" smtClean="0"/>
+              <a:t>accurately</a:t>
+            </a:r>
+          </a:p>
+          <a:p>
+            <a:endParaRPr lang="en-US" dirty="0"/>
+          </a:p>
+          <a:p>
+            <a:r>
+              <a:rPr lang="en-US" dirty="0" err="1" smtClean="0"/>
+              <a:t>Suhas</a:t>
+            </a:r>
+            <a:endParaRPr lang="en-US" dirty="0" smtClean="0"/>
+          </a:p>
+          <a:p>
+            <a:endParaRPr lang="en-US" dirty="0"/>
           </a:p>
         </p:txBody>
       </p:sp>
@@ -4079,43 +4231,53 @@
           <a:lstStyle/>
           <a:p>
             <a:r>
-              <a:rPr lang="en-US" smtClean="0"/>
+              <a:rPr lang="en-US" dirty="0" smtClean="0"/>
               <a:t>By end of October</a:t>
             </a:r>
           </a:p>
           <a:p>
             <a:pPr lvl="1"/>
             <a:r>
-              <a:rPr lang="en-US" smtClean="0"/>
+              <a:rPr lang="en-US" dirty="0" smtClean="0"/>
               <a:t>Something</a:t>
             </a:r>
           </a:p>
           <a:p>
             <a:r>
-              <a:rPr lang="en-US" smtClean="0"/>
+              <a:rPr lang="en-US" dirty="0" smtClean="0"/>
               <a:t>By end of November</a:t>
             </a:r>
           </a:p>
           <a:p>
             <a:pPr lvl="1"/>
             <a:r>
-              <a:rPr lang="en-US" smtClean="0"/>
+              <a:rPr lang="en-US" dirty="0" smtClean="0"/>
               <a:t>Something</a:t>
             </a:r>
           </a:p>
           <a:p>
             <a:r>
-              <a:rPr lang="en-US" smtClean="0"/>
+              <a:rPr lang="en-US" dirty="0" smtClean="0"/>
               <a:t>By end of first week in December</a:t>
             </a:r>
           </a:p>
           <a:p>
             <a:pPr lvl="1"/>
             <a:r>
-              <a:rPr lang="en-US" smtClean="0"/>
+              <a:rPr lang="en-US" dirty="0" smtClean="0"/>
               <a:t>Done</a:t>
             </a:r>
-            <a:endParaRPr lang="en-US"/>
+          </a:p>
+          <a:p>
+            <a:pPr lvl="1"/>
+            <a:endParaRPr lang="en-US" dirty="0"/>
+          </a:p>
+          <a:p>
+            <a:r>
+              <a:rPr lang="en-US" dirty="0" err="1" smtClean="0"/>
+              <a:t>Ashkan</a:t>
+            </a:r>
+            <a:endParaRPr lang="en-US" dirty="0"/>
           </a:p>
         </p:txBody>
       </p:sp>

--- a/ProposalPresentation/Proposal.pptx
+++ b/ProposalPresentation/Proposal.pptx
@@ -4,6 +4,9 @@
   <p:sldMasterIdLst>
     <p:sldMasterId id="2147483690" r:id="rId1"/>
   </p:sldMasterIdLst>
+  <p:notesMasterIdLst>
+    <p:notesMasterId r:id="rId9"/>
+  </p:notesMasterIdLst>
   <p:sldIdLst>
     <p:sldId id="256" r:id="rId2"/>
     <p:sldId id="257" r:id="rId3"/>
@@ -118,6 +121,460 @@
 </p:presentation>
 </file>
 
+<file path=ppt/notesMasters/notesMaster1.xml><?xml version="1.0" encoding="utf-8"?>
+<p:notesMaster xmlns:a="http://schemas.openxmlformats.org/drawingml/2006/main" xmlns:r="http://schemas.openxmlformats.org/officeDocument/2006/relationships" xmlns:p="http://schemas.openxmlformats.org/presentationml/2006/main">
+  <p:cSld>
+    <p:bg>
+      <p:bgRef idx="1001">
+        <a:schemeClr val="bg1"/>
+      </p:bgRef>
+    </p:bg>
+    <p:spTree>
+      <p:nvGrpSpPr>
+        <p:cNvPr id="1" name=""/>
+        <p:cNvGrpSpPr/>
+        <p:nvPr/>
+      </p:nvGrpSpPr>
+      <p:grpSpPr>
+        <a:xfrm>
+          <a:off x="0" y="0"/>
+          <a:ext cx="0" cy="0"/>
+          <a:chOff x="0" y="0"/>
+          <a:chExt cx="0" cy="0"/>
+        </a:xfrm>
+      </p:grpSpPr>
+      <p:sp>
+        <p:nvSpPr>
+          <p:cNvPr id="2" name="Header Placeholder 1"/>
+          <p:cNvSpPr>
+            <a:spLocks noGrp="1"/>
+          </p:cNvSpPr>
+          <p:nvPr>
+            <p:ph type="hdr" sz="quarter"/>
+          </p:nvPr>
+        </p:nvSpPr>
+        <p:spPr>
+          <a:xfrm>
+            <a:off x="0" y="0"/>
+            <a:ext cx="2971800" cy="458788"/>
+          </a:xfrm>
+          <a:prstGeom prst="rect">
+            <a:avLst/>
+          </a:prstGeom>
+        </p:spPr>
+        <p:txBody>
+          <a:bodyPr vert="horz" lIns="91440" tIns="45720" rIns="91440" bIns="45720" rtlCol="0"/>
+          <a:lstStyle>
+            <a:lvl1pPr algn="l">
+              <a:defRPr sz="1200"/>
+            </a:lvl1pPr>
+          </a:lstStyle>
+          <a:p>
+            <a:endParaRPr lang="en-US"/>
+          </a:p>
+        </p:txBody>
+      </p:sp>
+      <p:sp>
+        <p:nvSpPr>
+          <p:cNvPr id="3" name="Date Placeholder 2"/>
+          <p:cNvSpPr>
+            <a:spLocks noGrp="1"/>
+          </p:cNvSpPr>
+          <p:nvPr>
+            <p:ph type="dt" idx="1"/>
+          </p:nvPr>
+        </p:nvSpPr>
+        <p:spPr>
+          <a:xfrm>
+            <a:off x="3884613" y="0"/>
+            <a:ext cx="2971800" cy="458788"/>
+          </a:xfrm>
+          <a:prstGeom prst="rect">
+            <a:avLst/>
+          </a:prstGeom>
+        </p:spPr>
+        <p:txBody>
+          <a:bodyPr vert="horz" lIns="91440" tIns="45720" rIns="91440" bIns="45720" rtlCol="0"/>
+          <a:lstStyle>
+            <a:lvl1pPr algn="r">
+              <a:defRPr sz="1200"/>
+            </a:lvl1pPr>
+          </a:lstStyle>
+          <a:p>
+            <a:fld id="{196649D2-8F6F-483E-9FFD-996F9FA14F8E}" type="datetimeFigureOut">
+              <a:rPr lang="en-US" smtClean="0"/>
+              <a:t>10/2/2016</a:t>
+            </a:fld>
+            <a:endParaRPr lang="en-US"/>
+          </a:p>
+        </p:txBody>
+      </p:sp>
+      <p:sp>
+        <p:nvSpPr>
+          <p:cNvPr id="4" name="Slide Image Placeholder 3"/>
+          <p:cNvSpPr>
+            <a:spLocks noGrp="1" noRot="1" noChangeAspect="1"/>
+          </p:cNvSpPr>
+          <p:nvPr>
+            <p:ph type="sldImg" idx="2"/>
+          </p:nvPr>
+        </p:nvSpPr>
+        <p:spPr>
+          <a:xfrm>
+            <a:off x="685800" y="1143000"/>
+            <a:ext cx="5486400" cy="3086100"/>
+          </a:xfrm>
+          <a:prstGeom prst="rect">
+            <a:avLst/>
+          </a:prstGeom>
+          <a:noFill/>
+          <a:ln w="12700">
+            <a:solidFill>
+              <a:prstClr val="black"/>
+            </a:solidFill>
+          </a:ln>
+        </p:spPr>
+        <p:txBody>
+          <a:bodyPr vert="horz" lIns="91440" tIns="45720" rIns="91440" bIns="45720" rtlCol="0" anchor="ctr"/>
+          <a:lstStyle/>
+          <a:p>
+            <a:endParaRPr lang="en-US"/>
+          </a:p>
+        </p:txBody>
+      </p:sp>
+      <p:sp>
+        <p:nvSpPr>
+          <p:cNvPr id="5" name="Notes Placeholder 4"/>
+          <p:cNvSpPr>
+            <a:spLocks noGrp="1"/>
+          </p:cNvSpPr>
+          <p:nvPr>
+            <p:ph type="body" sz="quarter" idx="3"/>
+          </p:nvPr>
+        </p:nvSpPr>
+        <p:spPr>
+          <a:xfrm>
+            <a:off x="685800" y="4400550"/>
+            <a:ext cx="5486400" cy="3600450"/>
+          </a:xfrm>
+          <a:prstGeom prst="rect">
+            <a:avLst/>
+          </a:prstGeom>
+        </p:spPr>
+        <p:txBody>
+          <a:bodyPr vert="horz" lIns="91440" tIns="45720" rIns="91440" bIns="45720" rtlCol="0"/>
+          <a:lstStyle/>
+          <a:p>
+            <a:pPr lvl="0"/>
+            <a:r>
+              <a:rPr lang="en-US" smtClean="0"/>
+              <a:t>Click to edit Master text styles</a:t>
+            </a:r>
+          </a:p>
+          <a:p>
+            <a:pPr lvl="1"/>
+            <a:r>
+              <a:rPr lang="en-US" smtClean="0"/>
+              <a:t>Second level</a:t>
+            </a:r>
+          </a:p>
+          <a:p>
+            <a:pPr lvl="2"/>
+            <a:r>
+              <a:rPr lang="en-US" smtClean="0"/>
+              <a:t>Third level</a:t>
+            </a:r>
+          </a:p>
+          <a:p>
+            <a:pPr lvl="3"/>
+            <a:r>
+              <a:rPr lang="en-US" smtClean="0"/>
+              <a:t>Fourth level</a:t>
+            </a:r>
+          </a:p>
+          <a:p>
+            <a:pPr lvl="4"/>
+            <a:r>
+              <a:rPr lang="en-US" smtClean="0"/>
+              <a:t>Fifth level</a:t>
+            </a:r>
+            <a:endParaRPr lang="en-US"/>
+          </a:p>
+        </p:txBody>
+      </p:sp>
+      <p:sp>
+        <p:nvSpPr>
+          <p:cNvPr id="6" name="Footer Placeholder 5"/>
+          <p:cNvSpPr>
+            <a:spLocks noGrp="1"/>
+          </p:cNvSpPr>
+          <p:nvPr>
+            <p:ph type="ftr" sz="quarter" idx="4"/>
+          </p:nvPr>
+        </p:nvSpPr>
+        <p:spPr>
+          <a:xfrm>
+            <a:off x="0" y="8685213"/>
+            <a:ext cx="2971800" cy="458787"/>
+          </a:xfrm>
+          <a:prstGeom prst="rect">
+            <a:avLst/>
+          </a:prstGeom>
+        </p:spPr>
+        <p:txBody>
+          <a:bodyPr vert="horz" lIns="91440" tIns="45720" rIns="91440" bIns="45720" rtlCol="0" anchor="b"/>
+          <a:lstStyle>
+            <a:lvl1pPr algn="l">
+              <a:defRPr sz="1200"/>
+            </a:lvl1pPr>
+          </a:lstStyle>
+          <a:p>
+            <a:endParaRPr lang="en-US"/>
+          </a:p>
+        </p:txBody>
+      </p:sp>
+      <p:sp>
+        <p:nvSpPr>
+          <p:cNvPr id="7" name="Slide Number Placeholder 6"/>
+          <p:cNvSpPr>
+            <a:spLocks noGrp="1"/>
+          </p:cNvSpPr>
+          <p:nvPr>
+            <p:ph type="sldNum" sz="quarter" idx="5"/>
+          </p:nvPr>
+        </p:nvSpPr>
+        <p:spPr>
+          <a:xfrm>
+            <a:off x="3884613" y="8685213"/>
+            <a:ext cx="2971800" cy="458787"/>
+          </a:xfrm>
+          <a:prstGeom prst="rect">
+            <a:avLst/>
+          </a:prstGeom>
+        </p:spPr>
+        <p:txBody>
+          <a:bodyPr vert="horz" lIns="91440" tIns="45720" rIns="91440" bIns="45720" rtlCol="0" anchor="b"/>
+          <a:lstStyle>
+            <a:lvl1pPr algn="r">
+              <a:defRPr sz="1200"/>
+            </a:lvl1pPr>
+          </a:lstStyle>
+          <a:p>
+            <a:fld id="{693B9949-4082-4E9D-BF06-D5CAF1E713C7}" type="slidenum">
+              <a:rPr lang="en-US" smtClean="0"/>
+              <a:t>‹#›</a:t>
+            </a:fld>
+            <a:endParaRPr lang="en-US"/>
+          </a:p>
+        </p:txBody>
+      </p:sp>
+    </p:spTree>
+    <p:extLst>
+      <p:ext uri="{BB962C8B-B14F-4D97-AF65-F5344CB8AC3E}">
+        <p14:creationId xmlns:p14="http://schemas.microsoft.com/office/powerpoint/2010/main" val="3699303291"/>
+      </p:ext>
+    </p:extLst>
+  </p:cSld>
+  <p:clrMap bg1="lt1" tx1="dk1" bg2="lt2" tx2="dk2" accent1="accent1" accent2="accent2" accent3="accent3" accent4="accent4" accent5="accent5" accent6="accent6" hlink="hlink" folHlink="folHlink"/>
+  <p:notesStyle>
+    <a:lvl1pPr marL="0" algn="l" defTabSz="914400" rtl="0" eaLnBrk="1" latinLnBrk="0" hangingPunct="1">
+      <a:defRPr sz="1200" kern="1200">
+        <a:solidFill>
+          <a:schemeClr val="tx1"/>
+        </a:solidFill>
+        <a:latin typeface="+mn-lt"/>
+        <a:ea typeface="+mn-ea"/>
+        <a:cs typeface="+mn-cs"/>
+      </a:defRPr>
+    </a:lvl1pPr>
+    <a:lvl2pPr marL="457200" algn="l" defTabSz="914400" rtl="0" eaLnBrk="1" latinLnBrk="0" hangingPunct="1">
+      <a:defRPr sz="1200" kern="1200">
+        <a:solidFill>
+          <a:schemeClr val="tx1"/>
+        </a:solidFill>
+        <a:latin typeface="+mn-lt"/>
+        <a:ea typeface="+mn-ea"/>
+        <a:cs typeface="+mn-cs"/>
+      </a:defRPr>
+    </a:lvl2pPr>
+    <a:lvl3pPr marL="914400" algn="l" defTabSz="914400" rtl="0" eaLnBrk="1" latinLnBrk="0" hangingPunct="1">
+      <a:defRPr sz="1200" kern="1200">
+        <a:solidFill>
+          <a:schemeClr val="tx1"/>
+        </a:solidFill>
+        <a:latin typeface="+mn-lt"/>
+        <a:ea typeface="+mn-ea"/>
+        <a:cs typeface="+mn-cs"/>
+      </a:defRPr>
+    </a:lvl3pPr>
+    <a:lvl4pPr marL="1371600" algn="l" defTabSz="914400" rtl="0" eaLnBrk="1" latinLnBrk="0" hangingPunct="1">
+      <a:defRPr sz="1200" kern="1200">
+        <a:solidFill>
+          <a:schemeClr val="tx1"/>
+        </a:solidFill>
+        <a:latin typeface="+mn-lt"/>
+        <a:ea typeface="+mn-ea"/>
+        <a:cs typeface="+mn-cs"/>
+      </a:defRPr>
+    </a:lvl4pPr>
+    <a:lvl5pPr marL="1828800" algn="l" defTabSz="914400" rtl="0" eaLnBrk="1" latinLnBrk="0" hangingPunct="1">
+      <a:defRPr sz="1200" kern="1200">
+        <a:solidFill>
+          <a:schemeClr val="tx1"/>
+        </a:solidFill>
+        <a:latin typeface="+mn-lt"/>
+        <a:ea typeface="+mn-ea"/>
+        <a:cs typeface="+mn-cs"/>
+      </a:defRPr>
+    </a:lvl5pPr>
+    <a:lvl6pPr marL="2286000" algn="l" defTabSz="914400" rtl="0" eaLnBrk="1" latinLnBrk="0" hangingPunct="1">
+      <a:defRPr sz="1200" kern="1200">
+        <a:solidFill>
+          <a:schemeClr val="tx1"/>
+        </a:solidFill>
+        <a:latin typeface="+mn-lt"/>
+        <a:ea typeface="+mn-ea"/>
+        <a:cs typeface="+mn-cs"/>
+      </a:defRPr>
+    </a:lvl6pPr>
+    <a:lvl7pPr marL="2743200" algn="l" defTabSz="914400" rtl="0" eaLnBrk="1" latinLnBrk="0" hangingPunct="1">
+      <a:defRPr sz="1200" kern="1200">
+        <a:solidFill>
+          <a:schemeClr val="tx1"/>
+        </a:solidFill>
+        <a:latin typeface="+mn-lt"/>
+        <a:ea typeface="+mn-ea"/>
+        <a:cs typeface="+mn-cs"/>
+      </a:defRPr>
+    </a:lvl7pPr>
+    <a:lvl8pPr marL="3200400" algn="l" defTabSz="914400" rtl="0" eaLnBrk="1" latinLnBrk="0" hangingPunct="1">
+      <a:defRPr sz="1200" kern="1200">
+        <a:solidFill>
+          <a:schemeClr val="tx1"/>
+        </a:solidFill>
+        <a:latin typeface="+mn-lt"/>
+        <a:ea typeface="+mn-ea"/>
+        <a:cs typeface="+mn-cs"/>
+      </a:defRPr>
+    </a:lvl8pPr>
+    <a:lvl9pPr marL="3657600" algn="l" defTabSz="914400" rtl="0" eaLnBrk="1" latinLnBrk="0" hangingPunct="1">
+      <a:defRPr sz="1200" kern="1200">
+        <a:solidFill>
+          <a:schemeClr val="tx1"/>
+        </a:solidFill>
+        <a:latin typeface="+mn-lt"/>
+        <a:ea typeface="+mn-ea"/>
+        <a:cs typeface="+mn-cs"/>
+      </a:defRPr>
+    </a:lvl9pPr>
+  </p:notesStyle>
+</p:notesMaster>
+</file>
+
+<file path=ppt/notesSlides/notesSlide1.xml><?xml version="1.0" encoding="utf-8"?>
+<p:notes xmlns:a="http://schemas.openxmlformats.org/drawingml/2006/main" xmlns:r="http://schemas.openxmlformats.org/officeDocument/2006/relationships" xmlns:p="http://schemas.openxmlformats.org/presentationml/2006/main">
+  <p:cSld>
+    <p:spTree>
+      <p:nvGrpSpPr>
+        <p:cNvPr id="1" name=""/>
+        <p:cNvGrpSpPr/>
+        <p:nvPr/>
+      </p:nvGrpSpPr>
+      <p:grpSpPr>
+        <a:xfrm>
+          <a:off x="0" y="0"/>
+          <a:ext cx="0" cy="0"/>
+          <a:chOff x="0" y="0"/>
+          <a:chExt cx="0" cy="0"/>
+        </a:xfrm>
+      </p:grpSpPr>
+      <p:sp>
+        <p:nvSpPr>
+          <p:cNvPr id="2" name="Slide Image Placeholder 1"/>
+          <p:cNvSpPr>
+            <a:spLocks noGrp="1" noRot="1" noChangeAspect="1"/>
+          </p:cNvSpPr>
+          <p:nvPr>
+            <p:ph type="sldImg"/>
+          </p:nvPr>
+        </p:nvSpPr>
+        <p:spPr/>
+      </p:sp>
+      <p:sp>
+        <p:nvSpPr>
+          <p:cNvPr id="3" name="Notes Placeholder 2"/>
+          <p:cNvSpPr>
+            <a:spLocks noGrp="1"/>
+          </p:cNvSpPr>
+          <p:nvPr>
+            <p:ph type="body" idx="1"/>
+          </p:nvPr>
+        </p:nvSpPr>
+        <p:spPr/>
+        <p:txBody>
+          <a:bodyPr/>
+          <a:lstStyle/>
+          <a:p>
+            <a:r>
+              <a:rPr lang="en-US" dirty="0" smtClean="0"/>
+              <a:t>Saccades: rapid ballistic movements that bring the line of gaze from one place to another, are the primary means of acquiring new visual information</a:t>
+            </a:r>
+          </a:p>
+          <a:p>
+            <a:r>
+              <a:rPr lang="en-US" dirty="0" smtClean="0"/>
+              <a:t>Fixations: the eyes stay relatively still to allow for visual perception</a:t>
+            </a:r>
+          </a:p>
+          <a:p>
+            <a:r>
+              <a:rPr lang="en-US" dirty="0" smtClean="0"/>
+              <a:t>Change stimulus helps attract</a:t>
+            </a:r>
+            <a:r>
+              <a:rPr lang="en-US" baseline="0" dirty="0" smtClean="0"/>
+              <a:t> fixation – determine good length of fixation</a:t>
+            </a:r>
+            <a:endParaRPr lang="en-US" dirty="0"/>
+          </a:p>
+        </p:txBody>
+      </p:sp>
+      <p:sp>
+        <p:nvSpPr>
+          <p:cNvPr id="4" name="Slide Number Placeholder 3"/>
+          <p:cNvSpPr>
+            <a:spLocks noGrp="1"/>
+          </p:cNvSpPr>
+          <p:nvPr>
+            <p:ph type="sldNum" sz="quarter" idx="10"/>
+          </p:nvPr>
+        </p:nvSpPr>
+        <p:spPr/>
+        <p:txBody>
+          <a:bodyPr/>
+          <a:lstStyle/>
+          <a:p>
+            <a:fld id="{693B9949-4082-4E9D-BF06-D5CAF1E713C7}" type="slidenum">
+              <a:rPr lang="en-US" smtClean="0"/>
+              <a:t>4</a:t>
+            </a:fld>
+            <a:endParaRPr lang="en-US"/>
+          </a:p>
+        </p:txBody>
+      </p:sp>
+    </p:spTree>
+    <p:extLst>
+      <p:ext uri="{BB962C8B-B14F-4D97-AF65-F5344CB8AC3E}">
+        <p14:creationId xmlns:p14="http://schemas.microsoft.com/office/powerpoint/2010/main" val="1683765603"/>
+      </p:ext>
+    </p:extLst>
+  </p:cSld>
+  <p:clrMapOvr>
+    <a:masterClrMapping/>
+  </p:clrMapOvr>
+</p:notes>
+</file>
+
 <file path=ppt/slideLayouts/slideLayout1.xml><?xml version="1.0" encoding="utf-8"?>
 <p:sldLayout xmlns:a="http://schemas.openxmlformats.org/drawingml/2006/main" xmlns:r="http://schemas.openxmlformats.org/officeDocument/2006/relationships" xmlns:p="http://schemas.openxmlformats.org/presentationml/2006/main" showMasterSp="0" type="title" preserve="1">
   <p:cSld name="Title Slide">
@@ -286,7 +743,7 @@
           <a:p>
             <a:fld id="{063EE82C-7EBD-4CD0-9EA0-6671C904F8AE}" type="datetimeFigureOut">
               <a:rPr lang="en-US" smtClean="0"/>
-              <a:t>9/30/2016</a:t>
+              <a:t>10/2/2016</a:t>
             </a:fld>
             <a:endParaRPr lang="en-US"/>
           </a:p>
@@ -519,7 +976,7 @@
           <a:p>
             <a:fld id="{063EE82C-7EBD-4CD0-9EA0-6671C904F8AE}" type="datetimeFigureOut">
               <a:rPr lang="en-US" smtClean="0"/>
-              <a:t>9/30/2016</a:t>
+              <a:t>10/2/2016</a:t>
             </a:fld>
             <a:endParaRPr lang="en-US"/>
           </a:p>
@@ -699,7 +1156,7 @@
           <a:p>
             <a:fld id="{063EE82C-7EBD-4CD0-9EA0-6671C904F8AE}" type="datetimeFigureOut">
               <a:rPr lang="en-US" smtClean="0"/>
-              <a:t>9/30/2016</a:t>
+              <a:t>10/2/2016</a:t>
             </a:fld>
             <a:endParaRPr lang="en-US"/>
           </a:p>
@@ -874,7 +1331,7 @@
           <a:p>
             <a:fld id="{063EE82C-7EBD-4CD0-9EA0-6671C904F8AE}" type="datetimeFigureOut">
               <a:rPr lang="en-US" smtClean="0"/>
-              <a:t>9/30/2016</a:t>
+              <a:t>10/2/2016</a:t>
             </a:fld>
             <a:endParaRPr lang="en-US"/>
           </a:p>
@@ -1128,7 +1585,7 @@
           <a:p>
             <a:fld id="{063EE82C-7EBD-4CD0-9EA0-6671C904F8AE}" type="datetimeFigureOut">
               <a:rPr lang="en-US" smtClean="0"/>
-              <a:t>9/30/2016</a:t>
+              <a:t>10/2/2016</a:t>
             </a:fld>
             <a:endParaRPr lang="en-US"/>
           </a:p>
@@ -1459,7 +1916,7 @@
           <a:p>
             <a:fld id="{063EE82C-7EBD-4CD0-9EA0-6671C904F8AE}" type="datetimeFigureOut">
               <a:rPr lang="en-US" smtClean="0"/>
-              <a:t>9/30/2016</a:t>
+              <a:t>10/2/2016</a:t>
             </a:fld>
             <a:endParaRPr lang="en-US"/>
           </a:p>
@@ -1910,7 +2367,7 @@
           <a:p>
             <a:fld id="{063EE82C-7EBD-4CD0-9EA0-6671C904F8AE}" type="datetimeFigureOut">
               <a:rPr lang="en-US" smtClean="0"/>
-              <a:t>9/30/2016</a:t>
+              <a:t>10/2/2016</a:t>
             </a:fld>
             <a:endParaRPr lang="en-US"/>
           </a:p>
@@ -2028,7 +2485,7 @@
           <a:p>
             <a:fld id="{063EE82C-7EBD-4CD0-9EA0-6671C904F8AE}" type="datetimeFigureOut">
               <a:rPr lang="en-US" smtClean="0"/>
-              <a:t>9/30/2016</a:t>
+              <a:t>10/2/2016</a:t>
             </a:fld>
             <a:endParaRPr lang="en-US"/>
           </a:p>
@@ -2123,7 +2580,7 @@
           <a:p>
             <a:fld id="{063EE82C-7EBD-4CD0-9EA0-6671C904F8AE}" type="datetimeFigureOut">
               <a:rPr lang="en-US" smtClean="0"/>
-              <a:t>9/30/2016</a:t>
+              <a:t>10/2/2016</a:t>
             </a:fld>
             <a:endParaRPr lang="en-US"/>
           </a:p>
@@ -2410,7 +2867,7 @@
           <a:p>
             <a:fld id="{063EE82C-7EBD-4CD0-9EA0-6671C904F8AE}" type="datetimeFigureOut">
               <a:rPr lang="en-US" smtClean="0"/>
-              <a:t>9/30/2016</a:t>
+              <a:t>10/2/2016</a:t>
             </a:fld>
             <a:endParaRPr lang="en-US"/>
           </a:p>
@@ -2732,7 +3189,7 @@
           <a:p>
             <a:fld id="{063EE82C-7EBD-4CD0-9EA0-6671C904F8AE}" type="datetimeFigureOut">
               <a:rPr lang="en-US" smtClean="0"/>
-              <a:t>9/30/2016</a:t>
+              <a:t>10/2/2016</a:t>
             </a:fld>
             <a:endParaRPr lang="en-US"/>
           </a:p>
@@ -2986,7 +3443,7 @@
           <a:p>
             <a:fld id="{063EE82C-7EBD-4CD0-9EA0-6671C904F8AE}" type="datetimeFigureOut">
               <a:rPr lang="en-US" smtClean="0"/>
-              <a:t>9/30/2016</a:t>
+              <a:t>10/2/2016</a:t>
             </a:fld>
             <a:endParaRPr lang="en-US"/>
           </a:p>
@@ -3614,11 +4071,7 @@
           <a:p>
             <a:r>
               <a:rPr lang="en-US" dirty="0" smtClean="0"/>
-              <a:t>Part Two: Eye movement highlights and speaks words of </a:t>
-            </a:r>
-            <a:r>
-              <a:rPr lang="en-US" dirty="0" smtClean="0"/>
-              <a:t>page</a:t>
+              <a:t>Part Two: Eye movement highlights and speaks words of page</a:t>
             </a:r>
           </a:p>
           <a:p>
@@ -3793,15 +4246,7 @@
           <a:p>
             <a:r>
               <a:rPr lang="en-US" dirty="0" smtClean="0"/>
-              <a:t>Account </a:t>
-            </a:r>
-            <a:r>
-              <a:rPr lang="en-US" dirty="0" smtClean="0"/>
-              <a:t>for rapid, random eye </a:t>
-            </a:r>
-            <a:r>
-              <a:rPr lang="en-US" dirty="0" smtClean="0"/>
-              <a:t>movements</a:t>
+              <a:t>Account for rapid, random eye movements</a:t>
             </a:r>
           </a:p>
           <a:p>
@@ -3813,7 +4258,6 @@
               <a:rPr lang="en-US" dirty="0" smtClean="0"/>
               <a:t> - Kyle</a:t>
             </a:r>
-            <a:endParaRPr lang="en-US" dirty="0" smtClean="0"/>
           </a:p>
         </p:txBody>
       </p:sp>
@@ -3889,36 +4333,162 @@
         </p:nvSpPr>
         <p:spPr/>
         <p:txBody>
-          <a:bodyPr/>
-          <a:lstStyle/>
-          <a:p>
+          <a:bodyPr>
+            <a:normAutofit fontScale="92500" lnSpcReduction="10000"/>
+          </a:bodyPr>
+          <a:lstStyle/>
+          <a:p>
+            <a:r>
+              <a:rPr lang="en-US" dirty="0" err="1" smtClean="0"/>
+              <a:t>EyeLink</a:t>
+            </a:r>
             <a:r>
               <a:rPr lang="en-US" dirty="0" smtClean="0"/>
-              <a:t>Reference 3 research papers</a:t>
-            </a:r>
-          </a:p>
-          <a:p>
+              <a:t> Headband</a:t>
+            </a:r>
+          </a:p>
+          <a:p>
+            <a:pPr lvl="1"/>
             <a:r>
               <a:rPr lang="en-US" dirty="0" smtClean="0"/>
-              <a:t>How general approach builds on previous </a:t>
-            </a:r>
+              <a:t>Mounted to head</a:t>
+            </a:r>
+          </a:p>
+          <a:p>
+            <a:pPr lvl="1"/>
             <a:r>
               <a:rPr lang="en-US" dirty="0" smtClean="0"/>
-              <a:t>work</a:t>
-            </a:r>
-          </a:p>
-          <a:p>
-            <a:endParaRPr lang="en-US" dirty="0"/>
-          </a:p>
-          <a:p>
+              <a:t>Cameras hang below eyes </a:t>
+            </a:r>
+          </a:p>
+          <a:p>
+            <a:pPr lvl="1"/>
             <a:r>
               <a:rPr lang="en-US" dirty="0" smtClean="0"/>
-              <a:t>Kyle</a:t>
-            </a:r>
-            <a:endParaRPr lang="en-US" dirty="0"/>
-          </a:p>
-        </p:txBody>
-      </p:sp>
+              <a:t>Overhead camera tracking head position</a:t>
+            </a:r>
+          </a:p>
+          <a:p>
+            <a:pPr lvl="1"/>
+            <a:r>
+              <a:rPr lang="en-US" dirty="0" smtClean="0"/>
+              <a:t>Only track dominate eye position</a:t>
+            </a:r>
+          </a:p>
+          <a:p>
+            <a:pPr lvl="1"/>
+            <a:r>
+              <a:rPr lang="en-US" dirty="0" smtClean="0"/>
+              <a:t>Calibration period difficult (unclear of what changes to calibration allowed for greater success)</a:t>
+            </a:r>
+            <a:endParaRPr lang="en-US" dirty="0" smtClean="0"/>
+          </a:p>
+          <a:p>
+            <a:r>
+              <a:rPr lang="en-US" dirty="0" smtClean="0"/>
+              <a:t>Currently minimal exploration of text</a:t>
+            </a:r>
+          </a:p>
+          <a:p>
+            <a:r>
+              <a:rPr lang="en-US" dirty="0" smtClean="0"/>
+              <a:t>Capture infrared light reflections on both cornea and retina</a:t>
+            </a:r>
+          </a:p>
+          <a:p>
+            <a:r>
+              <a:rPr lang="en-US" dirty="0" smtClean="0"/>
+              <a:t>Saccades </a:t>
+            </a:r>
+            <a:r>
+              <a:rPr lang="en-US" dirty="0"/>
+              <a:t>and </a:t>
+            </a:r>
+            <a:r>
+              <a:rPr lang="en-US" dirty="0" smtClean="0"/>
+              <a:t>fixations</a:t>
+            </a:r>
+          </a:p>
+          <a:p>
+            <a:r>
+              <a:rPr lang="en-US" dirty="0" smtClean="0"/>
+              <a:t>Develop a grid based on calibration</a:t>
+            </a:r>
+          </a:p>
+          <a:p>
+            <a:r>
+              <a:rPr lang="en-US" dirty="0" smtClean="0"/>
+              <a:t>Change stimulus based on where eye is looking</a:t>
+            </a:r>
+          </a:p>
+          <a:p>
+            <a:r>
+              <a:rPr lang="en-US" dirty="0" smtClean="0"/>
+              <a:t>Create boundaries to compensate for over/undershooting targets</a:t>
+            </a:r>
+          </a:p>
+        </p:txBody>
+      </p:sp>
+      <p:pic>
+        <p:nvPicPr>
+          <p:cNvPr id="4" name="Picture 3"/>
+          <p:cNvPicPr>
+            <a:picLocks noChangeAspect="1"/>
+          </p:cNvPicPr>
+          <p:nvPr/>
+        </p:nvPicPr>
+        <p:blipFill>
+          <a:blip r:embed="rId3">
+            <a:extLst>
+              <a:ext uri="{28A0092B-C50C-407E-A947-70E740481C1C}">
+                <a14:useLocalDpi xmlns:a14="http://schemas.microsoft.com/office/drawing/2010/main" val="0"/>
+              </a:ext>
+            </a:extLst>
+          </a:blip>
+          <a:stretch>
+            <a:fillRect/>
+          </a:stretch>
+        </p:blipFill>
+        <p:spPr>
+          <a:xfrm>
+            <a:off x="8199882" y="833199"/>
+            <a:ext cx="1657350" cy="1752600"/>
+          </a:xfrm>
+          <a:prstGeom prst="rect">
+            <a:avLst/>
+          </a:prstGeom>
+        </p:spPr>
+      </p:pic>
+      <p:pic>
+        <p:nvPicPr>
+          <p:cNvPr id="5" name="Picture 4"/>
+          <p:cNvPicPr>
+            <a:picLocks noChangeAspect="1"/>
+          </p:cNvPicPr>
+          <p:nvPr/>
+        </p:nvPicPr>
+        <p:blipFill>
+          <a:blip r:embed="rId4">
+            <a:extLst>
+              <a:ext uri="{28A0092B-C50C-407E-A947-70E740481C1C}">
+                <a14:useLocalDpi xmlns:a14="http://schemas.microsoft.com/office/drawing/2010/main" val="0"/>
+              </a:ext>
+            </a:extLst>
+          </a:blip>
+          <a:stretch>
+            <a:fillRect/>
+          </a:stretch>
+        </p:blipFill>
+        <p:spPr>
+          <a:xfrm>
+            <a:off x="9297162" y="2585800"/>
+            <a:ext cx="1657350" cy="1247775"/>
+          </a:xfrm>
+          <a:prstGeom prst="rect">
+            <a:avLst/>
+          </a:prstGeom>
+        </p:spPr>
+      </p:pic>
     </p:spTree>
     <p:extLst>
       <p:ext uri="{BB962C8B-B14F-4D97-AF65-F5344CB8AC3E}">
@@ -4029,11 +4599,7 @@
             <a:pPr lvl="1"/>
             <a:r>
               <a:rPr lang="en-US" dirty="0" smtClean="0"/>
-              <a:t>Does tracking follow the flow of your actual </a:t>
-            </a:r>
-            <a:r>
-              <a:rPr lang="en-US" dirty="0" smtClean="0"/>
-              <a:t>reading</a:t>
+              <a:t>Does tracking follow the flow of your actual reading</a:t>
             </a:r>
           </a:p>
           <a:p>
@@ -4133,11 +4699,7 @@
             <a:pPr lvl="1"/>
             <a:r>
               <a:rPr lang="en-US" dirty="0" smtClean="0"/>
-              <a:t>Set up a profile and allow person to look through a piece of text where the eye movements are tracked </a:t>
-            </a:r>
-            <a:r>
-              <a:rPr lang="en-US" dirty="0" smtClean="0"/>
-              <a:t>accurately</a:t>
+              <a:t>Set up a profile and allow person to look through a piece of text where the eye movements are tracked accurately</a:t>
             </a:r>
           </a:p>
           <a:p>
@@ -4552,4 +5114,265 @@
     </a:ext>
   </a:extLst>
 </a:theme>
+</file>
+
+<file path=ppt/theme/theme2.xml><?xml version="1.0" encoding="utf-8"?>
+<a:theme xmlns:a="http://schemas.openxmlformats.org/drawingml/2006/main" name="Office Theme">
+  <a:themeElements>
+    <a:clrScheme name="Office">
+      <a:dk1>
+        <a:sysClr val="windowText" lastClr="000000"/>
+      </a:dk1>
+      <a:lt1>
+        <a:sysClr val="window" lastClr="FFFFFF"/>
+      </a:lt1>
+      <a:dk2>
+        <a:srgbClr val="44546A"/>
+      </a:dk2>
+      <a:lt2>
+        <a:srgbClr val="E7E6E6"/>
+      </a:lt2>
+      <a:accent1>
+        <a:srgbClr val="5B9BD5"/>
+      </a:accent1>
+      <a:accent2>
+        <a:srgbClr val="ED7D31"/>
+      </a:accent2>
+      <a:accent3>
+        <a:srgbClr val="A5A5A5"/>
+      </a:accent3>
+      <a:accent4>
+        <a:srgbClr val="FFC000"/>
+      </a:accent4>
+      <a:accent5>
+        <a:srgbClr val="4472C4"/>
+      </a:accent5>
+      <a:accent6>
+        <a:srgbClr val="70AD47"/>
+      </a:accent6>
+      <a:hlink>
+        <a:srgbClr val="0563C1"/>
+      </a:hlink>
+      <a:folHlink>
+        <a:srgbClr val="954F72"/>
+      </a:folHlink>
+    </a:clrScheme>
+    <a:fontScheme name="Office">
+      <a:majorFont>
+        <a:latin typeface="Calibri Light" panose="020F0302020204030204"/>
+        <a:ea typeface=""/>
+        <a:cs typeface=""/>
+        <a:font script="Jpan" typeface="ＭＳ Ｐゴシック"/>
+        <a:font script="Hang" typeface="맑은 고딕"/>
+        <a:font script="Hans" typeface="宋体"/>
+        <a:font script="Hant" typeface="新細明體"/>
+        <a:font script="Arab" typeface="Times New Roman"/>
+        <a:font script="Hebr" typeface="Times New Roman"/>
+        <a:font script="Thai" typeface="Angsana New"/>
+        <a:font script="Ethi" typeface="Nyala"/>
+        <a:font script="Beng" typeface="Vrinda"/>
+        <a:font script="Gujr" typeface="Shruti"/>
+        <a:font script="Khmr" typeface="MoolBoran"/>
+        <a:font script="Knda" typeface="Tunga"/>
+        <a:font script="Guru" typeface="Raavi"/>
+        <a:font script="Cans" typeface="Euphemia"/>
+        <a:font script="Cher" typeface="Plantagenet Cherokee"/>
+        <a:font script="Yiii" typeface="Microsoft Yi Baiti"/>
+        <a:font script="Tibt" typeface="Microsoft Himalaya"/>
+        <a:font script="Thaa" typeface="MV Boli"/>
+        <a:font script="Deva" typeface="Mangal"/>
+        <a:font script="Telu" typeface="Gautami"/>
+        <a:font script="Taml" typeface="Latha"/>
+        <a:font script="Syrc" typeface="Estrangelo Edessa"/>
+        <a:font script="Orya" typeface="Kalinga"/>
+        <a:font script="Mlym" typeface="Kartika"/>
+        <a:font script="Laoo" typeface="DokChampa"/>
+        <a:font script="Sinh" typeface="Iskoola Pota"/>
+        <a:font script="Mong" typeface="Mongolian Baiti"/>
+        <a:font script="Viet" typeface="Times New Roman"/>
+        <a:font script="Uigh" typeface="Microsoft Uighur"/>
+        <a:font script="Geor" typeface="Sylfaen"/>
+      </a:majorFont>
+      <a:minorFont>
+        <a:latin typeface="Calibri" panose="020F0502020204030204"/>
+        <a:ea typeface=""/>
+        <a:cs typeface=""/>
+        <a:font script="Jpan" typeface="ＭＳ Ｐゴシック"/>
+        <a:font script="Hang" typeface="맑은 고딕"/>
+        <a:font script="Hans" typeface="宋体"/>
+        <a:font script="Hant" typeface="新細明體"/>
+        <a:font script="Arab" typeface="Arial"/>
+        <a:font script="Hebr" typeface="Arial"/>
+        <a:font script="Thai" typeface="Cordia New"/>
+        <a:font script="Ethi" typeface="Nyala"/>
+        <a:font script="Beng" typeface="Vrinda"/>
+        <a:font script="Gujr" typeface="Shruti"/>
+        <a:font script="Khmr" typeface="DaunPenh"/>
+        <a:font script="Knda" typeface="Tunga"/>
+        <a:font script="Guru" typeface="Raavi"/>
+        <a:font script="Cans" typeface="Euphemia"/>
+        <a:font script="Cher" typeface="Plantagenet Cherokee"/>
+        <a:font script="Yiii" typeface="Microsoft Yi Baiti"/>
+        <a:font script="Tibt" typeface="Microsoft Himalaya"/>
+        <a:font script="Thaa" typeface="MV Boli"/>
+        <a:font script="Deva" typeface="Mangal"/>
+        <a:font script="Telu" typeface="Gautami"/>
+        <a:font script="Taml" typeface="Latha"/>
+        <a:font script="Syrc" typeface="Estrangelo Edessa"/>
+        <a:font script="Orya" typeface="Kalinga"/>
+        <a:font script="Mlym" typeface="Kartika"/>
+        <a:font script="Laoo" typeface="DokChampa"/>
+        <a:font script="Sinh" typeface="Iskoola Pota"/>
+        <a:font script="Mong" typeface="Mongolian Baiti"/>
+        <a:font script="Viet" typeface="Arial"/>
+        <a:font script="Uigh" typeface="Microsoft Uighur"/>
+        <a:font script="Geor" typeface="Sylfaen"/>
+      </a:minorFont>
+    </a:fontScheme>
+    <a:fmtScheme name="Office">
+      <a:fillStyleLst>
+        <a:solidFill>
+          <a:schemeClr val="phClr"/>
+        </a:solidFill>
+        <a:gradFill rotWithShape="1">
+          <a:gsLst>
+            <a:gs pos="0">
+              <a:schemeClr val="phClr">
+                <a:lumMod val="110000"/>
+                <a:satMod val="105000"/>
+                <a:tint val="67000"/>
+              </a:schemeClr>
+            </a:gs>
+            <a:gs pos="50000">
+              <a:schemeClr val="phClr">
+                <a:lumMod val="105000"/>
+                <a:satMod val="103000"/>
+                <a:tint val="73000"/>
+              </a:schemeClr>
+            </a:gs>
+            <a:gs pos="100000">
+              <a:schemeClr val="phClr">
+                <a:lumMod val="105000"/>
+                <a:satMod val="109000"/>
+                <a:tint val="81000"/>
+              </a:schemeClr>
+            </a:gs>
+          </a:gsLst>
+          <a:lin ang="5400000" scaled="0"/>
+        </a:gradFill>
+        <a:gradFill rotWithShape="1">
+          <a:gsLst>
+            <a:gs pos="0">
+              <a:schemeClr val="phClr">
+                <a:satMod val="103000"/>
+                <a:lumMod val="102000"/>
+                <a:tint val="94000"/>
+              </a:schemeClr>
+            </a:gs>
+            <a:gs pos="50000">
+              <a:schemeClr val="phClr">
+                <a:satMod val="110000"/>
+                <a:lumMod val="100000"/>
+                <a:shade val="100000"/>
+              </a:schemeClr>
+            </a:gs>
+            <a:gs pos="100000">
+              <a:schemeClr val="phClr">
+                <a:lumMod val="99000"/>
+                <a:satMod val="120000"/>
+                <a:shade val="78000"/>
+              </a:schemeClr>
+            </a:gs>
+          </a:gsLst>
+          <a:lin ang="5400000" scaled="0"/>
+        </a:gradFill>
+      </a:fillStyleLst>
+      <a:lnStyleLst>
+        <a:ln w="6350" cap="flat" cmpd="sng" algn="ctr">
+          <a:solidFill>
+            <a:schemeClr val="phClr"/>
+          </a:solidFill>
+          <a:prstDash val="solid"/>
+          <a:miter lim="800000"/>
+        </a:ln>
+        <a:ln w="12700" cap="flat" cmpd="sng" algn="ctr">
+          <a:solidFill>
+            <a:schemeClr val="phClr"/>
+          </a:solidFill>
+          <a:prstDash val="solid"/>
+          <a:miter lim="800000"/>
+        </a:ln>
+        <a:ln w="19050" cap="flat" cmpd="sng" algn="ctr">
+          <a:solidFill>
+            <a:schemeClr val="phClr"/>
+          </a:solidFill>
+          <a:prstDash val="solid"/>
+          <a:miter lim="800000"/>
+        </a:ln>
+      </a:lnStyleLst>
+      <a:effectStyleLst>
+        <a:effectStyle>
+          <a:effectLst/>
+        </a:effectStyle>
+        <a:effectStyle>
+          <a:effectLst/>
+        </a:effectStyle>
+        <a:effectStyle>
+          <a:effectLst>
+            <a:outerShdw blurRad="57150" dist="19050" dir="5400000" algn="ctr" rotWithShape="0">
+              <a:srgbClr val="000000">
+                <a:alpha val="63000"/>
+              </a:srgbClr>
+            </a:outerShdw>
+          </a:effectLst>
+        </a:effectStyle>
+      </a:effectStyleLst>
+      <a:bgFillStyleLst>
+        <a:solidFill>
+          <a:schemeClr val="phClr"/>
+        </a:solidFill>
+        <a:solidFill>
+          <a:schemeClr val="phClr">
+            <a:tint val="95000"/>
+            <a:satMod val="170000"/>
+          </a:schemeClr>
+        </a:solidFill>
+        <a:gradFill rotWithShape="1">
+          <a:gsLst>
+            <a:gs pos="0">
+              <a:schemeClr val="phClr">
+                <a:tint val="93000"/>
+                <a:satMod val="150000"/>
+                <a:shade val="98000"/>
+                <a:lumMod val="102000"/>
+              </a:schemeClr>
+            </a:gs>
+            <a:gs pos="50000">
+              <a:schemeClr val="phClr">
+                <a:tint val="98000"/>
+                <a:satMod val="130000"/>
+                <a:shade val="90000"/>
+                <a:lumMod val="103000"/>
+              </a:schemeClr>
+            </a:gs>
+            <a:gs pos="100000">
+              <a:schemeClr val="phClr">
+                <a:shade val="63000"/>
+                <a:satMod val="120000"/>
+              </a:schemeClr>
+            </a:gs>
+          </a:gsLst>
+          <a:lin ang="5400000" scaled="0"/>
+        </a:gradFill>
+      </a:bgFillStyleLst>
+    </a:fmtScheme>
+  </a:themeElements>
+  <a:objectDefaults/>
+  <a:extraClrSchemeLst/>
+  <a:extLst>
+    <a:ext uri="{05A4C25C-085E-4340-85A3-A5531E510DB2}">
+      <thm15:themeFamily xmlns:thm15="http://schemas.microsoft.com/office/thememl/2012/main" name="Office Theme" id="{62F939B6-93AF-4DB8-9C6B-D6C7DFDC589F}" vid="{4A3C46E8-61CC-4603-A589-7422A47A8E4A}"/>
+    </a:ext>
+  </a:extLst>
+</a:theme>
 </file>
--- a/ProposalPresentation/Proposal.pptx
+++ b/ProposalPresentation/Proposal.pptx
@@ -5,16 +5,22 @@
     <p:sldMasterId id="2147483690" r:id="rId1"/>
   </p:sldMasterIdLst>
   <p:notesMasterIdLst>
-    <p:notesMasterId r:id="rId9"/>
+    <p:notesMasterId r:id="rId15"/>
   </p:notesMasterIdLst>
   <p:sldIdLst>
     <p:sldId id="256" r:id="rId2"/>
     <p:sldId id="257" r:id="rId3"/>
     <p:sldId id="258" r:id="rId4"/>
-    <p:sldId id="259" r:id="rId5"/>
-    <p:sldId id="260" r:id="rId6"/>
-    <p:sldId id="261" r:id="rId7"/>
-    <p:sldId id="262" r:id="rId8"/>
+    <p:sldId id="263" r:id="rId5"/>
+    <p:sldId id="264" r:id="rId6"/>
+    <p:sldId id="265" r:id="rId7"/>
+    <p:sldId id="259" r:id="rId8"/>
+    <p:sldId id="268" r:id="rId9"/>
+    <p:sldId id="269" r:id="rId10"/>
+    <p:sldId id="270" r:id="rId11"/>
+    <p:sldId id="271" r:id="rId12"/>
+    <p:sldId id="261" r:id="rId13"/>
+    <p:sldId id="267" r:id="rId14"/>
   </p:sldIdLst>
   <p:sldSz cx="12192000" cy="6858000"/>
   <p:notesSz cx="6858000" cy="9144000"/>
@@ -203,7 +209,7 @@
           <a:p>
             <a:fld id="{196649D2-8F6F-483E-9FFD-996F9FA14F8E}" type="datetimeFigureOut">
               <a:rPr lang="en-US" smtClean="0"/>
-              <a:t>10/2/2016</a:t>
+              <a:t>10/3/2016</a:t>
             </a:fld>
             <a:endParaRPr lang="en-US"/>
           </a:p>
@@ -556,7 +562,7 @@
           <a:p>
             <a:fld id="{693B9949-4082-4E9D-BF06-D5CAF1E713C7}" type="slidenum">
               <a:rPr lang="en-US" smtClean="0"/>
-              <a:t>4</a:t>
+              <a:t>7</a:t>
             </a:fld>
             <a:endParaRPr lang="en-US"/>
           </a:p>
@@ -743,7 +749,7 @@
           <a:p>
             <a:fld id="{063EE82C-7EBD-4CD0-9EA0-6671C904F8AE}" type="datetimeFigureOut">
               <a:rPr lang="en-US" smtClean="0"/>
-              <a:t>10/2/2016</a:t>
+              <a:t>10/3/2016</a:t>
             </a:fld>
             <a:endParaRPr lang="en-US"/>
           </a:p>
@@ -976,7 +982,7 @@
           <a:p>
             <a:fld id="{063EE82C-7EBD-4CD0-9EA0-6671C904F8AE}" type="datetimeFigureOut">
               <a:rPr lang="en-US" smtClean="0"/>
-              <a:t>10/2/2016</a:t>
+              <a:t>10/3/2016</a:t>
             </a:fld>
             <a:endParaRPr lang="en-US"/>
           </a:p>
@@ -1156,7 +1162,7 @@
           <a:p>
             <a:fld id="{063EE82C-7EBD-4CD0-9EA0-6671C904F8AE}" type="datetimeFigureOut">
               <a:rPr lang="en-US" smtClean="0"/>
-              <a:t>10/2/2016</a:t>
+              <a:t>10/3/2016</a:t>
             </a:fld>
             <a:endParaRPr lang="en-US"/>
           </a:p>
@@ -1331,7 +1337,7 @@
           <a:p>
             <a:fld id="{063EE82C-7EBD-4CD0-9EA0-6671C904F8AE}" type="datetimeFigureOut">
               <a:rPr lang="en-US" smtClean="0"/>
-              <a:t>10/2/2016</a:t>
+              <a:t>10/3/2016</a:t>
             </a:fld>
             <a:endParaRPr lang="en-US"/>
           </a:p>
@@ -1585,7 +1591,7 @@
           <a:p>
             <a:fld id="{063EE82C-7EBD-4CD0-9EA0-6671C904F8AE}" type="datetimeFigureOut">
               <a:rPr lang="en-US" smtClean="0"/>
-              <a:t>10/2/2016</a:t>
+              <a:t>10/3/2016</a:t>
             </a:fld>
             <a:endParaRPr lang="en-US"/>
           </a:p>
@@ -1916,7 +1922,7 @@
           <a:p>
             <a:fld id="{063EE82C-7EBD-4CD0-9EA0-6671C904F8AE}" type="datetimeFigureOut">
               <a:rPr lang="en-US" smtClean="0"/>
-              <a:t>10/2/2016</a:t>
+              <a:t>10/3/2016</a:t>
             </a:fld>
             <a:endParaRPr lang="en-US"/>
           </a:p>
@@ -2367,7 +2373,7 @@
           <a:p>
             <a:fld id="{063EE82C-7EBD-4CD0-9EA0-6671C904F8AE}" type="datetimeFigureOut">
               <a:rPr lang="en-US" smtClean="0"/>
-              <a:t>10/2/2016</a:t>
+              <a:t>10/3/2016</a:t>
             </a:fld>
             <a:endParaRPr lang="en-US"/>
           </a:p>
@@ -2485,7 +2491,7 @@
           <a:p>
             <a:fld id="{063EE82C-7EBD-4CD0-9EA0-6671C904F8AE}" type="datetimeFigureOut">
               <a:rPr lang="en-US" smtClean="0"/>
-              <a:t>10/2/2016</a:t>
+              <a:t>10/3/2016</a:t>
             </a:fld>
             <a:endParaRPr lang="en-US"/>
           </a:p>
@@ -2580,7 +2586,7 @@
           <a:p>
             <a:fld id="{063EE82C-7EBD-4CD0-9EA0-6671C904F8AE}" type="datetimeFigureOut">
               <a:rPr lang="en-US" smtClean="0"/>
-              <a:t>10/2/2016</a:t>
+              <a:t>10/3/2016</a:t>
             </a:fld>
             <a:endParaRPr lang="en-US"/>
           </a:p>
@@ -2867,7 +2873,7 @@
           <a:p>
             <a:fld id="{063EE82C-7EBD-4CD0-9EA0-6671C904F8AE}" type="datetimeFigureOut">
               <a:rPr lang="en-US" smtClean="0"/>
-              <a:t>10/2/2016</a:t>
+              <a:t>10/3/2016</a:t>
             </a:fld>
             <a:endParaRPr lang="en-US"/>
           </a:p>
@@ -3189,7 +3195,7 @@
           <a:p>
             <a:fld id="{063EE82C-7EBD-4CD0-9EA0-6671C904F8AE}" type="datetimeFigureOut">
               <a:rPr lang="en-US" smtClean="0"/>
-              <a:t>10/2/2016</a:t>
+              <a:t>10/3/2016</a:t>
             </a:fld>
             <a:endParaRPr lang="en-US"/>
           </a:p>
@@ -3443,7 +3449,7 @@
           <a:p>
             <a:fld id="{063EE82C-7EBD-4CD0-9EA0-6671C904F8AE}" type="datetimeFigureOut">
               <a:rPr lang="en-US" smtClean="0"/>
-              <a:t>10/2/2016</a:t>
+              <a:t>10/3/2016</a:t>
             </a:fld>
             <a:endParaRPr lang="en-US"/>
           </a:p>
@@ -4002,6 +4008,1891 @@
 </p:sld>
 </file>
 
+<file path=ppt/slides/slide10.xml><?xml version="1.0" encoding="utf-8"?>
+<p:sld xmlns:a="http://schemas.openxmlformats.org/drawingml/2006/main" xmlns:r="http://schemas.openxmlformats.org/officeDocument/2006/relationships" xmlns:p="http://schemas.openxmlformats.org/presentationml/2006/main">
+  <p:cSld>
+    <p:spTree>
+      <p:nvGrpSpPr>
+        <p:cNvPr id="1" name=""/>
+        <p:cNvGrpSpPr/>
+        <p:nvPr/>
+      </p:nvGrpSpPr>
+      <p:grpSpPr>
+        <a:xfrm>
+          <a:off x="0" y="0"/>
+          <a:ext cx="0" cy="0"/>
+          <a:chOff x="0" y="0"/>
+          <a:chExt cx="0" cy="0"/>
+        </a:xfrm>
+      </p:grpSpPr>
+      <p:sp>
+        <p:nvSpPr>
+          <p:cNvPr id="2" name="Title 1"/>
+          <p:cNvSpPr>
+            <a:spLocks noGrp="1"/>
+          </p:cNvSpPr>
+          <p:nvPr>
+            <p:ph type="title"/>
+          </p:nvPr>
+        </p:nvSpPr>
+        <p:spPr/>
+        <p:txBody>
+          <a:bodyPr/>
+          <a:lstStyle/>
+          <a:p>
+            <a:r>
+              <a:rPr lang="en-US" dirty="0" smtClean="0"/>
+              <a:t>Experiment 3</a:t>
+            </a:r>
+            <a:endParaRPr lang="en-US" dirty="0"/>
+          </a:p>
+        </p:txBody>
+      </p:sp>
+      <p:sp>
+        <p:nvSpPr>
+          <p:cNvPr id="3" name="Content Placeholder 2"/>
+          <p:cNvSpPr>
+            <a:spLocks noGrp="1"/>
+          </p:cNvSpPr>
+          <p:nvPr>
+            <p:ph idx="1"/>
+          </p:nvPr>
+        </p:nvSpPr>
+        <p:spPr/>
+        <p:txBody>
+          <a:bodyPr/>
+          <a:lstStyle/>
+          <a:p>
+            <a:r>
+              <a:rPr lang="en-US" dirty="0" smtClean="0"/>
+              <a:t>What </a:t>
+            </a:r>
+            <a:r>
+              <a:rPr lang="en-US" dirty="0"/>
+              <a:t>granularity we can expect from eye movement </a:t>
+            </a:r>
+            <a:r>
+              <a:rPr lang="en-US" dirty="0" smtClean="0"/>
+              <a:t>data</a:t>
+            </a:r>
+          </a:p>
+          <a:p>
+            <a:r>
+              <a:rPr lang="en-US" dirty="0" smtClean="0"/>
+              <a:t>Assumption: User looks at screen during experiment</a:t>
+            </a:r>
+          </a:p>
+          <a:p>
+            <a:r>
+              <a:rPr lang="en-US" dirty="0" smtClean="0"/>
+              <a:t>Divide screen into 2 by 2, 3 by 3, and so on doing experiment until the accuracy is around 50 percent</a:t>
+            </a:r>
+          </a:p>
+          <a:p>
+            <a:r>
+              <a:rPr lang="en-US" dirty="0" smtClean="0"/>
+              <a:t>User looks at one rectangle and eye tracker give the one they think user is looking at </a:t>
+            </a:r>
+            <a:endParaRPr lang="en-US" dirty="0"/>
+          </a:p>
+          <a:p>
+            <a:pPr marL="0" marR="0" lvl="0" indent="0" defTabSz="914400" eaLnBrk="1" fontAlgn="auto" latinLnBrk="0" hangingPunct="1">
+              <a:lnSpc>
+                <a:spcPct val="100000"/>
+              </a:lnSpc>
+              <a:spcBef>
+                <a:spcPts val="0"/>
+              </a:spcBef>
+              <a:spcAft>
+                <a:spcPts val="0"/>
+              </a:spcAft>
+              <a:buClrTx/>
+              <a:buSzTx/>
+              <a:buFontTx/>
+              <a:buNone/>
+              <a:tabLst/>
+              <a:defRPr/>
+            </a:pPr>
+            <a:endParaRPr lang="en-US" dirty="0"/>
+          </a:p>
+        </p:txBody>
+      </p:sp>
+    </p:spTree>
+    <p:extLst>
+      <p:ext uri="{BB962C8B-B14F-4D97-AF65-F5344CB8AC3E}">
+        <p14:creationId xmlns:p14="http://schemas.microsoft.com/office/powerpoint/2010/main" val="2104047068"/>
+      </p:ext>
+    </p:extLst>
+  </p:cSld>
+  <p:clrMapOvr>
+    <a:masterClrMapping/>
+  </p:clrMapOvr>
+</p:sld>
+</file>
+
+<file path=ppt/slides/slide11.xml><?xml version="1.0" encoding="utf-8"?>
+<p:sld xmlns:a="http://schemas.openxmlformats.org/drawingml/2006/main" xmlns:r="http://schemas.openxmlformats.org/officeDocument/2006/relationships" xmlns:p="http://schemas.openxmlformats.org/presentationml/2006/main">
+  <p:cSld>
+    <p:spTree>
+      <p:nvGrpSpPr>
+        <p:cNvPr id="1" name=""/>
+        <p:cNvGrpSpPr/>
+        <p:nvPr/>
+      </p:nvGrpSpPr>
+      <p:grpSpPr>
+        <a:xfrm>
+          <a:off x="0" y="0"/>
+          <a:ext cx="0" cy="0"/>
+          <a:chOff x="0" y="0"/>
+          <a:chExt cx="0" cy="0"/>
+        </a:xfrm>
+      </p:grpSpPr>
+      <p:sp>
+        <p:nvSpPr>
+          <p:cNvPr id="2" name="Title 1"/>
+          <p:cNvSpPr>
+            <a:spLocks noGrp="1"/>
+          </p:cNvSpPr>
+          <p:nvPr>
+            <p:ph type="title"/>
+          </p:nvPr>
+        </p:nvSpPr>
+        <p:spPr/>
+        <p:txBody>
+          <a:bodyPr/>
+          <a:lstStyle/>
+          <a:p>
+            <a:r>
+              <a:rPr lang="en-US" dirty="0" smtClean="0"/>
+              <a:t>Experiment 4</a:t>
+            </a:r>
+            <a:endParaRPr lang="en-US" dirty="0"/>
+          </a:p>
+        </p:txBody>
+      </p:sp>
+      <p:sp>
+        <p:nvSpPr>
+          <p:cNvPr id="3" name="Content Placeholder 2"/>
+          <p:cNvSpPr>
+            <a:spLocks noGrp="1"/>
+          </p:cNvSpPr>
+          <p:nvPr>
+            <p:ph idx="1"/>
+          </p:nvPr>
+        </p:nvSpPr>
+        <p:spPr/>
+        <p:txBody>
+          <a:bodyPr/>
+          <a:lstStyle/>
+          <a:p>
+            <a:r>
+              <a:rPr lang="en-US" dirty="0" smtClean="0"/>
+              <a:t>Does tracking </a:t>
+            </a:r>
+            <a:r>
+              <a:rPr lang="en-US" dirty="0"/>
+              <a:t>the flow of </a:t>
+            </a:r>
+            <a:r>
+              <a:rPr lang="en-US" dirty="0" smtClean="0"/>
+              <a:t>user’s </a:t>
+            </a:r>
+            <a:r>
+              <a:rPr lang="en-US" dirty="0"/>
+              <a:t>actual </a:t>
+            </a:r>
+            <a:r>
+              <a:rPr lang="en-US" dirty="0" smtClean="0"/>
+              <a:t>reading</a:t>
+            </a:r>
+          </a:p>
+          <a:p>
+            <a:r>
+              <a:rPr lang="en-US" dirty="0" smtClean="0"/>
+              <a:t>Highly depends on the result of experiment 3</a:t>
+            </a:r>
+          </a:p>
+          <a:p>
+            <a:r>
+              <a:rPr lang="en-US" dirty="0" smtClean="0"/>
+              <a:t>Assumption: </a:t>
+            </a:r>
+            <a:r>
+              <a:rPr lang="en-US" dirty="0"/>
+              <a:t>User </a:t>
+            </a:r>
+            <a:r>
+              <a:rPr lang="en-US" dirty="0" smtClean="0"/>
+              <a:t>reads the article during experiment and does not get distract</a:t>
+            </a:r>
+          </a:p>
+          <a:p>
+            <a:r>
+              <a:rPr lang="en-US" dirty="0" smtClean="0"/>
+              <a:t>Highlight words which software thinks user is reading </a:t>
+            </a:r>
+          </a:p>
+          <a:p>
+            <a:r>
+              <a:rPr lang="en-US" dirty="0" smtClean="0"/>
+              <a:t>Design a questionnaire to collect user’s feedback</a:t>
+            </a:r>
+          </a:p>
+          <a:p>
+            <a:endParaRPr lang="en-US" dirty="0" smtClean="0"/>
+          </a:p>
+          <a:p>
+            <a:endParaRPr lang="en-US" dirty="0" smtClean="0"/>
+          </a:p>
+          <a:p>
+            <a:endParaRPr lang="en-US" dirty="0" smtClean="0"/>
+          </a:p>
+          <a:p>
+            <a:endParaRPr lang="en-US" dirty="0"/>
+          </a:p>
+        </p:txBody>
+      </p:sp>
+    </p:spTree>
+    <p:extLst>
+      <p:ext uri="{BB962C8B-B14F-4D97-AF65-F5344CB8AC3E}">
+        <p14:creationId xmlns:p14="http://schemas.microsoft.com/office/powerpoint/2010/main" val="3457332150"/>
+      </p:ext>
+    </p:extLst>
+  </p:cSld>
+  <p:clrMapOvr>
+    <a:masterClrMapping/>
+  </p:clrMapOvr>
+</p:sld>
+</file>
+
+<file path=ppt/slides/slide12.xml><?xml version="1.0" encoding="utf-8"?>
+<p:sld xmlns:a="http://schemas.openxmlformats.org/drawingml/2006/main" xmlns:r="http://schemas.openxmlformats.org/officeDocument/2006/relationships" xmlns:p="http://schemas.openxmlformats.org/presentationml/2006/main">
+  <p:cSld>
+    <p:spTree>
+      <p:nvGrpSpPr>
+        <p:cNvPr id="1" name=""/>
+        <p:cNvGrpSpPr/>
+        <p:nvPr/>
+      </p:nvGrpSpPr>
+      <p:grpSpPr>
+        <a:xfrm>
+          <a:off x="0" y="0"/>
+          <a:ext cx="0" cy="0"/>
+          <a:chOff x="0" y="0"/>
+          <a:chExt cx="0" cy="0"/>
+        </a:xfrm>
+      </p:grpSpPr>
+      <p:sp>
+        <p:nvSpPr>
+          <p:cNvPr id="2" name="Title 1"/>
+          <p:cNvSpPr>
+            <a:spLocks noGrp="1"/>
+          </p:cNvSpPr>
+          <p:nvPr>
+            <p:ph type="title"/>
+          </p:nvPr>
+        </p:nvSpPr>
+        <p:spPr/>
+        <p:txBody>
+          <a:bodyPr/>
+          <a:lstStyle/>
+          <a:p>
+            <a:r>
+              <a:rPr lang="en-US" smtClean="0"/>
+              <a:t>Demo</a:t>
+            </a:r>
+            <a:endParaRPr lang="en-US"/>
+          </a:p>
+        </p:txBody>
+      </p:sp>
+      <p:sp>
+        <p:nvSpPr>
+          <p:cNvPr id="3" name="Content Placeholder 2"/>
+          <p:cNvSpPr>
+            <a:spLocks noGrp="1"/>
+          </p:cNvSpPr>
+          <p:nvPr>
+            <p:ph idx="1"/>
+          </p:nvPr>
+        </p:nvSpPr>
+        <p:spPr/>
+        <p:txBody>
+          <a:bodyPr/>
+          <a:lstStyle/>
+          <a:p>
+            <a:r>
+              <a:rPr lang="en-US" dirty="0" smtClean="0"/>
+              <a:t>Best Case</a:t>
+            </a:r>
+          </a:p>
+          <a:p>
+            <a:pPr lvl="1"/>
+            <a:r>
+              <a:rPr lang="en-US" dirty="0" smtClean="0"/>
+              <a:t>Set up a profile and allow person to look through a piece of text where the eye movements are tracked accurately</a:t>
+            </a:r>
+          </a:p>
+          <a:p>
+            <a:endParaRPr lang="en-US" dirty="0"/>
+          </a:p>
+          <a:p>
+            <a:r>
+              <a:rPr lang="en-US" dirty="0" err="1" smtClean="0"/>
+              <a:t>Suhas</a:t>
+            </a:r>
+            <a:endParaRPr lang="en-US" dirty="0" smtClean="0"/>
+          </a:p>
+          <a:p>
+            <a:endParaRPr lang="en-US" dirty="0"/>
+          </a:p>
+        </p:txBody>
+      </p:sp>
+    </p:spTree>
+    <p:extLst>
+      <p:ext uri="{BB962C8B-B14F-4D97-AF65-F5344CB8AC3E}">
+        <p14:creationId xmlns:p14="http://schemas.microsoft.com/office/powerpoint/2010/main" val="747479787"/>
+      </p:ext>
+    </p:extLst>
+  </p:cSld>
+  <p:clrMapOvr>
+    <a:masterClrMapping/>
+  </p:clrMapOvr>
+  <p:timing>
+    <p:tnLst>
+      <p:par>
+        <p:cTn id="1" dur="indefinite" restart="never" nodeType="tmRoot"/>
+      </p:par>
+    </p:tnLst>
+  </p:timing>
+</p:sld>
+</file>
+
+<file path=ppt/slides/slide13.xml><?xml version="1.0" encoding="utf-8"?>
+<p:sld xmlns:a="http://schemas.openxmlformats.org/drawingml/2006/main" xmlns:r="http://schemas.openxmlformats.org/officeDocument/2006/relationships" xmlns:p="http://schemas.openxmlformats.org/presentationml/2006/main">
+  <p:cSld>
+    <p:spTree>
+      <p:nvGrpSpPr>
+        <p:cNvPr id="1" name=""/>
+        <p:cNvGrpSpPr/>
+        <p:nvPr/>
+      </p:nvGrpSpPr>
+      <p:grpSpPr>
+        <a:xfrm>
+          <a:off x="0" y="0"/>
+          <a:ext cx="0" cy="0"/>
+          <a:chOff x="0" y="0"/>
+          <a:chExt cx="0" cy="0"/>
+        </a:xfrm>
+      </p:grpSpPr>
+      <p:sp>
+        <p:nvSpPr>
+          <p:cNvPr id="2" name="Title 1"/>
+          <p:cNvSpPr>
+            <a:spLocks noGrp="1"/>
+          </p:cNvSpPr>
+          <p:nvPr>
+            <p:ph type="title"/>
+          </p:nvPr>
+        </p:nvSpPr>
+        <p:spPr/>
+        <p:txBody>
+          <a:bodyPr/>
+          <a:lstStyle/>
+          <a:p>
+            <a:r>
+              <a:rPr lang="en-US" smtClean="0"/>
+              <a:t>Milestones</a:t>
+            </a:r>
+            <a:endParaRPr lang="en-US"/>
+          </a:p>
+        </p:txBody>
+      </p:sp>
+      <p:graphicFrame>
+        <p:nvGraphicFramePr>
+          <p:cNvPr id="7" name="Content Placeholder 6"/>
+          <p:cNvGraphicFramePr>
+            <a:graphicFrameLocks noGrp="1"/>
+          </p:cNvGraphicFramePr>
+          <p:nvPr>
+            <p:ph idx="1"/>
+            <p:extLst/>
+          </p:nvPr>
+        </p:nvGraphicFramePr>
+        <p:xfrm>
+          <a:off x="762142" y="2255934"/>
+          <a:ext cx="9417685" cy="2225040"/>
+        </p:xfrm>
+        <a:graphic>
+          <a:graphicData uri="http://schemas.openxmlformats.org/drawingml/2006/table">
+            <a:tbl>
+              <a:tblPr firstRow="1" bandRow="1">
+                <a:tableStyleId>{5C22544A-7EE6-4342-B048-85BDC9FD1C3A}</a:tableStyleId>
+              </a:tblPr>
+              <a:tblGrid>
+                <a:gridCol w="5205730"/>
+                <a:gridCol w="1371600"/>
+                <a:gridCol w="1468755"/>
+                <a:gridCol w="1371600"/>
+              </a:tblGrid>
+              <a:tr h="370840">
+                <a:tc>
+                  <a:txBody>
+                    <a:bodyPr/>
+                    <a:lstStyle/>
+                    <a:p>
+                      <a:pPr algn="ctr"/>
+                      <a:r>
+                        <a:rPr lang="en-US" sz="1400" dirty="0" smtClean="0">
+                          <a:solidFill>
+                            <a:schemeClr val="tx1"/>
+                          </a:solidFill>
+                        </a:rPr>
+                        <a:t>Tasks</a:t>
+                      </a:r>
+                      <a:endParaRPr lang="en-US" sz="1400" dirty="0">
+                        <a:solidFill>
+                          <a:schemeClr val="tx1"/>
+                        </a:solidFill>
+                      </a:endParaRPr>
+                    </a:p>
+                  </a:txBody>
+                  <a:tcPr anchor="ctr">
+                    <a:lnL w="12700" cap="flat" cmpd="sng" algn="ctr">
+                      <a:solidFill>
+                        <a:schemeClr val="tx1"/>
+                      </a:solidFill>
+                      <a:prstDash val="solid"/>
+                      <a:round/>
+                      <a:headEnd type="none" w="med" len="med"/>
+                      <a:tailEnd type="none" w="med" len="med"/>
+                    </a:lnL>
+                    <a:lnR w="12700" cap="flat" cmpd="sng" algn="ctr">
+                      <a:solidFill>
+                        <a:schemeClr val="tx1"/>
+                      </a:solidFill>
+                      <a:prstDash val="solid"/>
+                      <a:round/>
+                      <a:headEnd type="none" w="med" len="med"/>
+                      <a:tailEnd type="none" w="med" len="med"/>
+                    </a:lnR>
+                    <a:lnT w="12700" cap="flat" cmpd="sng" algn="ctr">
+                      <a:solidFill>
+                        <a:schemeClr val="tx1"/>
+                      </a:solidFill>
+                      <a:prstDash val="solid"/>
+                      <a:round/>
+                      <a:headEnd type="none" w="med" len="med"/>
+                      <a:tailEnd type="none" w="med" len="med"/>
+                    </a:lnT>
+                    <a:lnB w="12700" cap="flat" cmpd="sng" algn="ctr">
+                      <a:solidFill>
+                        <a:schemeClr val="tx1"/>
+                      </a:solidFill>
+                      <a:prstDash val="solid"/>
+                      <a:round/>
+                      <a:headEnd type="none" w="med" len="med"/>
+                      <a:tailEnd type="none" w="med" len="med"/>
+                    </a:lnB>
+                    <a:solidFill>
+                      <a:schemeClr val="bg1"/>
+                    </a:solidFill>
+                  </a:tcPr>
+                </a:tc>
+                <a:tc>
+                  <a:txBody>
+                    <a:bodyPr/>
+                    <a:lstStyle/>
+                    <a:p>
+                      <a:pPr algn="ctr"/>
+                      <a:r>
+                        <a:rPr lang="en-US" sz="1400" dirty="0" smtClean="0">
+                          <a:solidFill>
+                            <a:schemeClr val="tx1"/>
+                          </a:solidFill>
+                        </a:rPr>
+                        <a:t>October</a:t>
+                      </a:r>
+                      <a:endParaRPr lang="en-US" sz="1400" dirty="0">
+                        <a:solidFill>
+                          <a:schemeClr val="tx1"/>
+                        </a:solidFill>
+                      </a:endParaRPr>
+                    </a:p>
+                  </a:txBody>
+                  <a:tcPr anchor="ctr">
+                    <a:lnL w="12700" cap="flat" cmpd="sng" algn="ctr">
+                      <a:solidFill>
+                        <a:schemeClr val="tx1"/>
+                      </a:solidFill>
+                      <a:prstDash val="solid"/>
+                      <a:round/>
+                      <a:headEnd type="none" w="med" len="med"/>
+                      <a:tailEnd type="none" w="med" len="med"/>
+                    </a:lnL>
+                    <a:lnR w="12700" cap="flat" cmpd="sng" algn="ctr">
+                      <a:solidFill>
+                        <a:schemeClr val="tx1"/>
+                      </a:solidFill>
+                      <a:prstDash val="solid"/>
+                      <a:round/>
+                      <a:headEnd type="none" w="med" len="med"/>
+                      <a:tailEnd type="none" w="med" len="med"/>
+                    </a:lnR>
+                    <a:lnT w="12700" cap="flat" cmpd="sng" algn="ctr">
+                      <a:solidFill>
+                        <a:schemeClr val="tx1"/>
+                      </a:solidFill>
+                      <a:prstDash val="solid"/>
+                      <a:round/>
+                      <a:headEnd type="none" w="med" len="med"/>
+                      <a:tailEnd type="none" w="med" len="med"/>
+                    </a:lnT>
+                    <a:lnB w="12700" cap="flat" cmpd="sng" algn="ctr">
+                      <a:solidFill>
+                        <a:schemeClr val="tx1"/>
+                      </a:solidFill>
+                      <a:prstDash val="solid"/>
+                      <a:round/>
+                      <a:headEnd type="none" w="med" len="med"/>
+                      <a:tailEnd type="none" w="med" len="med"/>
+                    </a:lnB>
+                    <a:solidFill>
+                      <a:schemeClr val="bg1"/>
+                    </a:solidFill>
+                  </a:tcPr>
+                </a:tc>
+                <a:tc>
+                  <a:txBody>
+                    <a:bodyPr/>
+                    <a:lstStyle/>
+                    <a:p>
+                      <a:pPr algn="ctr"/>
+                      <a:r>
+                        <a:rPr lang="en-US" sz="1400" dirty="0" smtClean="0">
+                          <a:solidFill>
+                            <a:schemeClr val="tx1"/>
+                          </a:solidFill>
+                        </a:rPr>
+                        <a:t>November</a:t>
+                      </a:r>
+                      <a:endParaRPr lang="en-US" sz="1400" dirty="0">
+                        <a:solidFill>
+                          <a:schemeClr val="tx1"/>
+                        </a:solidFill>
+                      </a:endParaRPr>
+                    </a:p>
+                  </a:txBody>
+                  <a:tcPr anchor="ctr">
+                    <a:lnL w="12700" cap="flat" cmpd="sng" algn="ctr">
+                      <a:solidFill>
+                        <a:schemeClr val="tx1"/>
+                      </a:solidFill>
+                      <a:prstDash val="solid"/>
+                      <a:round/>
+                      <a:headEnd type="none" w="med" len="med"/>
+                      <a:tailEnd type="none" w="med" len="med"/>
+                    </a:lnL>
+                    <a:lnR w="12700" cap="flat" cmpd="sng" algn="ctr">
+                      <a:solidFill>
+                        <a:schemeClr val="tx1"/>
+                      </a:solidFill>
+                      <a:prstDash val="solid"/>
+                      <a:round/>
+                      <a:headEnd type="none" w="med" len="med"/>
+                      <a:tailEnd type="none" w="med" len="med"/>
+                    </a:lnR>
+                    <a:lnT w="12700" cap="flat" cmpd="sng" algn="ctr">
+                      <a:solidFill>
+                        <a:schemeClr val="tx1"/>
+                      </a:solidFill>
+                      <a:prstDash val="solid"/>
+                      <a:round/>
+                      <a:headEnd type="none" w="med" len="med"/>
+                      <a:tailEnd type="none" w="med" len="med"/>
+                    </a:lnT>
+                    <a:lnB w="12700" cap="flat" cmpd="sng" algn="ctr">
+                      <a:solidFill>
+                        <a:schemeClr val="tx1"/>
+                      </a:solidFill>
+                      <a:prstDash val="solid"/>
+                      <a:round/>
+                      <a:headEnd type="none" w="med" len="med"/>
+                      <a:tailEnd type="none" w="med" len="med"/>
+                    </a:lnB>
+                    <a:solidFill>
+                      <a:schemeClr val="bg1"/>
+                    </a:solidFill>
+                  </a:tcPr>
+                </a:tc>
+                <a:tc>
+                  <a:txBody>
+                    <a:bodyPr/>
+                    <a:lstStyle/>
+                    <a:p>
+                      <a:pPr algn="ctr"/>
+                      <a:r>
+                        <a:rPr lang="en-US" sz="1400" b="0" dirty="0" smtClean="0">
+                          <a:solidFill>
+                            <a:schemeClr val="tx1"/>
+                          </a:solidFill>
+                        </a:rPr>
+                        <a:t>December</a:t>
+                      </a:r>
+                      <a:endParaRPr lang="en-US" sz="1400" b="0" dirty="0">
+                        <a:solidFill>
+                          <a:schemeClr val="tx1"/>
+                        </a:solidFill>
+                      </a:endParaRPr>
+                    </a:p>
+                  </a:txBody>
+                  <a:tcPr anchor="ctr">
+                    <a:lnL w="12700" cap="flat" cmpd="sng" algn="ctr">
+                      <a:solidFill>
+                        <a:schemeClr val="tx1"/>
+                      </a:solidFill>
+                      <a:prstDash val="solid"/>
+                      <a:round/>
+                      <a:headEnd type="none" w="med" len="med"/>
+                      <a:tailEnd type="none" w="med" len="med"/>
+                    </a:lnL>
+                    <a:lnR w="12700" cap="flat" cmpd="sng" algn="ctr">
+                      <a:solidFill>
+                        <a:schemeClr val="tx1"/>
+                      </a:solidFill>
+                      <a:prstDash val="solid"/>
+                      <a:round/>
+                      <a:headEnd type="none" w="med" len="med"/>
+                      <a:tailEnd type="none" w="med" len="med"/>
+                    </a:lnR>
+                    <a:lnT w="12700" cap="flat" cmpd="sng" algn="ctr">
+                      <a:solidFill>
+                        <a:schemeClr val="tx1"/>
+                      </a:solidFill>
+                      <a:prstDash val="solid"/>
+                      <a:round/>
+                      <a:headEnd type="none" w="med" len="med"/>
+                      <a:tailEnd type="none" w="med" len="med"/>
+                    </a:lnT>
+                    <a:lnB w="12700" cap="flat" cmpd="sng" algn="ctr">
+                      <a:solidFill>
+                        <a:schemeClr val="tx1"/>
+                      </a:solidFill>
+                      <a:prstDash val="solid"/>
+                      <a:round/>
+                      <a:headEnd type="none" w="med" len="med"/>
+                      <a:tailEnd type="none" w="med" len="med"/>
+                    </a:lnB>
+                    <a:solidFill>
+                      <a:schemeClr val="bg1"/>
+                    </a:solidFill>
+                  </a:tcPr>
+                </a:tc>
+              </a:tr>
+              <a:tr h="370840">
+                <a:tc>
+                  <a:txBody>
+                    <a:bodyPr/>
+                    <a:lstStyle/>
+                    <a:p>
+                      <a:pPr algn="l"/>
+                      <a:r>
+                        <a:rPr lang="en-US" sz="1400" dirty="0" smtClean="0">
+                          <a:solidFill>
+                            <a:schemeClr val="tx1"/>
+                          </a:solidFill>
+                        </a:rPr>
+                        <a:t>Programming</a:t>
+                      </a:r>
+                      <a:r>
+                        <a:rPr lang="en-US" sz="1400" baseline="0" dirty="0" smtClean="0">
+                          <a:solidFill>
+                            <a:schemeClr val="tx1"/>
+                          </a:solidFill>
+                        </a:rPr>
+                        <a:t> to get correct output from Eye tracking sensor</a:t>
+                      </a:r>
+                      <a:endParaRPr lang="en-US" sz="1400" dirty="0">
+                        <a:solidFill>
+                          <a:schemeClr val="tx1"/>
+                        </a:solidFill>
+                      </a:endParaRPr>
+                    </a:p>
+                  </a:txBody>
+                  <a:tcPr anchor="ctr">
+                    <a:lnL w="12700" cap="flat" cmpd="sng" algn="ctr">
+                      <a:solidFill>
+                        <a:schemeClr val="tx1"/>
+                      </a:solidFill>
+                      <a:prstDash val="solid"/>
+                      <a:round/>
+                      <a:headEnd type="none" w="med" len="med"/>
+                      <a:tailEnd type="none" w="med" len="med"/>
+                    </a:lnL>
+                    <a:lnR w="12700" cap="flat" cmpd="sng" algn="ctr">
+                      <a:solidFill>
+                        <a:schemeClr val="tx1"/>
+                      </a:solidFill>
+                      <a:prstDash val="solid"/>
+                      <a:round/>
+                      <a:headEnd type="none" w="med" len="med"/>
+                      <a:tailEnd type="none" w="med" len="med"/>
+                    </a:lnR>
+                    <a:lnT w="12700" cap="flat" cmpd="sng" algn="ctr">
+                      <a:solidFill>
+                        <a:schemeClr val="tx1"/>
+                      </a:solidFill>
+                      <a:prstDash val="solid"/>
+                      <a:round/>
+                      <a:headEnd type="none" w="med" len="med"/>
+                      <a:tailEnd type="none" w="med" len="med"/>
+                    </a:lnT>
+                    <a:lnB w="12700" cap="flat" cmpd="sng" algn="ctr">
+                      <a:solidFill>
+                        <a:schemeClr val="tx1"/>
+                      </a:solidFill>
+                      <a:prstDash val="solid"/>
+                      <a:round/>
+                      <a:headEnd type="none" w="med" len="med"/>
+                      <a:tailEnd type="none" w="med" len="med"/>
+                    </a:lnB>
+                    <a:solidFill>
+                      <a:schemeClr val="bg1"/>
+                    </a:solidFill>
+                  </a:tcPr>
+                </a:tc>
+                <a:tc>
+                  <a:txBody>
+                    <a:bodyPr/>
+                    <a:lstStyle/>
+                    <a:p>
+                      <a:pPr algn="ctr"/>
+                      <a:endParaRPr lang="en-US" sz="1400" dirty="0">
+                        <a:solidFill>
+                          <a:schemeClr val="tx1"/>
+                        </a:solidFill>
+                      </a:endParaRPr>
+                    </a:p>
+                  </a:txBody>
+                  <a:tcPr anchor="ctr">
+                    <a:lnL w="12700" cap="flat" cmpd="sng" algn="ctr">
+                      <a:solidFill>
+                        <a:schemeClr val="tx1"/>
+                      </a:solidFill>
+                      <a:prstDash val="solid"/>
+                      <a:round/>
+                      <a:headEnd type="none" w="med" len="med"/>
+                      <a:tailEnd type="none" w="med" len="med"/>
+                    </a:lnL>
+                    <a:lnR w="12700" cap="flat" cmpd="sng" algn="ctr">
+                      <a:solidFill>
+                        <a:schemeClr val="tx1"/>
+                      </a:solidFill>
+                      <a:prstDash val="solid"/>
+                      <a:round/>
+                      <a:headEnd type="none" w="med" len="med"/>
+                      <a:tailEnd type="none" w="med" len="med"/>
+                    </a:lnR>
+                    <a:lnT w="12700" cap="flat" cmpd="sng" algn="ctr">
+                      <a:solidFill>
+                        <a:schemeClr val="tx1"/>
+                      </a:solidFill>
+                      <a:prstDash val="solid"/>
+                      <a:round/>
+                      <a:headEnd type="none" w="med" len="med"/>
+                      <a:tailEnd type="none" w="med" len="med"/>
+                    </a:lnT>
+                    <a:lnB w="12700" cap="flat" cmpd="sng" algn="ctr">
+                      <a:solidFill>
+                        <a:schemeClr val="tx1"/>
+                      </a:solidFill>
+                      <a:prstDash val="solid"/>
+                      <a:round/>
+                      <a:headEnd type="none" w="med" len="med"/>
+                      <a:tailEnd type="none" w="med" len="med"/>
+                    </a:lnB>
+                    <a:solidFill>
+                      <a:schemeClr val="tx1">
+                        <a:lumMod val="50000"/>
+                        <a:lumOff val="50000"/>
+                      </a:schemeClr>
+                    </a:solidFill>
+                  </a:tcPr>
+                </a:tc>
+                <a:tc>
+                  <a:txBody>
+                    <a:bodyPr/>
+                    <a:lstStyle/>
+                    <a:p>
+                      <a:pPr algn="ctr"/>
+                      <a:endParaRPr lang="en-US" sz="1400" dirty="0">
+                        <a:solidFill>
+                          <a:schemeClr val="tx1"/>
+                        </a:solidFill>
+                      </a:endParaRPr>
+                    </a:p>
+                  </a:txBody>
+                  <a:tcPr anchor="ctr">
+                    <a:lnL w="12700" cap="flat" cmpd="sng" algn="ctr">
+                      <a:solidFill>
+                        <a:schemeClr val="tx1"/>
+                      </a:solidFill>
+                      <a:prstDash val="solid"/>
+                      <a:round/>
+                      <a:headEnd type="none" w="med" len="med"/>
+                      <a:tailEnd type="none" w="med" len="med"/>
+                    </a:lnL>
+                    <a:lnR w="12700" cap="flat" cmpd="sng" algn="ctr">
+                      <a:solidFill>
+                        <a:schemeClr val="tx1"/>
+                      </a:solidFill>
+                      <a:prstDash val="solid"/>
+                      <a:round/>
+                      <a:headEnd type="none" w="med" len="med"/>
+                      <a:tailEnd type="none" w="med" len="med"/>
+                    </a:lnR>
+                    <a:lnT w="12700" cap="flat" cmpd="sng" algn="ctr">
+                      <a:solidFill>
+                        <a:schemeClr val="tx1"/>
+                      </a:solidFill>
+                      <a:prstDash val="solid"/>
+                      <a:round/>
+                      <a:headEnd type="none" w="med" len="med"/>
+                      <a:tailEnd type="none" w="med" len="med"/>
+                    </a:lnT>
+                    <a:lnB w="12700" cap="flat" cmpd="sng" algn="ctr">
+                      <a:solidFill>
+                        <a:schemeClr val="tx1"/>
+                      </a:solidFill>
+                      <a:prstDash val="solid"/>
+                      <a:round/>
+                      <a:headEnd type="none" w="med" len="med"/>
+                      <a:tailEnd type="none" w="med" len="med"/>
+                    </a:lnB>
+                    <a:solidFill>
+                      <a:schemeClr val="bg1"/>
+                    </a:solidFill>
+                  </a:tcPr>
+                </a:tc>
+                <a:tc>
+                  <a:txBody>
+                    <a:bodyPr/>
+                    <a:lstStyle/>
+                    <a:p>
+                      <a:pPr algn="ctr"/>
+                      <a:endParaRPr lang="en-US" sz="1400" dirty="0">
+                        <a:solidFill>
+                          <a:schemeClr val="tx1"/>
+                        </a:solidFill>
+                      </a:endParaRPr>
+                    </a:p>
+                  </a:txBody>
+                  <a:tcPr anchor="ctr">
+                    <a:lnL w="12700" cap="flat" cmpd="sng" algn="ctr">
+                      <a:solidFill>
+                        <a:schemeClr val="tx1"/>
+                      </a:solidFill>
+                      <a:prstDash val="solid"/>
+                      <a:round/>
+                      <a:headEnd type="none" w="med" len="med"/>
+                      <a:tailEnd type="none" w="med" len="med"/>
+                    </a:lnL>
+                    <a:lnR w="12700" cap="flat" cmpd="sng" algn="ctr">
+                      <a:solidFill>
+                        <a:schemeClr val="tx1"/>
+                      </a:solidFill>
+                      <a:prstDash val="solid"/>
+                      <a:round/>
+                      <a:headEnd type="none" w="med" len="med"/>
+                      <a:tailEnd type="none" w="med" len="med"/>
+                    </a:lnR>
+                    <a:lnT w="12700" cap="flat" cmpd="sng" algn="ctr">
+                      <a:solidFill>
+                        <a:schemeClr val="tx1"/>
+                      </a:solidFill>
+                      <a:prstDash val="solid"/>
+                      <a:round/>
+                      <a:headEnd type="none" w="med" len="med"/>
+                      <a:tailEnd type="none" w="med" len="med"/>
+                    </a:lnT>
+                    <a:lnB w="12700" cap="flat" cmpd="sng" algn="ctr">
+                      <a:solidFill>
+                        <a:schemeClr val="tx1"/>
+                      </a:solidFill>
+                      <a:prstDash val="solid"/>
+                      <a:round/>
+                      <a:headEnd type="none" w="med" len="med"/>
+                      <a:tailEnd type="none" w="med" len="med"/>
+                    </a:lnB>
+                    <a:solidFill>
+                      <a:schemeClr val="bg1"/>
+                    </a:solidFill>
+                  </a:tcPr>
+                </a:tc>
+              </a:tr>
+              <a:tr h="370840">
+                <a:tc>
+                  <a:txBody>
+                    <a:bodyPr/>
+                    <a:lstStyle/>
+                    <a:p>
+                      <a:pPr algn="l"/>
+                      <a:r>
+                        <a:rPr lang="en-US" sz="1400" dirty="0" smtClean="0">
+                          <a:solidFill>
+                            <a:schemeClr val="tx1"/>
+                          </a:solidFill>
+                        </a:rPr>
+                        <a:t>Programming for</a:t>
+                      </a:r>
+                      <a:r>
+                        <a:rPr lang="en-US" sz="1400" baseline="0" dirty="0" smtClean="0">
+                          <a:solidFill>
+                            <a:schemeClr val="tx1"/>
+                          </a:solidFill>
+                        </a:rPr>
+                        <a:t> object detection </a:t>
+                      </a:r>
+                      <a:endParaRPr lang="en-US" sz="1400" dirty="0">
+                        <a:solidFill>
+                          <a:schemeClr val="tx1"/>
+                        </a:solidFill>
+                      </a:endParaRPr>
+                    </a:p>
+                  </a:txBody>
+                  <a:tcPr anchor="ctr">
+                    <a:lnL w="12700" cap="flat" cmpd="sng" algn="ctr">
+                      <a:solidFill>
+                        <a:schemeClr val="tx1"/>
+                      </a:solidFill>
+                      <a:prstDash val="solid"/>
+                      <a:round/>
+                      <a:headEnd type="none" w="med" len="med"/>
+                      <a:tailEnd type="none" w="med" len="med"/>
+                    </a:lnL>
+                    <a:lnR w="12700" cap="flat" cmpd="sng" algn="ctr">
+                      <a:solidFill>
+                        <a:schemeClr val="tx1"/>
+                      </a:solidFill>
+                      <a:prstDash val="solid"/>
+                      <a:round/>
+                      <a:headEnd type="none" w="med" len="med"/>
+                      <a:tailEnd type="none" w="med" len="med"/>
+                    </a:lnR>
+                    <a:lnT w="12700" cap="flat" cmpd="sng" algn="ctr">
+                      <a:solidFill>
+                        <a:schemeClr val="tx1"/>
+                      </a:solidFill>
+                      <a:prstDash val="solid"/>
+                      <a:round/>
+                      <a:headEnd type="none" w="med" len="med"/>
+                      <a:tailEnd type="none" w="med" len="med"/>
+                    </a:lnT>
+                    <a:lnB w="12700" cap="flat" cmpd="sng" algn="ctr">
+                      <a:solidFill>
+                        <a:schemeClr val="tx1"/>
+                      </a:solidFill>
+                      <a:prstDash val="solid"/>
+                      <a:round/>
+                      <a:headEnd type="none" w="med" len="med"/>
+                      <a:tailEnd type="none" w="med" len="med"/>
+                    </a:lnB>
+                    <a:solidFill>
+                      <a:schemeClr val="bg1"/>
+                    </a:solidFill>
+                  </a:tcPr>
+                </a:tc>
+                <a:tc>
+                  <a:txBody>
+                    <a:bodyPr/>
+                    <a:lstStyle/>
+                    <a:p>
+                      <a:pPr algn="ctr"/>
+                      <a:endParaRPr lang="en-US" sz="1400" dirty="0">
+                        <a:solidFill>
+                          <a:schemeClr val="tx1"/>
+                        </a:solidFill>
+                      </a:endParaRPr>
+                    </a:p>
+                  </a:txBody>
+                  <a:tcPr anchor="ctr">
+                    <a:lnL w="12700" cap="flat" cmpd="sng" algn="ctr">
+                      <a:solidFill>
+                        <a:schemeClr val="tx1"/>
+                      </a:solidFill>
+                      <a:prstDash val="solid"/>
+                      <a:round/>
+                      <a:headEnd type="none" w="med" len="med"/>
+                      <a:tailEnd type="none" w="med" len="med"/>
+                    </a:lnL>
+                    <a:lnR w="12700" cap="flat" cmpd="sng" algn="ctr">
+                      <a:solidFill>
+                        <a:schemeClr val="tx1"/>
+                      </a:solidFill>
+                      <a:prstDash val="solid"/>
+                      <a:round/>
+                      <a:headEnd type="none" w="med" len="med"/>
+                      <a:tailEnd type="none" w="med" len="med"/>
+                    </a:lnR>
+                    <a:lnT w="12700" cap="flat" cmpd="sng" algn="ctr">
+                      <a:solidFill>
+                        <a:schemeClr val="tx1"/>
+                      </a:solidFill>
+                      <a:prstDash val="solid"/>
+                      <a:round/>
+                      <a:headEnd type="none" w="med" len="med"/>
+                      <a:tailEnd type="none" w="med" len="med"/>
+                    </a:lnT>
+                    <a:lnB w="12700" cap="flat" cmpd="sng" algn="ctr">
+                      <a:solidFill>
+                        <a:schemeClr val="tx1"/>
+                      </a:solidFill>
+                      <a:prstDash val="solid"/>
+                      <a:round/>
+                      <a:headEnd type="none" w="med" len="med"/>
+                      <a:tailEnd type="none" w="med" len="med"/>
+                    </a:lnB>
+                    <a:solidFill>
+                      <a:schemeClr val="bg1"/>
+                    </a:solidFill>
+                  </a:tcPr>
+                </a:tc>
+                <a:tc>
+                  <a:txBody>
+                    <a:bodyPr/>
+                    <a:lstStyle/>
+                    <a:p>
+                      <a:pPr algn="ctr"/>
+                      <a:endParaRPr lang="en-US" sz="1400" dirty="0">
+                        <a:solidFill>
+                          <a:schemeClr val="tx1"/>
+                        </a:solidFill>
+                      </a:endParaRPr>
+                    </a:p>
+                  </a:txBody>
+                  <a:tcPr anchor="ctr">
+                    <a:lnL w="12700" cap="flat" cmpd="sng" algn="ctr">
+                      <a:solidFill>
+                        <a:schemeClr val="tx1"/>
+                      </a:solidFill>
+                      <a:prstDash val="solid"/>
+                      <a:round/>
+                      <a:headEnd type="none" w="med" len="med"/>
+                      <a:tailEnd type="none" w="med" len="med"/>
+                    </a:lnL>
+                    <a:lnR w="12700" cap="flat" cmpd="sng" algn="ctr">
+                      <a:solidFill>
+                        <a:schemeClr val="tx1"/>
+                      </a:solidFill>
+                      <a:prstDash val="solid"/>
+                      <a:round/>
+                      <a:headEnd type="none" w="med" len="med"/>
+                      <a:tailEnd type="none" w="med" len="med"/>
+                    </a:lnR>
+                    <a:lnT w="12700" cap="flat" cmpd="sng" algn="ctr">
+                      <a:solidFill>
+                        <a:schemeClr val="tx1"/>
+                      </a:solidFill>
+                      <a:prstDash val="solid"/>
+                      <a:round/>
+                      <a:headEnd type="none" w="med" len="med"/>
+                      <a:tailEnd type="none" w="med" len="med"/>
+                    </a:lnT>
+                    <a:lnB w="12700" cap="flat" cmpd="sng" algn="ctr">
+                      <a:solidFill>
+                        <a:schemeClr val="tx1"/>
+                      </a:solidFill>
+                      <a:prstDash val="solid"/>
+                      <a:round/>
+                      <a:headEnd type="none" w="med" len="med"/>
+                      <a:tailEnd type="none" w="med" len="med"/>
+                    </a:lnB>
+                    <a:solidFill>
+                      <a:schemeClr val="tx1">
+                        <a:lumMod val="50000"/>
+                        <a:lumOff val="50000"/>
+                      </a:schemeClr>
+                    </a:solidFill>
+                  </a:tcPr>
+                </a:tc>
+                <a:tc>
+                  <a:txBody>
+                    <a:bodyPr/>
+                    <a:lstStyle/>
+                    <a:p>
+                      <a:pPr algn="ctr"/>
+                      <a:endParaRPr lang="en-US" sz="1400" dirty="0">
+                        <a:solidFill>
+                          <a:schemeClr val="tx1"/>
+                        </a:solidFill>
+                      </a:endParaRPr>
+                    </a:p>
+                  </a:txBody>
+                  <a:tcPr anchor="ctr">
+                    <a:lnL w="12700" cap="flat" cmpd="sng" algn="ctr">
+                      <a:solidFill>
+                        <a:schemeClr val="tx1"/>
+                      </a:solidFill>
+                      <a:prstDash val="solid"/>
+                      <a:round/>
+                      <a:headEnd type="none" w="med" len="med"/>
+                      <a:tailEnd type="none" w="med" len="med"/>
+                    </a:lnL>
+                    <a:lnR w="12700" cap="flat" cmpd="sng" algn="ctr">
+                      <a:solidFill>
+                        <a:schemeClr val="tx1"/>
+                      </a:solidFill>
+                      <a:prstDash val="solid"/>
+                      <a:round/>
+                      <a:headEnd type="none" w="med" len="med"/>
+                      <a:tailEnd type="none" w="med" len="med"/>
+                    </a:lnR>
+                    <a:lnT w="12700" cap="flat" cmpd="sng" algn="ctr">
+                      <a:solidFill>
+                        <a:schemeClr val="tx1"/>
+                      </a:solidFill>
+                      <a:prstDash val="solid"/>
+                      <a:round/>
+                      <a:headEnd type="none" w="med" len="med"/>
+                      <a:tailEnd type="none" w="med" len="med"/>
+                    </a:lnT>
+                    <a:lnB w="12700" cap="flat" cmpd="sng" algn="ctr">
+                      <a:solidFill>
+                        <a:schemeClr val="tx1"/>
+                      </a:solidFill>
+                      <a:prstDash val="solid"/>
+                      <a:round/>
+                      <a:headEnd type="none" w="med" len="med"/>
+                      <a:tailEnd type="none" w="med" len="med"/>
+                    </a:lnB>
+                    <a:solidFill>
+                      <a:schemeClr val="bg1"/>
+                    </a:solidFill>
+                  </a:tcPr>
+                </a:tc>
+              </a:tr>
+              <a:tr h="370840">
+                <a:tc>
+                  <a:txBody>
+                    <a:bodyPr/>
+                    <a:lstStyle/>
+                    <a:p>
+                      <a:pPr algn="l"/>
+                      <a:r>
+                        <a:rPr lang="en-US" sz="1400" dirty="0" smtClean="0">
+                          <a:solidFill>
+                            <a:schemeClr val="tx1"/>
+                          </a:solidFill>
+                        </a:rPr>
+                        <a:t>Writing first draft of report</a:t>
+                      </a:r>
+                      <a:endParaRPr lang="en-US" sz="1400" dirty="0">
+                        <a:solidFill>
+                          <a:schemeClr val="tx1"/>
+                        </a:solidFill>
+                      </a:endParaRPr>
+                    </a:p>
+                  </a:txBody>
+                  <a:tcPr anchor="ctr">
+                    <a:lnL w="12700" cap="flat" cmpd="sng" algn="ctr">
+                      <a:solidFill>
+                        <a:schemeClr val="tx1"/>
+                      </a:solidFill>
+                      <a:prstDash val="solid"/>
+                      <a:round/>
+                      <a:headEnd type="none" w="med" len="med"/>
+                      <a:tailEnd type="none" w="med" len="med"/>
+                    </a:lnL>
+                    <a:lnR w="12700" cap="flat" cmpd="sng" algn="ctr">
+                      <a:solidFill>
+                        <a:schemeClr val="tx1"/>
+                      </a:solidFill>
+                      <a:prstDash val="solid"/>
+                      <a:round/>
+                      <a:headEnd type="none" w="med" len="med"/>
+                      <a:tailEnd type="none" w="med" len="med"/>
+                    </a:lnR>
+                    <a:lnT w="12700" cap="flat" cmpd="sng" algn="ctr">
+                      <a:solidFill>
+                        <a:schemeClr val="tx1"/>
+                      </a:solidFill>
+                      <a:prstDash val="solid"/>
+                      <a:round/>
+                      <a:headEnd type="none" w="med" len="med"/>
+                      <a:tailEnd type="none" w="med" len="med"/>
+                    </a:lnT>
+                    <a:lnB w="12700" cap="flat" cmpd="sng" algn="ctr">
+                      <a:solidFill>
+                        <a:schemeClr val="tx1"/>
+                      </a:solidFill>
+                      <a:prstDash val="solid"/>
+                      <a:round/>
+                      <a:headEnd type="none" w="med" len="med"/>
+                      <a:tailEnd type="none" w="med" len="med"/>
+                    </a:lnB>
+                    <a:solidFill>
+                      <a:schemeClr val="bg1"/>
+                    </a:solidFill>
+                  </a:tcPr>
+                </a:tc>
+                <a:tc>
+                  <a:txBody>
+                    <a:bodyPr/>
+                    <a:lstStyle/>
+                    <a:p>
+                      <a:pPr algn="ctr"/>
+                      <a:endParaRPr lang="en-US" sz="1400" dirty="0">
+                        <a:solidFill>
+                          <a:schemeClr val="tx1"/>
+                        </a:solidFill>
+                      </a:endParaRPr>
+                    </a:p>
+                  </a:txBody>
+                  <a:tcPr anchor="ctr">
+                    <a:lnL w="12700" cap="flat" cmpd="sng" algn="ctr">
+                      <a:solidFill>
+                        <a:schemeClr val="tx1"/>
+                      </a:solidFill>
+                      <a:prstDash val="solid"/>
+                      <a:round/>
+                      <a:headEnd type="none" w="med" len="med"/>
+                      <a:tailEnd type="none" w="med" len="med"/>
+                    </a:lnL>
+                    <a:lnR w="12700" cap="flat" cmpd="sng" algn="ctr">
+                      <a:solidFill>
+                        <a:schemeClr val="tx1"/>
+                      </a:solidFill>
+                      <a:prstDash val="solid"/>
+                      <a:round/>
+                      <a:headEnd type="none" w="med" len="med"/>
+                      <a:tailEnd type="none" w="med" len="med"/>
+                    </a:lnR>
+                    <a:lnT w="12700" cap="flat" cmpd="sng" algn="ctr">
+                      <a:solidFill>
+                        <a:schemeClr val="tx1"/>
+                      </a:solidFill>
+                      <a:prstDash val="solid"/>
+                      <a:round/>
+                      <a:headEnd type="none" w="med" len="med"/>
+                      <a:tailEnd type="none" w="med" len="med"/>
+                    </a:lnT>
+                    <a:lnB w="12700" cap="flat" cmpd="sng" algn="ctr">
+                      <a:solidFill>
+                        <a:schemeClr val="tx1"/>
+                      </a:solidFill>
+                      <a:prstDash val="solid"/>
+                      <a:round/>
+                      <a:headEnd type="none" w="med" len="med"/>
+                      <a:tailEnd type="none" w="med" len="med"/>
+                    </a:lnB>
+                    <a:solidFill>
+                      <a:schemeClr val="bg1"/>
+                    </a:solidFill>
+                  </a:tcPr>
+                </a:tc>
+                <a:tc>
+                  <a:txBody>
+                    <a:bodyPr/>
+                    <a:lstStyle/>
+                    <a:p>
+                      <a:pPr algn="ctr"/>
+                      <a:endParaRPr lang="en-US" sz="1400" dirty="0">
+                        <a:solidFill>
+                          <a:schemeClr val="tx1"/>
+                        </a:solidFill>
+                      </a:endParaRPr>
+                    </a:p>
+                  </a:txBody>
+                  <a:tcPr anchor="ctr">
+                    <a:lnL w="12700" cap="flat" cmpd="sng" algn="ctr">
+                      <a:solidFill>
+                        <a:schemeClr val="tx1"/>
+                      </a:solidFill>
+                      <a:prstDash val="solid"/>
+                      <a:round/>
+                      <a:headEnd type="none" w="med" len="med"/>
+                      <a:tailEnd type="none" w="med" len="med"/>
+                    </a:lnL>
+                    <a:lnR w="12700" cap="flat" cmpd="sng" algn="ctr">
+                      <a:solidFill>
+                        <a:schemeClr val="tx1"/>
+                      </a:solidFill>
+                      <a:prstDash val="solid"/>
+                      <a:round/>
+                      <a:headEnd type="none" w="med" len="med"/>
+                      <a:tailEnd type="none" w="med" len="med"/>
+                    </a:lnR>
+                    <a:lnT w="12700" cap="flat" cmpd="sng" algn="ctr">
+                      <a:solidFill>
+                        <a:schemeClr val="tx1"/>
+                      </a:solidFill>
+                      <a:prstDash val="solid"/>
+                      <a:round/>
+                      <a:headEnd type="none" w="med" len="med"/>
+                      <a:tailEnd type="none" w="med" len="med"/>
+                    </a:lnT>
+                    <a:lnB w="12700" cap="flat" cmpd="sng" algn="ctr">
+                      <a:solidFill>
+                        <a:schemeClr val="tx1"/>
+                      </a:solidFill>
+                      <a:prstDash val="solid"/>
+                      <a:round/>
+                      <a:headEnd type="none" w="med" len="med"/>
+                      <a:tailEnd type="none" w="med" len="med"/>
+                    </a:lnB>
+                    <a:solidFill>
+                      <a:schemeClr val="tx1">
+                        <a:lumMod val="50000"/>
+                        <a:lumOff val="50000"/>
+                      </a:schemeClr>
+                    </a:solidFill>
+                  </a:tcPr>
+                </a:tc>
+                <a:tc>
+                  <a:txBody>
+                    <a:bodyPr/>
+                    <a:lstStyle/>
+                    <a:p>
+                      <a:pPr algn="ctr"/>
+                      <a:endParaRPr lang="en-US" sz="1400" dirty="0">
+                        <a:solidFill>
+                          <a:schemeClr val="tx1"/>
+                        </a:solidFill>
+                      </a:endParaRPr>
+                    </a:p>
+                  </a:txBody>
+                  <a:tcPr anchor="ctr">
+                    <a:lnL w="12700" cap="flat" cmpd="sng" algn="ctr">
+                      <a:solidFill>
+                        <a:schemeClr val="tx1"/>
+                      </a:solidFill>
+                      <a:prstDash val="solid"/>
+                      <a:round/>
+                      <a:headEnd type="none" w="med" len="med"/>
+                      <a:tailEnd type="none" w="med" len="med"/>
+                    </a:lnL>
+                    <a:lnR w="12700" cap="flat" cmpd="sng" algn="ctr">
+                      <a:solidFill>
+                        <a:schemeClr val="tx1"/>
+                      </a:solidFill>
+                      <a:prstDash val="solid"/>
+                      <a:round/>
+                      <a:headEnd type="none" w="med" len="med"/>
+                      <a:tailEnd type="none" w="med" len="med"/>
+                    </a:lnR>
+                    <a:lnT w="12700" cap="flat" cmpd="sng" algn="ctr">
+                      <a:solidFill>
+                        <a:schemeClr val="tx1"/>
+                      </a:solidFill>
+                      <a:prstDash val="solid"/>
+                      <a:round/>
+                      <a:headEnd type="none" w="med" len="med"/>
+                      <a:tailEnd type="none" w="med" len="med"/>
+                    </a:lnT>
+                    <a:lnB w="12700" cap="flat" cmpd="sng" algn="ctr">
+                      <a:solidFill>
+                        <a:schemeClr val="tx1"/>
+                      </a:solidFill>
+                      <a:prstDash val="solid"/>
+                      <a:round/>
+                      <a:headEnd type="none" w="med" len="med"/>
+                      <a:tailEnd type="none" w="med" len="med"/>
+                    </a:lnB>
+                    <a:solidFill>
+                      <a:schemeClr val="bg1"/>
+                    </a:solidFill>
+                  </a:tcPr>
+                </a:tc>
+              </a:tr>
+              <a:tr h="370840">
+                <a:tc>
+                  <a:txBody>
+                    <a:bodyPr/>
+                    <a:lstStyle/>
+                    <a:p>
+                      <a:pPr algn="l"/>
+                      <a:r>
+                        <a:rPr lang="en-US" sz="1400" dirty="0" smtClean="0">
+                          <a:solidFill>
+                            <a:schemeClr val="tx1"/>
+                          </a:solidFill>
+                        </a:rPr>
+                        <a:t>Combining two programs and writing final report</a:t>
+                      </a:r>
+                      <a:endParaRPr lang="en-US" sz="1400" dirty="0">
+                        <a:solidFill>
+                          <a:schemeClr val="tx1"/>
+                        </a:solidFill>
+                      </a:endParaRPr>
+                    </a:p>
+                  </a:txBody>
+                  <a:tcPr anchor="ctr">
+                    <a:lnL w="12700" cap="flat" cmpd="sng" algn="ctr">
+                      <a:solidFill>
+                        <a:schemeClr val="tx1"/>
+                      </a:solidFill>
+                      <a:prstDash val="solid"/>
+                      <a:round/>
+                      <a:headEnd type="none" w="med" len="med"/>
+                      <a:tailEnd type="none" w="med" len="med"/>
+                    </a:lnL>
+                    <a:lnR w="12700" cap="flat" cmpd="sng" algn="ctr">
+                      <a:solidFill>
+                        <a:schemeClr val="tx1"/>
+                      </a:solidFill>
+                      <a:prstDash val="solid"/>
+                      <a:round/>
+                      <a:headEnd type="none" w="med" len="med"/>
+                      <a:tailEnd type="none" w="med" len="med"/>
+                    </a:lnR>
+                    <a:lnT w="12700" cap="flat" cmpd="sng" algn="ctr">
+                      <a:solidFill>
+                        <a:schemeClr val="tx1"/>
+                      </a:solidFill>
+                      <a:prstDash val="solid"/>
+                      <a:round/>
+                      <a:headEnd type="none" w="med" len="med"/>
+                      <a:tailEnd type="none" w="med" len="med"/>
+                    </a:lnT>
+                    <a:lnB w="12700" cap="flat" cmpd="sng" algn="ctr">
+                      <a:solidFill>
+                        <a:schemeClr val="tx1"/>
+                      </a:solidFill>
+                      <a:prstDash val="solid"/>
+                      <a:round/>
+                      <a:headEnd type="none" w="med" len="med"/>
+                      <a:tailEnd type="none" w="med" len="med"/>
+                    </a:lnB>
+                    <a:solidFill>
+                      <a:schemeClr val="bg1"/>
+                    </a:solidFill>
+                  </a:tcPr>
+                </a:tc>
+                <a:tc>
+                  <a:txBody>
+                    <a:bodyPr/>
+                    <a:lstStyle/>
+                    <a:p>
+                      <a:pPr algn="ctr"/>
+                      <a:endParaRPr lang="en-US" sz="1400" dirty="0">
+                        <a:solidFill>
+                          <a:schemeClr val="tx1"/>
+                        </a:solidFill>
+                      </a:endParaRPr>
+                    </a:p>
+                  </a:txBody>
+                  <a:tcPr anchor="ctr">
+                    <a:lnL w="12700" cap="flat" cmpd="sng" algn="ctr">
+                      <a:solidFill>
+                        <a:schemeClr val="tx1"/>
+                      </a:solidFill>
+                      <a:prstDash val="solid"/>
+                      <a:round/>
+                      <a:headEnd type="none" w="med" len="med"/>
+                      <a:tailEnd type="none" w="med" len="med"/>
+                    </a:lnL>
+                    <a:lnR w="12700" cap="flat" cmpd="sng" algn="ctr">
+                      <a:solidFill>
+                        <a:schemeClr val="tx1"/>
+                      </a:solidFill>
+                      <a:prstDash val="solid"/>
+                      <a:round/>
+                      <a:headEnd type="none" w="med" len="med"/>
+                      <a:tailEnd type="none" w="med" len="med"/>
+                    </a:lnR>
+                    <a:lnT w="12700" cap="flat" cmpd="sng" algn="ctr">
+                      <a:solidFill>
+                        <a:schemeClr val="tx1"/>
+                      </a:solidFill>
+                      <a:prstDash val="solid"/>
+                      <a:round/>
+                      <a:headEnd type="none" w="med" len="med"/>
+                      <a:tailEnd type="none" w="med" len="med"/>
+                    </a:lnT>
+                    <a:lnB w="12700" cap="flat" cmpd="sng" algn="ctr">
+                      <a:solidFill>
+                        <a:schemeClr val="tx1"/>
+                      </a:solidFill>
+                      <a:prstDash val="solid"/>
+                      <a:round/>
+                      <a:headEnd type="none" w="med" len="med"/>
+                      <a:tailEnd type="none" w="med" len="med"/>
+                    </a:lnB>
+                    <a:solidFill>
+                      <a:schemeClr val="bg1"/>
+                    </a:solidFill>
+                  </a:tcPr>
+                </a:tc>
+                <a:tc>
+                  <a:txBody>
+                    <a:bodyPr/>
+                    <a:lstStyle/>
+                    <a:p>
+                      <a:pPr algn="ctr"/>
+                      <a:endParaRPr lang="en-US" sz="1400" dirty="0">
+                        <a:solidFill>
+                          <a:schemeClr val="tx1"/>
+                        </a:solidFill>
+                      </a:endParaRPr>
+                    </a:p>
+                  </a:txBody>
+                  <a:tcPr anchor="ctr">
+                    <a:lnL w="12700" cap="flat" cmpd="sng" algn="ctr">
+                      <a:solidFill>
+                        <a:schemeClr val="tx1"/>
+                      </a:solidFill>
+                      <a:prstDash val="solid"/>
+                      <a:round/>
+                      <a:headEnd type="none" w="med" len="med"/>
+                      <a:tailEnd type="none" w="med" len="med"/>
+                    </a:lnL>
+                    <a:lnR w="12700" cap="flat" cmpd="sng" algn="ctr">
+                      <a:solidFill>
+                        <a:schemeClr val="tx1"/>
+                      </a:solidFill>
+                      <a:prstDash val="solid"/>
+                      <a:round/>
+                      <a:headEnd type="none" w="med" len="med"/>
+                      <a:tailEnd type="none" w="med" len="med"/>
+                    </a:lnR>
+                    <a:lnT w="12700" cap="flat" cmpd="sng" algn="ctr">
+                      <a:solidFill>
+                        <a:schemeClr val="tx1"/>
+                      </a:solidFill>
+                      <a:prstDash val="solid"/>
+                      <a:round/>
+                      <a:headEnd type="none" w="med" len="med"/>
+                      <a:tailEnd type="none" w="med" len="med"/>
+                    </a:lnT>
+                    <a:lnB w="12700" cap="flat" cmpd="sng" algn="ctr">
+                      <a:solidFill>
+                        <a:schemeClr val="tx1"/>
+                      </a:solidFill>
+                      <a:prstDash val="solid"/>
+                      <a:round/>
+                      <a:headEnd type="none" w="med" len="med"/>
+                      <a:tailEnd type="none" w="med" len="med"/>
+                    </a:lnB>
+                    <a:solidFill>
+                      <a:schemeClr val="bg1"/>
+                    </a:solidFill>
+                  </a:tcPr>
+                </a:tc>
+                <a:tc>
+                  <a:txBody>
+                    <a:bodyPr/>
+                    <a:lstStyle/>
+                    <a:p>
+                      <a:pPr algn="ctr"/>
+                      <a:endParaRPr lang="en-US" sz="1400" dirty="0">
+                        <a:solidFill>
+                          <a:schemeClr val="tx1"/>
+                        </a:solidFill>
+                      </a:endParaRPr>
+                    </a:p>
+                  </a:txBody>
+                  <a:tcPr anchor="ctr">
+                    <a:lnL w="12700" cap="flat" cmpd="sng" algn="ctr">
+                      <a:solidFill>
+                        <a:schemeClr val="tx1"/>
+                      </a:solidFill>
+                      <a:prstDash val="solid"/>
+                      <a:round/>
+                      <a:headEnd type="none" w="med" len="med"/>
+                      <a:tailEnd type="none" w="med" len="med"/>
+                    </a:lnL>
+                    <a:lnR w="12700" cap="flat" cmpd="sng" algn="ctr">
+                      <a:solidFill>
+                        <a:schemeClr val="tx1"/>
+                      </a:solidFill>
+                      <a:prstDash val="solid"/>
+                      <a:round/>
+                      <a:headEnd type="none" w="med" len="med"/>
+                      <a:tailEnd type="none" w="med" len="med"/>
+                    </a:lnR>
+                    <a:lnT w="12700" cap="flat" cmpd="sng" algn="ctr">
+                      <a:solidFill>
+                        <a:schemeClr val="tx1"/>
+                      </a:solidFill>
+                      <a:prstDash val="solid"/>
+                      <a:round/>
+                      <a:headEnd type="none" w="med" len="med"/>
+                      <a:tailEnd type="none" w="med" len="med"/>
+                    </a:lnT>
+                    <a:lnB w="12700" cap="flat" cmpd="sng" algn="ctr">
+                      <a:solidFill>
+                        <a:schemeClr val="tx1"/>
+                      </a:solidFill>
+                      <a:prstDash val="solid"/>
+                      <a:round/>
+                      <a:headEnd type="none" w="med" len="med"/>
+                      <a:tailEnd type="none" w="med" len="med"/>
+                    </a:lnB>
+                    <a:solidFill>
+                      <a:schemeClr val="tx1">
+                        <a:lumMod val="50000"/>
+                        <a:lumOff val="50000"/>
+                      </a:schemeClr>
+                    </a:solidFill>
+                  </a:tcPr>
+                </a:tc>
+              </a:tr>
+              <a:tr h="370840">
+                <a:tc>
+                  <a:txBody>
+                    <a:bodyPr/>
+                    <a:lstStyle/>
+                    <a:p>
+                      <a:pPr algn="l"/>
+                      <a:r>
+                        <a:rPr lang="en-US" sz="1400" dirty="0" smtClean="0">
+                          <a:solidFill>
+                            <a:schemeClr val="tx1"/>
+                          </a:solidFill>
+                        </a:rPr>
+                        <a:t>Writing final report</a:t>
+                      </a:r>
+                      <a:endParaRPr lang="en-US" sz="1400" dirty="0">
+                        <a:solidFill>
+                          <a:schemeClr val="tx1"/>
+                        </a:solidFill>
+                      </a:endParaRPr>
+                    </a:p>
+                  </a:txBody>
+                  <a:tcPr anchor="ctr">
+                    <a:lnL w="12700" cap="flat" cmpd="sng" algn="ctr">
+                      <a:solidFill>
+                        <a:schemeClr val="tx1"/>
+                      </a:solidFill>
+                      <a:prstDash val="solid"/>
+                      <a:round/>
+                      <a:headEnd type="none" w="med" len="med"/>
+                      <a:tailEnd type="none" w="med" len="med"/>
+                    </a:lnL>
+                    <a:lnR w="12700" cap="flat" cmpd="sng" algn="ctr">
+                      <a:solidFill>
+                        <a:schemeClr val="tx1"/>
+                      </a:solidFill>
+                      <a:prstDash val="solid"/>
+                      <a:round/>
+                      <a:headEnd type="none" w="med" len="med"/>
+                      <a:tailEnd type="none" w="med" len="med"/>
+                    </a:lnR>
+                    <a:lnT w="12700" cap="flat" cmpd="sng" algn="ctr">
+                      <a:solidFill>
+                        <a:schemeClr val="tx1"/>
+                      </a:solidFill>
+                      <a:prstDash val="solid"/>
+                      <a:round/>
+                      <a:headEnd type="none" w="med" len="med"/>
+                      <a:tailEnd type="none" w="med" len="med"/>
+                    </a:lnT>
+                    <a:lnB w="12700" cap="flat" cmpd="sng" algn="ctr">
+                      <a:solidFill>
+                        <a:schemeClr val="tx1"/>
+                      </a:solidFill>
+                      <a:prstDash val="solid"/>
+                      <a:round/>
+                      <a:headEnd type="none" w="med" len="med"/>
+                      <a:tailEnd type="none" w="med" len="med"/>
+                    </a:lnB>
+                    <a:solidFill>
+                      <a:schemeClr val="bg1"/>
+                    </a:solidFill>
+                  </a:tcPr>
+                </a:tc>
+                <a:tc>
+                  <a:txBody>
+                    <a:bodyPr/>
+                    <a:lstStyle/>
+                    <a:p>
+                      <a:pPr algn="ctr"/>
+                      <a:endParaRPr lang="en-US" sz="1400" dirty="0">
+                        <a:solidFill>
+                          <a:schemeClr val="tx1"/>
+                        </a:solidFill>
+                      </a:endParaRPr>
+                    </a:p>
+                  </a:txBody>
+                  <a:tcPr anchor="ctr">
+                    <a:lnL w="12700" cap="flat" cmpd="sng" algn="ctr">
+                      <a:solidFill>
+                        <a:schemeClr val="tx1"/>
+                      </a:solidFill>
+                      <a:prstDash val="solid"/>
+                      <a:round/>
+                      <a:headEnd type="none" w="med" len="med"/>
+                      <a:tailEnd type="none" w="med" len="med"/>
+                    </a:lnL>
+                    <a:lnR w="12700" cap="flat" cmpd="sng" algn="ctr">
+                      <a:solidFill>
+                        <a:schemeClr val="tx1"/>
+                      </a:solidFill>
+                      <a:prstDash val="solid"/>
+                      <a:round/>
+                      <a:headEnd type="none" w="med" len="med"/>
+                      <a:tailEnd type="none" w="med" len="med"/>
+                    </a:lnR>
+                    <a:lnT w="12700" cap="flat" cmpd="sng" algn="ctr">
+                      <a:solidFill>
+                        <a:schemeClr val="tx1"/>
+                      </a:solidFill>
+                      <a:prstDash val="solid"/>
+                      <a:round/>
+                      <a:headEnd type="none" w="med" len="med"/>
+                      <a:tailEnd type="none" w="med" len="med"/>
+                    </a:lnT>
+                    <a:lnB w="12700" cap="flat" cmpd="sng" algn="ctr">
+                      <a:solidFill>
+                        <a:schemeClr val="tx1"/>
+                      </a:solidFill>
+                      <a:prstDash val="solid"/>
+                      <a:round/>
+                      <a:headEnd type="none" w="med" len="med"/>
+                      <a:tailEnd type="none" w="med" len="med"/>
+                    </a:lnB>
+                    <a:solidFill>
+                      <a:schemeClr val="bg1"/>
+                    </a:solidFill>
+                  </a:tcPr>
+                </a:tc>
+                <a:tc>
+                  <a:txBody>
+                    <a:bodyPr/>
+                    <a:lstStyle/>
+                    <a:p>
+                      <a:pPr algn="ctr"/>
+                      <a:endParaRPr lang="en-US" sz="1400" dirty="0">
+                        <a:solidFill>
+                          <a:schemeClr val="tx1"/>
+                        </a:solidFill>
+                      </a:endParaRPr>
+                    </a:p>
+                  </a:txBody>
+                  <a:tcPr anchor="ctr">
+                    <a:lnL w="12700" cap="flat" cmpd="sng" algn="ctr">
+                      <a:solidFill>
+                        <a:schemeClr val="tx1"/>
+                      </a:solidFill>
+                      <a:prstDash val="solid"/>
+                      <a:round/>
+                      <a:headEnd type="none" w="med" len="med"/>
+                      <a:tailEnd type="none" w="med" len="med"/>
+                    </a:lnL>
+                    <a:lnR w="12700" cap="flat" cmpd="sng" algn="ctr">
+                      <a:solidFill>
+                        <a:schemeClr val="tx1"/>
+                      </a:solidFill>
+                      <a:prstDash val="solid"/>
+                      <a:round/>
+                      <a:headEnd type="none" w="med" len="med"/>
+                      <a:tailEnd type="none" w="med" len="med"/>
+                    </a:lnR>
+                    <a:lnT w="12700" cap="flat" cmpd="sng" algn="ctr">
+                      <a:solidFill>
+                        <a:schemeClr val="tx1"/>
+                      </a:solidFill>
+                      <a:prstDash val="solid"/>
+                      <a:round/>
+                      <a:headEnd type="none" w="med" len="med"/>
+                      <a:tailEnd type="none" w="med" len="med"/>
+                    </a:lnT>
+                    <a:lnB w="12700" cap="flat" cmpd="sng" algn="ctr">
+                      <a:solidFill>
+                        <a:schemeClr val="tx1"/>
+                      </a:solidFill>
+                      <a:prstDash val="solid"/>
+                      <a:round/>
+                      <a:headEnd type="none" w="med" len="med"/>
+                      <a:tailEnd type="none" w="med" len="med"/>
+                    </a:lnB>
+                    <a:solidFill>
+                      <a:schemeClr val="bg1"/>
+                    </a:solidFill>
+                  </a:tcPr>
+                </a:tc>
+                <a:tc>
+                  <a:txBody>
+                    <a:bodyPr/>
+                    <a:lstStyle/>
+                    <a:p>
+                      <a:pPr algn="ctr"/>
+                      <a:endParaRPr lang="en-US" sz="1400" dirty="0">
+                        <a:solidFill>
+                          <a:schemeClr val="tx1"/>
+                        </a:solidFill>
+                      </a:endParaRPr>
+                    </a:p>
+                  </a:txBody>
+                  <a:tcPr anchor="ctr">
+                    <a:lnL w="12700" cap="flat" cmpd="sng" algn="ctr">
+                      <a:solidFill>
+                        <a:schemeClr val="tx1"/>
+                      </a:solidFill>
+                      <a:prstDash val="solid"/>
+                      <a:round/>
+                      <a:headEnd type="none" w="med" len="med"/>
+                      <a:tailEnd type="none" w="med" len="med"/>
+                    </a:lnL>
+                    <a:lnR w="12700" cap="flat" cmpd="sng" algn="ctr">
+                      <a:solidFill>
+                        <a:schemeClr val="tx1"/>
+                      </a:solidFill>
+                      <a:prstDash val="solid"/>
+                      <a:round/>
+                      <a:headEnd type="none" w="med" len="med"/>
+                      <a:tailEnd type="none" w="med" len="med"/>
+                    </a:lnR>
+                    <a:lnT w="12700" cap="flat" cmpd="sng" algn="ctr">
+                      <a:solidFill>
+                        <a:schemeClr val="tx1"/>
+                      </a:solidFill>
+                      <a:prstDash val="solid"/>
+                      <a:round/>
+                      <a:headEnd type="none" w="med" len="med"/>
+                      <a:tailEnd type="none" w="med" len="med"/>
+                    </a:lnT>
+                    <a:lnB w="12700" cap="flat" cmpd="sng" algn="ctr">
+                      <a:solidFill>
+                        <a:schemeClr val="tx1"/>
+                      </a:solidFill>
+                      <a:prstDash val="solid"/>
+                      <a:round/>
+                      <a:headEnd type="none" w="med" len="med"/>
+                      <a:tailEnd type="none" w="med" len="med"/>
+                    </a:lnB>
+                    <a:solidFill>
+                      <a:schemeClr val="tx1">
+                        <a:lumMod val="50000"/>
+                        <a:lumOff val="50000"/>
+                      </a:schemeClr>
+                    </a:solidFill>
+                  </a:tcPr>
+                </a:tc>
+              </a:tr>
+            </a:tbl>
+          </a:graphicData>
+        </a:graphic>
+      </p:graphicFrame>
+    </p:spTree>
+    <p:extLst>
+      <p:ext uri="{BB962C8B-B14F-4D97-AF65-F5344CB8AC3E}">
+        <p14:creationId xmlns:p14="http://schemas.microsoft.com/office/powerpoint/2010/main" val="2199332720"/>
+      </p:ext>
+    </p:extLst>
+  </p:cSld>
+  <p:clrMapOvr>
+    <a:masterClrMapping/>
+  </p:clrMapOvr>
+  <p:timing>
+    <p:tnLst>
+      <p:par>
+        <p:cTn id="1" dur="indefinite" restart="never" nodeType="tmRoot"/>
+      </p:par>
+    </p:tnLst>
+  </p:timing>
+</p:sld>
+</file>
+
 <file path=ppt/slides/slide2.xml><?xml version="1.0" encoding="utf-8"?>
 <p:sld xmlns:a="http://schemas.openxmlformats.org/drawingml/2006/main" xmlns:r="http://schemas.openxmlformats.org/officeDocument/2006/relationships" xmlns:p="http://schemas.openxmlformats.org/presentationml/2006/main">
   <p:cSld>
@@ -4314,6 +6205,801 @@
           <a:lstStyle/>
           <a:p>
             <a:r>
+              <a:rPr lang="en-US" dirty="0" smtClean="0"/>
+              <a:t>Technical Challenges</a:t>
+            </a:r>
+            <a:endParaRPr lang="en-US" dirty="0"/>
+          </a:p>
+        </p:txBody>
+      </p:sp>
+      <p:sp>
+        <p:nvSpPr>
+          <p:cNvPr id="3" name="Content Placeholder 2"/>
+          <p:cNvSpPr>
+            <a:spLocks noGrp="1"/>
+          </p:cNvSpPr>
+          <p:nvPr>
+            <p:ph idx="1"/>
+          </p:nvPr>
+        </p:nvSpPr>
+        <p:spPr>
+          <a:xfrm>
+            <a:off x="1261872" y="1828800"/>
+            <a:ext cx="5908485" cy="4351337"/>
+          </a:xfrm>
+        </p:spPr>
+        <p:txBody>
+          <a:bodyPr>
+            <a:normAutofit/>
+          </a:bodyPr>
+          <a:lstStyle/>
+          <a:p>
+            <a:r>
+              <a:rPr lang="en-US" dirty="0" smtClean="0"/>
+              <a:t>Accuracy</a:t>
+            </a:r>
+          </a:p>
+          <a:p>
+            <a:endParaRPr lang="en-US" dirty="0" smtClean="0"/>
+          </a:p>
+          <a:p>
+            <a:endParaRPr lang="en-US" dirty="0"/>
+          </a:p>
+          <a:p>
+            <a:endParaRPr lang="en-US" dirty="0" smtClean="0"/>
+          </a:p>
+          <a:p>
+            <a:r>
+              <a:rPr lang="en-US" dirty="0" smtClean="0"/>
+              <a:t>Individual differences between eyes and conditions</a:t>
+            </a:r>
+          </a:p>
+          <a:p>
+            <a:pPr lvl="1"/>
+            <a:r>
+              <a:rPr lang="en-US" dirty="0" smtClean="0"/>
+              <a:t>What works for one set does not always transfer</a:t>
+            </a:r>
+          </a:p>
+          <a:p>
+            <a:pPr lvl="1"/>
+            <a:r>
+              <a:rPr lang="en-US" dirty="0"/>
+              <a:t>Account for rapid, random eye </a:t>
+            </a:r>
+            <a:r>
+              <a:rPr lang="en-US" dirty="0" smtClean="0"/>
+              <a:t>movements</a:t>
+            </a:r>
+            <a:endParaRPr lang="en-US" dirty="0"/>
+          </a:p>
+        </p:txBody>
+      </p:sp>
+      <p:pic>
+        <p:nvPicPr>
+          <p:cNvPr id="4" name="Picture 3"/>
+          <p:cNvPicPr>
+            <a:picLocks noChangeAspect="1"/>
+          </p:cNvPicPr>
+          <p:nvPr/>
+        </p:nvPicPr>
+        <p:blipFill>
+          <a:blip r:embed="rId2">
+            <a:extLst>
+              <a:ext uri="{28A0092B-C50C-407E-A947-70E740481C1C}">
+                <a14:useLocalDpi xmlns:a14="http://schemas.microsoft.com/office/drawing/2010/main" val="0"/>
+              </a:ext>
+            </a:extLst>
+          </a:blip>
+          <a:stretch>
+            <a:fillRect/>
+          </a:stretch>
+        </p:blipFill>
+        <p:spPr>
+          <a:xfrm>
+            <a:off x="6748845" y="1691322"/>
+            <a:ext cx="4205667" cy="1777790"/>
+          </a:xfrm>
+          <a:prstGeom prst="rect">
+            <a:avLst/>
+          </a:prstGeom>
+        </p:spPr>
+      </p:pic>
+      <p:pic>
+        <p:nvPicPr>
+          <p:cNvPr id="5" name="Picture 4"/>
+          <p:cNvPicPr>
+            <a:picLocks noChangeAspect="1"/>
+          </p:cNvPicPr>
+          <p:nvPr/>
+        </p:nvPicPr>
+        <p:blipFill>
+          <a:blip r:embed="rId3" cstate="print">
+            <a:extLst>
+              <a:ext uri="{28A0092B-C50C-407E-A947-70E740481C1C}">
+                <a14:useLocalDpi xmlns:a14="http://schemas.microsoft.com/office/drawing/2010/main" val="0"/>
+              </a:ext>
+            </a:extLst>
+          </a:blip>
+          <a:stretch>
+            <a:fillRect/>
+          </a:stretch>
+        </p:blipFill>
+        <p:spPr>
+          <a:xfrm>
+            <a:off x="1666630" y="4738362"/>
+            <a:ext cx="2001758" cy="1901670"/>
+          </a:xfrm>
+          <a:prstGeom prst="rect">
+            <a:avLst/>
+          </a:prstGeom>
+        </p:spPr>
+      </p:pic>
+      <p:pic>
+        <p:nvPicPr>
+          <p:cNvPr id="7" name="Picture 6"/>
+          <p:cNvPicPr>
+            <a:picLocks noChangeAspect="1"/>
+          </p:cNvPicPr>
+          <p:nvPr/>
+        </p:nvPicPr>
+        <p:blipFill>
+          <a:blip r:embed="rId4" cstate="print">
+            <a:extLst>
+              <a:ext uri="{28A0092B-C50C-407E-A947-70E740481C1C}">
+                <a14:useLocalDpi xmlns:a14="http://schemas.microsoft.com/office/drawing/2010/main" val="0"/>
+              </a:ext>
+            </a:extLst>
+          </a:blip>
+          <a:stretch>
+            <a:fillRect/>
+          </a:stretch>
+        </p:blipFill>
+        <p:spPr>
+          <a:xfrm>
+            <a:off x="7687342" y="4736201"/>
+            <a:ext cx="2328672" cy="1746504"/>
+          </a:xfrm>
+          <a:prstGeom prst="rect">
+            <a:avLst/>
+          </a:prstGeom>
+        </p:spPr>
+      </p:pic>
+      <p:pic>
+        <p:nvPicPr>
+          <p:cNvPr id="8" name="Picture 7"/>
+          <p:cNvPicPr>
+            <a:picLocks noChangeAspect="1"/>
+          </p:cNvPicPr>
+          <p:nvPr/>
+        </p:nvPicPr>
+        <p:blipFill>
+          <a:blip r:embed="rId5" cstate="print">
+            <a:extLst>
+              <a:ext uri="{28A0092B-C50C-407E-A947-70E740481C1C}">
+                <a14:useLocalDpi xmlns:a14="http://schemas.microsoft.com/office/drawing/2010/main" val="0"/>
+              </a:ext>
+            </a:extLst>
+          </a:blip>
+          <a:stretch>
+            <a:fillRect/>
+          </a:stretch>
+        </p:blipFill>
+        <p:spPr>
+          <a:xfrm>
+            <a:off x="4073145" y="4818106"/>
+            <a:ext cx="3097212" cy="1742182"/>
+          </a:xfrm>
+          <a:prstGeom prst="rect">
+            <a:avLst/>
+          </a:prstGeom>
+        </p:spPr>
+      </p:pic>
+    </p:spTree>
+    <p:extLst>
+      <p:ext uri="{BB962C8B-B14F-4D97-AF65-F5344CB8AC3E}">
+        <p14:creationId xmlns:p14="http://schemas.microsoft.com/office/powerpoint/2010/main" val="840450321"/>
+      </p:ext>
+    </p:extLst>
+  </p:cSld>
+  <p:clrMapOvr>
+    <a:masterClrMapping/>
+  </p:clrMapOvr>
+  <p:timing>
+    <p:tnLst>
+      <p:par>
+        <p:cTn id="1" dur="indefinite" restart="never" nodeType="tmRoot"/>
+      </p:par>
+    </p:tnLst>
+  </p:timing>
+</p:sld>
+</file>
+
+<file path=ppt/slides/slide5.xml><?xml version="1.0" encoding="utf-8"?>
+<p:sld xmlns:a="http://schemas.openxmlformats.org/drawingml/2006/main" xmlns:r="http://schemas.openxmlformats.org/officeDocument/2006/relationships" xmlns:p="http://schemas.openxmlformats.org/presentationml/2006/main">
+  <p:cSld>
+    <p:spTree>
+      <p:nvGrpSpPr>
+        <p:cNvPr id="1" name=""/>
+        <p:cNvGrpSpPr/>
+        <p:nvPr/>
+      </p:nvGrpSpPr>
+      <p:grpSpPr>
+        <a:xfrm>
+          <a:off x="0" y="0"/>
+          <a:ext cx="0" cy="0"/>
+          <a:chOff x="0" y="0"/>
+          <a:chExt cx="0" cy="0"/>
+        </a:xfrm>
+      </p:grpSpPr>
+      <p:sp>
+        <p:nvSpPr>
+          <p:cNvPr id="2" name="Title 1"/>
+          <p:cNvSpPr>
+            <a:spLocks noGrp="1"/>
+          </p:cNvSpPr>
+          <p:nvPr>
+            <p:ph type="title"/>
+          </p:nvPr>
+        </p:nvSpPr>
+        <p:spPr/>
+        <p:txBody>
+          <a:bodyPr/>
+          <a:lstStyle/>
+          <a:p>
+            <a:r>
+              <a:rPr lang="en-US" smtClean="0"/>
+              <a:t>Technical Challenges</a:t>
+            </a:r>
+            <a:endParaRPr lang="en-US"/>
+          </a:p>
+        </p:txBody>
+      </p:sp>
+      <p:sp>
+        <p:nvSpPr>
+          <p:cNvPr id="3" name="Content Placeholder 2"/>
+          <p:cNvSpPr>
+            <a:spLocks noGrp="1"/>
+          </p:cNvSpPr>
+          <p:nvPr>
+            <p:ph idx="1"/>
+          </p:nvPr>
+        </p:nvSpPr>
+        <p:spPr>
+          <a:xfrm>
+            <a:off x="1261872" y="1828800"/>
+            <a:ext cx="5893840" cy="4351337"/>
+          </a:xfrm>
+        </p:spPr>
+        <p:txBody>
+          <a:bodyPr>
+            <a:normAutofit/>
+          </a:bodyPr>
+          <a:lstStyle/>
+          <a:p>
+            <a:r>
+              <a:rPr lang="en-US" dirty="0" smtClean="0"/>
+              <a:t>Degree of coverage</a:t>
+            </a:r>
+          </a:p>
+          <a:p>
+            <a:endParaRPr lang="en-US" dirty="0" smtClean="0"/>
+          </a:p>
+          <a:p>
+            <a:endParaRPr lang="en-US" dirty="0" smtClean="0"/>
+          </a:p>
+          <a:p>
+            <a:endParaRPr lang="en-US" dirty="0" smtClean="0"/>
+          </a:p>
+          <a:p>
+            <a:r>
+              <a:rPr lang="en-US" dirty="0" smtClean="0"/>
+              <a:t>Constant connection between eye and sensors</a:t>
+            </a:r>
+          </a:p>
+          <a:p>
+            <a:pPr lvl="1"/>
+            <a:r>
+              <a:rPr lang="en-US" dirty="0"/>
+              <a:t>Dealing with dynamic positioning of user</a:t>
+            </a:r>
+          </a:p>
+          <a:p>
+            <a:pPr lvl="1"/>
+            <a:endParaRPr lang="en-US" dirty="0" smtClean="0"/>
+          </a:p>
+        </p:txBody>
+      </p:sp>
+      <p:pic>
+        <p:nvPicPr>
+          <p:cNvPr id="4" name="Picture 3"/>
+          <p:cNvPicPr>
+            <a:picLocks noChangeAspect="1"/>
+          </p:cNvPicPr>
+          <p:nvPr/>
+        </p:nvPicPr>
+        <p:blipFill>
+          <a:blip r:embed="rId2">
+            <a:extLst>
+              <a:ext uri="{28A0092B-C50C-407E-A947-70E740481C1C}">
+                <a14:useLocalDpi xmlns:a14="http://schemas.microsoft.com/office/drawing/2010/main" val="0"/>
+              </a:ext>
+            </a:extLst>
+          </a:blip>
+          <a:stretch>
+            <a:fillRect/>
+          </a:stretch>
+        </p:blipFill>
+        <p:spPr>
+          <a:xfrm>
+            <a:off x="7155712" y="1691322"/>
+            <a:ext cx="3143707" cy="1746504"/>
+          </a:xfrm>
+          <a:prstGeom prst="rect">
+            <a:avLst/>
+          </a:prstGeom>
+        </p:spPr>
+      </p:pic>
+      <p:pic>
+        <p:nvPicPr>
+          <p:cNvPr id="5" name="Picture 4"/>
+          <p:cNvPicPr>
+            <a:picLocks noChangeAspect="1"/>
+          </p:cNvPicPr>
+          <p:nvPr/>
+        </p:nvPicPr>
+        <p:blipFill>
+          <a:blip r:embed="rId3">
+            <a:extLst>
+              <a:ext uri="{28A0092B-C50C-407E-A947-70E740481C1C}">
+                <a14:useLocalDpi xmlns:a14="http://schemas.microsoft.com/office/drawing/2010/main" val="0"/>
+              </a:ext>
+            </a:extLst>
+          </a:blip>
+          <a:stretch>
+            <a:fillRect/>
+          </a:stretch>
+        </p:blipFill>
+        <p:spPr>
+          <a:xfrm>
+            <a:off x="6730408" y="4569690"/>
+            <a:ext cx="4069011" cy="1490867"/>
+          </a:xfrm>
+          <a:prstGeom prst="rect">
+            <a:avLst/>
+          </a:prstGeom>
+        </p:spPr>
+      </p:pic>
+    </p:spTree>
+    <p:extLst>
+      <p:ext uri="{BB962C8B-B14F-4D97-AF65-F5344CB8AC3E}">
+        <p14:creationId xmlns:p14="http://schemas.microsoft.com/office/powerpoint/2010/main" val="223375222"/>
+      </p:ext>
+    </p:extLst>
+  </p:cSld>
+  <p:clrMapOvr>
+    <a:masterClrMapping/>
+  </p:clrMapOvr>
+  <p:timing>
+    <p:tnLst>
+      <p:par>
+        <p:cTn id="1" dur="indefinite" restart="never" nodeType="tmRoot"/>
+      </p:par>
+    </p:tnLst>
+  </p:timing>
+</p:sld>
+</file>
+
+<file path=ppt/slides/slide6.xml><?xml version="1.0" encoding="utf-8"?>
+<p:sld xmlns:a="http://schemas.openxmlformats.org/drawingml/2006/main" xmlns:r="http://schemas.openxmlformats.org/officeDocument/2006/relationships" xmlns:p="http://schemas.openxmlformats.org/presentationml/2006/main">
+  <p:cSld>
+    <p:spTree>
+      <p:nvGrpSpPr>
+        <p:cNvPr id="1" name=""/>
+        <p:cNvGrpSpPr/>
+        <p:nvPr/>
+      </p:nvGrpSpPr>
+      <p:grpSpPr>
+        <a:xfrm>
+          <a:off x="0" y="0"/>
+          <a:ext cx="0" cy="0"/>
+          <a:chOff x="0" y="0"/>
+          <a:chExt cx="0" cy="0"/>
+        </a:xfrm>
+      </p:grpSpPr>
+      <p:sp>
+        <p:nvSpPr>
+          <p:cNvPr id="2" name="Title 1"/>
+          <p:cNvSpPr>
+            <a:spLocks noGrp="1"/>
+          </p:cNvSpPr>
+          <p:nvPr>
+            <p:ph type="title"/>
+          </p:nvPr>
+        </p:nvSpPr>
+        <p:spPr/>
+        <p:txBody>
+          <a:bodyPr/>
+          <a:lstStyle/>
+          <a:p>
+            <a:r>
+              <a:rPr lang="en-US" dirty="0" smtClean="0"/>
+              <a:t>Technical Challenges</a:t>
+            </a:r>
+            <a:endParaRPr lang="en-US" dirty="0"/>
+          </a:p>
+        </p:txBody>
+      </p:sp>
+      <p:sp>
+        <p:nvSpPr>
+          <p:cNvPr id="3" name="Content Placeholder 2"/>
+          <p:cNvSpPr>
+            <a:spLocks noGrp="1"/>
+          </p:cNvSpPr>
+          <p:nvPr>
+            <p:ph idx="1"/>
+          </p:nvPr>
+        </p:nvSpPr>
+        <p:spPr>
+          <a:xfrm>
+            <a:off x="1261872" y="1828801"/>
+            <a:ext cx="8595360" cy="2849526"/>
+          </a:xfrm>
+        </p:spPr>
+        <p:txBody>
+          <a:bodyPr>
+            <a:normAutofit/>
+          </a:bodyPr>
+          <a:lstStyle/>
+          <a:p>
+            <a:r>
+              <a:rPr lang="en-US" dirty="0" smtClean="0"/>
+              <a:t>Ease of setup / portability</a:t>
+            </a:r>
+          </a:p>
+          <a:p>
+            <a:pPr lvl="1"/>
+            <a:r>
+              <a:rPr lang="en-US" dirty="0" smtClean="0"/>
+              <a:t>Hidden mounting requirement</a:t>
+            </a:r>
+          </a:p>
+          <a:p>
+            <a:endParaRPr lang="en-US" dirty="0" smtClean="0"/>
+          </a:p>
+          <a:p>
+            <a:endParaRPr lang="en-US" dirty="0"/>
+          </a:p>
+          <a:p>
+            <a:endParaRPr lang="en-US" dirty="0" smtClean="0"/>
+          </a:p>
+          <a:p>
+            <a:r>
+              <a:rPr lang="en-US" dirty="0" smtClean="0"/>
+              <a:t>Write our own software to obtain data from eye tracker and detect text and object</a:t>
+            </a:r>
+          </a:p>
+        </p:txBody>
+      </p:sp>
+      <p:pic>
+        <p:nvPicPr>
+          <p:cNvPr id="4" name="Picture 3"/>
+          <p:cNvPicPr>
+            <a:picLocks noChangeAspect="1"/>
+          </p:cNvPicPr>
+          <p:nvPr/>
+        </p:nvPicPr>
+        <p:blipFill>
+          <a:blip r:embed="rId2" cstate="print">
+            <a:extLst>
+              <a:ext uri="{28A0092B-C50C-407E-A947-70E740481C1C}">
+                <a14:useLocalDpi xmlns:a14="http://schemas.microsoft.com/office/drawing/2010/main" val="0"/>
+              </a:ext>
+            </a:extLst>
+          </a:blip>
+          <a:stretch>
+            <a:fillRect/>
+          </a:stretch>
+        </p:blipFill>
+        <p:spPr>
+          <a:xfrm>
+            <a:off x="7459095" y="1828800"/>
+            <a:ext cx="2870790" cy="1913860"/>
+          </a:xfrm>
+          <a:prstGeom prst="rect">
+            <a:avLst/>
+          </a:prstGeom>
+        </p:spPr>
+      </p:pic>
+      <p:sp>
+        <p:nvSpPr>
+          <p:cNvPr id="5" name="TextBox 4"/>
+          <p:cNvSpPr txBox="1"/>
+          <p:nvPr/>
+        </p:nvSpPr>
+        <p:spPr>
+          <a:xfrm>
+            <a:off x="1261873" y="4968167"/>
+            <a:ext cx="1438798" cy="646331"/>
+          </a:xfrm>
+          <a:prstGeom prst="rect">
+            <a:avLst/>
+          </a:prstGeom>
+          <a:noFill/>
+        </p:spPr>
+        <p:txBody>
+          <a:bodyPr wrap="square" rtlCol="0">
+            <a:spAutoFit/>
+          </a:bodyPr>
+          <a:lstStyle/>
+          <a:p>
+            <a:r>
+              <a:rPr lang="en-US" dirty="0" smtClean="0"/>
+              <a:t>Eye tracker sensor</a:t>
+            </a:r>
+            <a:endParaRPr lang="en-US" dirty="0"/>
+          </a:p>
+        </p:txBody>
+      </p:sp>
+      <p:sp>
+        <p:nvSpPr>
+          <p:cNvPr id="6" name="Right Arrow 5"/>
+          <p:cNvSpPr/>
+          <p:nvPr/>
+        </p:nvSpPr>
+        <p:spPr>
+          <a:xfrm>
+            <a:off x="2700670" y="5107218"/>
+            <a:ext cx="2300653" cy="368227"/>
+          </a:xfrm>
+          <a:prstGeom prst="rightArrow">
+            <a:avLst/>
+          </a:prstGeom>
+          <a:solidFill>
+            <a:srgbClr val="FF0000"/>
+          </a:solidFill>
+        </p:spPr>
+        <p:style>
+          <a:lnRef idx="2">
+            <a:schemeClr val="accent1">
+              <a:shade val="50000"/>
+            </a:schemeClr>
+          </a:lnRef>
+          <a:fillRef idx="1">
+            <a:schemeClr val="accent1"/>
+          </a:fillRef>
+          <a:effectRef idx="0">
+            <a:schemeClr val="accent1"/>
+          </a:effectRef>
+          <a:fontRef idx="minor">
+            <a:schemeClr val="lt1"/>
+          </a:fontRef>
+        </p:style>
+        <p:txBody>
+          <a:bodyPr rtlCol="0" anchor="ctr"/>
+          <a:lstStyle/>
+          <a:p>
+            <a:pPr algn="ctr"/>
+            <a:endParaRPr lang="en-US"/>
+          </a:p>
+        </p:txBody>
+      </p:sp>
+      <p:sp>
+        <p:nvSpPr>
+          <p:cNvPr id="9" name="TextBox 8"/>
+          <p:cNvSpPr txBox="1"/>
+          <p:nvPr/>
+        </p:nvSpPr>
+        <p:spPr>
+          <a:xfrm>
+            <a:off x="5158877" y="4968167"/>
+            <a:ext cx="1126900" cy="646331"/>
+          </a:xfrm>
+          <a:prstGeom prst="rect">
+            <a:avLst/>
+          </a:prstGeom>
+          <a:noFill/>
+        </p:spPr>
+        <p:txBody>
+          <a:bodyPr wrap="square" rtlCol="0">
+            <a:spAutoFit/>
+          </a:bodyPr>
+          <a:lstStyle/>
+          <a:p>
+            <a:r>
+              <a:rPr lang="en-US" dirty="0" smtClean="0"/>
+              <a:t>Target Location</a:t>
+            </a:r>
+            <a:endParaRPr lang="en-US" dirty="0"/>
+          </a:p>
+        </p:txBody>
+      </p:sp>
+      <p:sp>
+        <p:nvSpPr>
+          <p:cNvPr id="11" name="Right Arrow 10"/>
+          <p:cNvSpPr/>
+          <p:nvPr/>
+        </p:nvSpPr>
+        <p:spPr>
+          <a:xfrm>
+            <a:off x="6443329" y="5153291"/>
+            <a:ext cx="2300653" cy="368227"/>
+          </a:xfrm>
+          <a:prstGeom prst="rightArrow">
+            <a:avLst/>
+          </a:prstGeom>
+          <a:solidFill>
+            <a:srgbClr val="FF0000"/>
+          </a:solidFill>
+        </p:spPr>
+        <p:style>
+          <a:lnRef idx="2">
+            <a:schemeClr val="accent1">
+              <a:shade val="50000"/>
+            </a:schemeClr>
+          </a:lnRef>
+          <a:fillRef idx="1">
+            <a:schemeClr val="accent1"/>
+          </a:fillRef>
+          <a:effectRef idx="0">
+            <a:schemeClr val="accent1"/>
+          </a:effectRef>
+          <a:fontRef idx="minor">
+            <a:schemeClr val="lt1"/>
+          </a:fontRef>
+        </p:style>
+        <p:txBody>
+          <a:bodyPr rtlCol="0" anchor="ctr"/>
+          <a:lstStyle/>
+          <a:p>
+            <a:pPr algn="ctr"/>
+            <a:endParaRPr lang="en-US"/>
+          </a:p>
+        </p:txBody>
+      </p:sp>
+      <p:sp>
+        <p:nvSpPr>
+          <p:cNvPr id="12" name="TextBox 11"/>
+          <p:cNvSpPr txBox="1"/>
+          <p:nvPr/>
+        </p:nvSpPr>
+        <p:spPr>
+          <a:xfrm>
+            <a:off x="8894490" y="5014238"/>
+            <a:ext cx="1229667" cy="646331"/>
+          </a:xfrm>
+          <a:prstGeom prst="rect">
+            <a:avLst/>
+          </a:prstGeom>
+          <a:noFill/>
+        </p:spPr>
+        <p:txBody>
+          <a:bodyPr wrap="square" rtlCol="0">
+            <a:spAutoFit/>
+          </a:bodyPr>
+          <a:lstStyle/>
+          <a:p>
+            <a:r>
+              <a:rPr lang="en-US" dirty="0" smtClean="0"/>
+              <a:t>Detection object</a:t>
+            </a:r>
+            <a:endParaRPr lang="en-US" dirty="0"/>
+          </a:p>
+        </p:txBody>
+      </p:sp>
+      <p:sp>
+        <p:nvSpPr>
+          <p:cNvPr id="13" name="TextBox 12"/>
+          <p:cNvSpPr txBox="1"/>
+          <p:nvPr/>
+        </p:nvSpPr>
+        <p:spPr>
+          <a:xfrm>
+            <a:off x="2700671" y="4699591"/>
+            <a:ext cx="2300652" cy="369332"/>
+          </a:xfrm>
+          <a:prstGeom prst="rect">
+            <a:avLst/>
+          </a:prstGeom>
+          <a:noFill/>
+        </p:spPr>
+        <p:txBody>
+          <a:bodyPr wrap="square" rtlCol="0">
+            <a:spAutoFit/>
+          </a:bodyPr>
+          <a:lstStyle/>
+          <a:p>
+            <a:r>
+              <a:rPr lang="en-US" dirty="0" smtClean="0"/>
+              <a:t>Eye track Software</a:t>
+            </a:r>
+            <a:endParaRPr lang="en-US" dirty="0"/>
+          </a:p>
+        </p:txBody>
+      </p:sp>
+      <p:sp>
+        <p:nvSpPr>
+          <p:cNvPr id="14" name="TextBox 13"/>
+          <p:cNvSpPr txBox="1"/>
+          <p:nvPr/>
+        </p:nvSpPr>
+        <p:spPr>
+          <a:xfrm>
+            <a:off x="6425623" y="4554276"/>
+            <a:ext cx="2590786" cy="646331"/>
+          </a:xfrm>
+          <a:prstGeom prst="rect">
+            <a:avLst/>
+          </a:prstGeom>
+          <a:noFill/>
+        </p:spPr>
+        <p:txBody>
+          <a:bodyPr wrap="square" rtlCol="0">
+            <a:spAutoFit/>
+          </a:bodyPr>
+          <a:lstStyle/>
+          <a:p>
+            <a:r>
+              <a:rPr lang="en-US" dirty="0" smtClean="0"/>
+              <a:t>Object detection Software</a:t>
+            </a:r>
+            <a:endParaRPr lang="en-US" dirty="0"/>
+          </a:p>
+        </p:txBody>
+      </p:sp>
+    </p:spTree>
+    <p:extLst>
+      <p:ext uri="{BB962C8B-B14F-4D97-AF65-F5344CB8AC3E}">
+        <p14:creationId xmlns:p14="http://schemas.microsoft.com/office/powerpoint/2010/main" val="3842292263"/>
+      </p:ext>
+    </p:extLst>
+  </p:cSld>
+  <p:clrMapOvr>
+    <a:masterClrMapping/>
+  </p:clrMapOvr>
+  <p:timing>
+    <p:tnLst>
+      <p:par>
+        <p:cTn id="1" dur="indefinite" restart="never" nodeType="tmRoot"/>
+      </p:par>
+    </p:tnLst>
+  </p:timing>
+</p:sld>
+</file>
+
+<file path=ppt/slides/slide7.xml><?xml version="1.0" encoding="utf-8"?>
+<p:sld xmlns:a="http://schemas.openxmlformats.org/drawingml/2006/main" xmlns:r="http://schemas.openxmlformats.org/officeDocument/2006/relationships" xmlns:p="http://schemas.openxmlformats.org/presentationml/2006/main">
+  <p:cSld>
+    <p:spTree>
+      <p:nvGrpSpPr>
+        <p:cNvPr id="1" name=""/>
+        <p:cNvGrpSpPr/>
+        <p:nvPr/>
+      </p:nvGrpSpPr>
+      <p:grpSpPr>
+        <a:xfrm>
+          <a:off x="0" y="0"/>
+          <a:ext cx="0" cy="0"/>
+          <a:chOff x="0" y="0"/>
+          <a:chExt cx="0" cy="0"/>
+        </a:xfrm>
+      </p:grpSpPr>
+      <p:sp>
+        <p:nvSpPr>
+          <p:cNvPr id="2" name="Title 1"/>
+          <p:cNvSpPr>
+            <a:spLocks noGrp="1"/>
+          </p:cNvSpPr>
+          <p:nvPr>
+            <p:ph type="title"/>
+          </p:nvPr>
+        </p:nvSpPr>
+        <p:spPr/>
+        <p:txBody>
+          <a:bodyPr/>
+          <a:lstStyle/>
+          <a:p>
+            <a:r>
               <a:rPr lang="en-US" smtClean="0"/>
               <a:t>Approach</a:t>
             </a:r>
@@ -4381,7 +7067,6 @@
               <a:rPr lang="en-US" dirty="0" smtClean="0"/>
               <a:t>Calibration period difficult (unclear of what changes to calibration allowed for greater success)</a:t>
             </a:r>
-            <a:endParaRPr lang="en-US" dirty="0" smtClean="0"/>
           </a:p>
           <a:p>
             <a:r>
@@ -4509,7 +7194,7 @@
 </p:sld>
 </file>
 
-<file path=ppt/slides/slide5.xml><?xml version="1.0" encoding="utf-8"?>
+<file path=ppt/slides/slide8.xml><?xml version="1.0" encoding="utf-8"?>
 <p:sld xmlns:a="http://schemas.openxmlformats.org/drawingml/2006/main" xmlns:r="http://schemas.openxmlformats.org/officeDocument/2006/relationships" xmlns:p="http://schemas.openxmlformats.org/presentationml/2006/main">
   <p:cSld>
     <p:spTree>
@@ -4536,16 +7221,21 @@
             <p:ph type="title"/>
           </p:nvPr>
         </p:nvSpPr>
-        <p:spPr/>
+        <p:spPr>
+          <a:xfrm>
+            <a:off x="1261872" y="-204084"/>
+            <a:ext cx="9692640" cy="1325562"/>
+          </a:xfrm>
+        </p:spPr>
         <p:txBody>
           <a:bodyPr/>
           <a:lstStyle/>
           <a:p>
             <a:r>
-              <a:rPr lang="en-US" smtClean="0"/>
-              <a:t>Experiments</a:t>
-            </a:r>
-            <a:endParaRPr lang="en-US"/>
+              <a:rPr lang="en-US" dirty="0" smtClean="0"/>
+              <a:t>Experiment 1</a:t>
+            </a:r>
+            <a:endParaRPr lang="en-US" dirty="0"/>
           </a:p>
         </p:txBody>
       </p:sp>
@@ -4559,66 +7249,82 @@
             <p:ph idx="1"/>
           </p:nvPr>
         </p:nvSpPr>
-        <p:spPr/>
+        <p:spPr>
+          <a:xfrm>
+            <a:off x="1261872" y="1121478"/>
+            <a:ext cx="8595360" cy="4351337"/>
+          </a:xfrm>
+        </p:spPr>
         <p:txBody>
           <a:bodyPr/>
           <a:lstStyle/>
           <a:p>
             <a:r>
-              <a:rPr lang="en-US" dirty="0" smtClean="0"/>
-              <a:t>Experiment 1</a:t>
-            </a:r>
-          </a:p>
-          <a:p>
-            <a:pPr lvl="1"/>
-            <a:r>
-              <a:rPr lang="en-US" dirty="0" smtClean="0"/>
-              <a:t>Eye movement through a piece of text</a:t>
-            </a:r>
-          </a:p>
-          <a:p>
-            <a:r>
-              <a:rPr lang="en-US" dirty="0" smtClean="0"/>
-              <a:t>Experiment 2</a:t>
-            </a:r>
-          </a:p>
-          <a:p>
-            <a:pPr lvl="1"/>
-            <a:r>
-              <a:rPr lang="en-US" dirty="0" smtClean="0"/>
-              <a:t>What granularity we can expect from eye movement data</a:t>
-            </a:r>
-          </a:p>
-          <a:p>
-            <a:r>
-              <a:rPr lang="en-US" dirty="0" smtClean="0"/>
-              <a:t>Experiment 3</a:t>
-            </a:r>
-          </a:p>
-          <a:p>
-            <a:pPr lvl="1"/>
-            <a:r>
-              <a:rPr lang="en-US" dirty="0" smtClean="0"/>
-              <a:t>Does tracking follow the flow of your actual reading</a:t>
-            </a:r>
-          </a:p>
-          <a:p>
-            <a:pPr lvl="1"/>
-            <a:endParaRPr lang="en-US" dirty="0"/>
-          </a:p>
-          <a:p>
-            <a:r>
-              <a:rPr lang="en-US" dirty="0" smtClean="0"/>
-              <a:t>Su</a:t>
-            </a:r>
-            <a:endParaRPr lang="en-US" dirty="0"/>
-          </a:p>
-        </p:txBody>
-      </p:sp>
+              <a:rPr lang="en-US" dirty="0"/>
+              <a:t>C</a:t>
+            </a:r>
+            <a:r>
+              <a:rPr lang="en-US" dirty="0" smtClean="0"/>
+              <a:t>onfiguration time and reconfiguration requirement</a:t>
+            </a:r>
+          </a:p>
+          <a:p>
+            <a:r>
+              <a:rPr lang="en-US" dirty="0" smtClean="0"/>
+              <a:t>Assumption: user sit still and laptop at a fixed position</a:t>
+            </a:r>
+          </a:p>
+          <a:p>
+            <a:r>
+              <a:rPr lang="en-US" dirty="0" smtClean="0"/>
+              <a:t>Record configuration time</a:t>
+            </a:r>
+          </a:p>
+          <a:p>
+            <a:r>
+              <a:rPr lang="en-US" dirty="0" smtClean="0"/>
+              <a:t>Move head to different position</a:t>
+            </a:r>
+          </a:p>
+          <a:p>
+            <a:endParaRPr lang="en-US" dirty="0" smtClean="0"/>
+          </a:p>
+        </p:txBody>
+      </p:sp>
+      <p:pic>
+        <p:nvPicPr>
+          <p:cNvPr id="4" name="Picture 3"/>
+          <p:cNvPicPr>
+            <a:picLocks noChangeAspect="1"/>
+          </p:cNvPicPr>
+          <p:nvPr/>
+        </p:nvPicPr>
+        <p:blipFill>
+          <a:blip r:embed="rId2">
+            <a:extLst>
+              <a:ext uri="{28A0092B-C50C-407E-A947-70E740481C1C}">
+                <a14:useLocalDpi xmlns:a14="http://schemas.microsoft.com/office/drawing/2010/main" val="0"/>
+              </a:ext>
+            </a:extLst>
+          </a:blip>
+          <a:stretch>
+            <a:fillRect/>
+          </a:stretch>
+        </p:blipFill>
+        <p:spPr>
+          <a:xfrm>
+            <a:off x="5217620" y="2054088"/>
+            <a:ext cx="5736892" cy="4611768"/>
+          </a:xfrm>
+          <a:prstGeom prst="rect">
+            <a:avLst/>
+          </a:prstGeom>
+        </p:spPr>
+      </p:pic>
     </p:spTree>
     <p:extLst>
       <p:ext uri="{BB962C8B-B14F-4D97-AF65-F5344CB8AC3E}">
-        <p14:creationId xmlns:p14="http://schemas.microsoft.com/office/powerpoint/2010/main" val="1216513756"/>
+        <p14:creationId xmlns:p14="http://schemas.microsoft.com/office/powerpoint/2010/main" val="4017062202"/>
       </p:ext>
     </p:extLst>
   </p:cSld>
@@ -4635,7 +7341,7 @@
 </p:sld>
 </file>
 
-<file path=ppt/slides/slide6.xml><?xml version="1.0" encoding="utf-8"?>
+<file path=ppt/slides/slide9.xml><?xml version="1.0" encoding="utf-8"?>
 <p:sld xmlns:a="http://schemas.openxmlformats.org/drawingml/2006/main" xmlns:r="http://schemas.openxmlformats.org/officeDocument/2006/relationships" xmlns:p="http://schemas.openxmlformats.org/presentationml/2006/main">
   <p:cSld>
     <p:spTree>
@@ -4662,16 +7368,21 @@
             <p:ph type="title"/>
           </p:nvPr>
         </p:nvSpPr>
-        <p:spPr/>
+        <p:spPr>
+          <a:xfrm>
+            <a:off x="1261872" y="-230588"/>
+            <a:ext cx="9692640" cy="1325562"/>
+          </a:xfrm>
+        </p:spPr>
         <p:txBody>
           <a:bodyPr/>
           <a:lstStyle/>
           <a:p>
             <a:r>
-              <a:rPr lang="en-US" smtClean="0"/>
-              <a:t>Demo</a:t>
-            </a:r>
-            <a:endParaRPr lang="en-US"/>
+              <a:rPr lang="en-US" dirty="0" smtClean="0"/>
+              <a:t>Experiment 2</a:t>
+            </a:r>
+            <a:endParaRPr lang="en-US" dirty="0"/>
           </a:p>
         </p:txBody>
       </p:sp>
@@ -4685,181 +7396,101 @@
             <p:ph idx="1"/>
           </p:nvPr>
         </p:nvSpPr>
-        <p:spPr/>
+        <p:spPr>
+          <a:xfrm>
+            <a:off x="1261872" y="1232452"/>
+            <a:ext cx="8595360" cy="4351337"/>
+          </a:xfrm>
+        </p:spPr>
         <p:txBody>
           <a:bodyPr/>
           <a:lstStyle/>
           <a:p>
             <a:r>
               <a:rPr lang="en-US" dirty="0" smtClean="0"/>
-              <a:t>Best Case</a:t>
+              <a:t>Whether or not user are look at screen</a:t>
+            </a:r>
+          </a:p>
+          <a:p>
+            <a:r>
+              <a:rPr lang="en-US" dirty="0" smtClean="0"/>
+              <a:t>Assumption: head keep still just eye movement</a:t>
+            </a:r>
+          </a:p>
+          <a:p>
+            <a:r>
+              <a:rPr lang="en-US" dirty="0" smtClean="0"/>
+              <a:t>Look at 8 position outside the screen:</a:t>
             </a:r>
           </a:p>
           <a:p>
             <a:pPr lvl="1"/>
             <a:r>
               <a:rPr lang="en-US" dirty="0" smtClean="0"/>
-              <a:t>Set up a profile and allow person to look through a piece of text where the eye movements are tracked accurately</a:t>
-            </a:r>
-          </a:p>
-          <a:p>
-            <a:endParaRPr lang="en-US" dirty="0"/>
-          </a:p>
-          <a:p>
-            <a:r>
-              <a:rPr lang="en-US" dirty="0" err="1" smtClean="0"/>
-              <a:t>Suhas</a:t>
-            </a:r>
-            <a:endParaRPr lang="en-US" dirty="0" smtClean="0"/>
-          </a:p>
-          <a:p>
-            <a:endParaRPr lang="en-US" dirty="0"/>
+              <a:t>Up</a:t>
+            </a:r>
+          </a:p>
+          <a:p>
+            <a:pPr lvl="1"/>
+            <a:r>
+              <a:rPr lang="en-US" dirty="0" smtClean="0"/>
+              <a:t>Down</a:t>
+            </a:r>
+          </a:p>
+          <a:p>
+            <a:pPr lvl="1"/>
+            <a:r>
+              <a:rPr lang="en-US" dirty="0" smtClean="0"/>
+              <a:t>Left </a:t>
+            </a:r>
+          </a:p>
+          <a:p>
+            <a:pPr lvl="1"/>
+            <a:r>
+              <a:rPr lang="en-US" dirty="0" smtClean="0"/>
+              <a:t>Right</a:t>
+            </a:r>
+          </a:p>
+          <a:p>
+            <a:pPr lvl="1"/>
+            <a:r>
+              <a:rPr lang="en-US" dirty="0" smtClean="0"/>
+              <a:t>Up right corner</a:t>
+            </a:r>
+          </a:p>
+          <a:p>
+            <a:pPr lvl="1"/>
+            <a:r>
+              <a:rPr lang="en-US" dirty="0" smtClean="0"/>
+              <a:t>Up left corner</a:t>
+            </a:r>
+          </a:p>
+          <a:p>
+            <a:pPr lvl="1"/>
+            <a:r>
+              <a:rPr lang="en-US" dirty="0" smtClean="0"/>
+              <a:t>Down left corner</a:t>
+            </a:r>
+          </a:p>
+          <a:p>
+            <a:pPr lvl="1"/>
+            <a:r>
+              <a:rPr lang="en-US" dirty="0" smtClean="0"/>
+              <a:t>Down right corner</a:t>
+            </a:r>
           </a:p>
         </p:txBody>
       </p:sp>
     </p:spTree>
     <p:extLst>
       <p:ext uri="{BB962C8B-B14F-4D97-AF65-F5344CB8AC3E}">
-        <p14:creationId xmlns:p14="http://schemas.microsoft.com/office/powerpoint/2010/main" val="747479787"/>
+        <p14:creationId xmlns:p14="http://schemas.microsoft.com/office/powerpoint/2010/main" val="33737106"/>
       </p:ext>
     </p:extLst>
   </p:cSld>
   <p:clrMapOvr>
     <a:masterClrMapping/>
   </p:clrMapOvr>
-  <p:timing>
-    <p:tnLst>
-      <p:par>
-        <p:cTn id="1" dur="indefinite" restart="never" nodeType="tmRoot"/>
-      </p:par>
-    </p:tnLst>
-  </p:timing>
-</p:sld>
-</file>
-
-<file path=ppt/slides/slide7.xml><?xml version="1.0" encoding="utf-8"?>
-<p:sld xmlns:a="http://schemas.openxmlformats.org/drawingml/2006/main" xmlns:r="http://schemas.openxmlformats.org/officeDocument/2006/relationships" xmlns:p="http://schemas.openxmlformats.org/presentationml/2006/main">
-  <p:cSld>
-    <p:spTree>
-      <p:nvGrpSpPr>
-        <p:cNvPr id="1" name=""/>
-        <p:cNvGrpSpPr/>
-        <p:nvPr/>
-      </p:nvGrpSpPr>
-      <p:grpSpPr>
-        <a:xfrm>
-          <a:off x="0" y="0"/>
-          <a:ext cx="0" cy="0"/>
-          <a:chOff x="0" y="0"/>
-          <a:chExt cx="0" cy="0"/>
-        </a:xfrm>
-      </p:grpSpPr>
-      <p:sp>
-        <p:nvSpPr>
-          <p:cNvPr id="2" name="Title 1"/>
-          <p:cNvSpPr>
-            <a:spLocks noGrp="1"/>
-          </p:cNvSpPr>
-          <p:nvPr>
-            <p:ph type="title"/>
-          </p:nvPr>
-        </p:nvSpPr>
-        <p:spPr/>
-        <p:txBody>
-          <a:bodyPr/>
-          <a:lstStyle/>
-          <a:p>
-            <a:r>
-              <a:rPr lang="en-US" smtClean="0"/>
-              <a:t>Milestones</a:t>
-            </a:r>
-            <a:endParaRPr lang="en-US"/>
-          </a:p>
-        </p:txBody>
-      </p:sp>
-      <p:sp>
-        <p:nvSpPr>
-          <p:cNvPr id="3" name="Content Placeholder 2"/>
-          <p:cNvSpPr>
-            <a:spLocks noGrp="1"/>
-          </p:cNvSpPr>
-          <p:nvPr>
-            <p:ph idx="1"/>
-          </p:nvPr>
-        </p:nvSpPr>
-        <p:spPr/>
-        <p:txBody>
-          <a:bodyPr/>
-          <a:lstStyle/>
-          <a:p>
-            <a:r>
-              <a:rPr lang="en-US" dirty="0" smtClean="0"/>
-              <a:t>By end of October</a:t>
-            </a:r>
-          </a:p>
-          <a:p>
-            <a:pPr lvl="1"/>
-            <a:r>
-              <a:rPr lang="en-US" dirty="0" smtClean="0"/>
-              <a:t>Something</a:t>
-            </a:r>
-          </a:p>
-          <a:p>
-            <a:r>
-              <a:rPr lang="en-US" dirty="0" smtClean="0"/>
-              <a:t>By end of November</a:t>
-            </a:r>
-          </a:p>
-          <a:p>
-            <a:pPr lvl="1"/>
-            <a:r>
-              <a:rPr lang="en-US" dirty="0" smtClean="0"/>
-              <a:t>Something</a:t>
-            </a:r>
-          </a:p>
-          <a:p>
-            <a:r>
-              <a:rPr lang="en-US" dirty="0" smtClean="0"/>
-              <a:t>By end of first week in December</a:t>
-            </a:r>
-          </a:p>
-          <a:p>
-            <a:pPr lvl="1"/>
-            <a:r>
-              <a:rPr lang="en-US" dirty="0" smtClean="0"/>
-              <a:t>Done</a:t>
-            </a:r>
-          </a:p>
-          <a:p>
-            <a:pPr lvl="1"/>
-            <a:endParaRPr lang="en-US" dirty="0"/>
-          </a:p>
-          <a:p>
-            <a:r>
-              <a:rPr lang="en-US" dirty="0" err="1" smtClean="0"/>
-              <a:t>Ashkan</a:t>
-            </a:r>
-            <a:endParaRPr lang="en-US" dirty="0"/>
-          </a:p>
-        </p:txBody>
-      </p:sp>
-    </p:spTree>
-    <p:extLst>
-      <p:ext uri="{BB962C8B-B14F-4D97-AF65-F5344CB8AC3E}">
-        <p14:creationId xmlns:p14="http://schemas.microsoft.com/office/powerpoint/2010/main" val="488913587"/>
-      </p:ext>
-    </p:extLst>
-  </p:cSld>
-  <p:clrMapOvr>
-    <a:masterClrMapping/>
-  </p:clrMapOvr>
-  <p:timing>
-    <p:tnLst>
-      <p:par>
-        <p:cTn id="1" dur="indefinite" restart="never" nodeType="tmRoot"/>
-      </p:par>
-    </p:tnLst>
-  </p:timing>
 </p:sld>
 </file>
 

--- a/ProposalPresentation/Proposal.pptx
+++ b/ProposalPresentation/Proposal.pptx
@@ -5,22 +5,23 @@
     <p:sldMasterId id="2147483690" r:id="rId1"/>
   </p:sldMasterIdLst>
   <p:notesMasterIdLst>
-    <p:notesMasterId r:id="rId15"/>
+    <p:notesMasterId r:id="rId16"/>
   </p:notesMasterIdLst>
   <p:sldIdLst>
     <p:sldId id="256" r:id="rId2"/>
     <p:sldId id="257" r:id="rId3"/>
-    <p:sldId id="258" r:id="rId4"/>
-    <p:sldId id="263" r:id="rId5"/>
-    <p:sldId id="264" r:id="rId6"/>
-    <p:sldId id="265" r:id="rId7"/>
-    <p:sldId id="259" r:id="rId8"/>
-    <p:sldId id="268" r:id="rId9"/>
-    <p:sldId id="269" r:id="rId10"/>
-    <p:sldId id="270" r:id="rId11"/>
-    <p:sldId id="271" r:id="rId12"/>
-    <p:sldId id="261" r:id="rId13"/>
-    <p:sldId id="267" r:id="rId14"/>
+    <p:sldId id="272" r:id="rId4"/>
+    <p:sldId id="258" r:id="rId5"/>
+    <p:sldId id="263" r:id="rId6"/>
+    <p:sldId id="264" r:id="rId7"/>
+    <p:sldId id="265" r:id="rId8"/>
+    <p:sldId id="259" r:id="rId9"/>
+    <p:sldId id="268" r:id="rId10"/>
+    <p:sldId id="269" r:id="rId11"/>
+    <p:sldId id="270" r:id="rId12"/>
+    <p:sldId id="271" r:id="rId13"/>
+    <p:sldId id="273" r:id="rId14"/>
+    <p:sldId id="267" r:id="rId15"/>
   </p:sldIdLst>
   <p:sldSz cx="12192000" cy="6858000"/>
   <p:notesSz cx="6858000" cy="9144000"/>
@@ -521,6 +522,90 @@
           <a:bodyPr/>
           <a:lstStyle/>
           <a:p>
+            <a:endParaRPr lang="en-US" dirty="0"/>
+          </a:p>
+        </p:txBody>
+      </p:sp>
+      <p:sp>
+        <p:nvSpPr>
+          <p:cNvPr id="4" name="Slide Number Placeholder 3"/>
+          <p:cNvSpPr>
+            <a:spLocks noGrp="1"/>
+          </p:cNvSpPr>
+          <p:nvPr>
+            <p:ph type="sldNum" sz="quarter" idx="10"/>
+          </p:nvPr>
+        </p:nvSpPr>
+        <p:spPr/>
+        <p:txBody>
+          <a:bodyPr/>
+          <a:lstStyle/>
+          <a:p>
+            <a:fld id="{693B9949-4082-4E9D-BF06-D5CAF1E713C7}" type="slidenum">
+              <a:rPr lang="en-US" smtClean="0"/>
+              <a:t>3</a:t>
+            </a:fld>
+            <a:endParaRPr lang="en-US"/>
+          </a:p>
+        </p:txBody>
+      </p:sp>
+    </p:spTree>
+    <p:extLst>
+      <p:ext uri="{BB962C8B-B14F-4D97-AF65-F5344CB8AC3E}">
+        <p14:creationId xmlns:p14="http://schemas.microsoft.com/office/powerpoint/2010/main" val="1207183006"/>
+      </p:ext>
+    </p:extLst>
+  </p:cSld>
+  <p:clrMapOvr>
+    <a:masterClrMapping/>
+  </p:clrMapOvr>
+</p:notes>
+</file>
+
+<file path=ppt/notesSlides/notesSlide2.xml><?xml version="1.0" encoding="utf-8"?>
+<p:notes xmlns:a="http://schemas.openxmlformats.org/drawingml/2006/main" xmlns:r="http://schemas.openxmlformats.org/officeDocument/2006/relationships" xmlns:p="http://schemas.openxmlformats.org/presentationml/2006/main">
+  <p:cSld>
+    <p:spTree>
+      <p:nvGrpSpPr>
+        <p:cNvPr id="1" name=""/>
+        <p:cNvGrpSpPr/>
+        <p:nvPr/>
+      </p:nvGrpSpPr>
+      <p:grpSpPr>
+        <a:xfrm>
+          <a:off x="0" y="0"/>
+          <a:ext cx="0" cy="0"/>
+          <a:chOff x="0" y="0"/>
+          <a:chExt cx="0" cy="0"/>
+        </a:xfrm>
+      </p:grpSpPr>
+      <p:sp>
+        <p:nvSpPr>
+          <p:cNvPr id="2" name="Slide Image Placeholder 1"/>
+          <p:cNvSpPr>
+            <a:spLocks noGrp="1" noRot="1" noChangeAspect="1"/>
+          </p:cNvSpPr>
+          <p:nvPr>
+            <p:ph type="sldImg"/>
+          </p:nvPr>
+        </p:nvSpPr>
+        <p:spPr/>
+      </p:sp>
+      <p:sp>
+        <p:nvSpPr>
+          <p:cNvPr id="3" name="Notes Placeholder 2"/>
+          <p:cNvSpPr>
+            <a:spLocks noGrp="1"/>
+          </p:cNvSpPr>
+          <p:nvPr>
+            <p:ph type="body" idx="1"/>
+          </p:nvPr>
+        </p:nvSpPr>
+        <p:spPr/>
+        <p:txBody>
+          <a:bodyPr/>
+          <a:lstStyle/>
+          <a:p>
             <a:r>
               <a:rPr lang="en-US" dirty="0" smtClean="0"/>
               <a:t>Saccades: rapid ballistic movements that bring the line of gaze from one place to another, are the primary means of acquiring new visual information</a:t>
@@ -562,7 +647,7 @@
           <a:p>
             <a:fld id="{693B9949-4082-4E9D-BF06-D5CAF1E713C7}" type="slidenum">
               <a:rPr lang="en-US" smtClean="0"/>
-              <a:t>7</a:t>
+              <a:t>8</a:t>
             </a:fld>
             <a:endParaRPr lang="en-US"/>
           </a:p>
@@ -572,6 +657,90 @@
     <p:extLst>
       <p:ext uri="{BB962C8B-B14F-4D97-AF65-F5344CB8AC3E}">
         <p14:creationId xmlns:p14="http://schemas.microsoft.com/office/powerpoint/2010/main" val="1683765603"/>
+      </p:ext>
+    </p:extLst>
+  </p:cSld>
+  <p:clrMapOvr>
+    <a:masterClrMapping/>
+  </p:clrMapOvr>
+</p:notes>
+</file>
+
+<file path=ppt/notesSlides/notesSlide3.xml><?xml version="1.0" encoding="utf-8"?>
+<p:notes xmlns:a="http://schemas.openxmlformats.org/drawingml/2006/main" xmlns:r="http://schemas.openxmlformats.org/officeDocument/2006/relationships" xmlns:p="http://schemas.openxmlformats.org/presentationml/2006/main">
+  <p:cSld>
+    <p:spTree>
+      <p:nvGrpSpPr>
+        <p:cNvPr id="1" name=""/>
+        <p:cNvGrpSpPr/>
+        <p:nvPr/>
+      </p:nvGrpSpPr>
+      <p:grpSpPr>
+        <a:xfrm>
+          <a:off x="0" y="0"/>
+          <a:ext cx="0" cy="0"/>
+          <a:chOff x="0" y="0"/>
+          <a:chExt cx="0" cy="0"/>
+        </a:xfrm>
+      </p:grpSpPr>
+      <p:sp>
+        <p:nvSpPr>
+          <p:cNvPr id="2" name="Slide Image Placeholder 1"/>
+          <p:cNvSpPr>
+            <a:spLocks noGrp="1" noRot="1" noChangeAspect="1"/>
+          </p:cNvSpPr>
+          <p:nvPr>
+            <p:ph type="sldImg"/>
+          </p:nvPr>
+        </p:nvSpPr>
+        <p:spPr/>
+      </p:sp>
+      <p:sp>
+        <p:nvSpPr>
+          <p:cNvPr id="3" name="Notes Placeholder 2"/>
+          <p:cNvSpPr>
+            <a:spLocks noGrp="1"/>
+          </p:cNvSpPr>
+          <p:nvPr>
+            <p:ph type="body" idx="1"/>
+          </p:nvPr>
+        </p:nvSpPr>
+        <p:spPr/>
+        <p:txBody>
+          <a:bodyPr/>
+          <a:lstStyle/>
+          <a:p>
+            <a:endParaRPr lang="en-US" dirty="0"/>
+          </a:p>
+        </p:txBody>
+      </p:sp>
+      <p:sp>
+        <p:nvSpPr>
+          <p:cNvPr id="4" name="Slide Number Placeholder 3"/>
+          <p:cNvSpPr>
+            <a:spLocks noGrp="1"/>
+          </p:cNvSpPr>
+          <p:nvPr>
+            <p:ph type="sldNum" sz="quarter" idx="10"/>
+          </p:nvPr>
+        </p:nvSpPr>
+        <p:spPr/>
+        <p:txBody>
+          <a:bodyPr/>
+          <a:lstStyle/>
+          <a:p>
+            <a:fld id="{693B9949-4082-4E9D-BF06-D5CAF1E713C7}" type="slidenum">
+              <a:rPr lang="en-US" smtClean="0"/>
+              <a:t>13</a:t>
+            </a:fld>
+            <a:endParaRPr lang="en-US"/>
+          </a:p>
+        </p:txBody>
+      </p:sp>
+    </p:spTree>
+    <p:extLst>
+      <p:ext uri="{BB962C8B-B14F-4D97-AF65-F5344CB8AC3E}">
+        <p14:creationId xmlns:p14="http://schemas.microsoft.com/office/powerpoint/2010/main" val="2504314994"/>
       </p:ext>
     </p:extLst>
   </p:cSld>
@@ -4035,14 +4204,19 @@
             <p:ph type="title"/>
           </p:nvPr>
         </p:nvSpPr>
-        <p:spPr/>
+        <p:spPr>
+          <a:xfrm>
+            <a:off x="1261872" y="-230588"/>
+            <a:ext cx="9692640" cy="1325562"/>
+          </a:xfrm>
+        </p:spPr>
         <p:txBody>
           <a:bodyPr/>
           <a:lstStyle/>
           <a:p>
             <a:r>
               <a:rPr lang="en-US" dirty="0" smtClean="0"/>
-              <a:t>Experiment 3</a:t>
+              <a:t>Experiment 2</a:t>
             </a:r>
             <a:endParaRPr lang="en-US" dirty="0"/>
           </a:p>
@@ -4058,69 +4232,95 @@
             <p:ph idx="1"/>
           </p:nvPr>
         </p:nvSpPr>
-        <p:spPr/>
+        <p:spPr>
+          <a:xfrm>
+            <a:off x="1261872" y="1232452"/>
+            <a:ext cx="8595360" cy="4351337"/>
+          </a:xfrm>
+        </p:spPr>
         <p:txBody>
           <a:bodyPr/>
           <a:lstStyle/>
           <a:p>
             <a:r>
               <a:rPr lang="en-US" dirty="0" smtClean="0"/>
-              <a:t>What </a:t>
-            </a:r>
-            <a:r>
-              <a:rPr lang="en-US" dirty="0"/>
-              <a:t>granularity we can expect from eye movement </a:t>
-            </a:r>
+              <a:t>Whether or not user are look at screen</a:t>
+            </a:r>
+          </a:p>
+          <a:p>
             <a:r>
               <a:rPr lang="en-US" dirty="0" smtClean="0"/>
-              <a:t>data</a:t>
+              <a:t>Assumption: head keep still just eye movement</a:t>
             </a:r>
           </a:p>
           <a:p>
             <a:r>
               <a:rPr lang="en-US" dirty="0" smtClean="0"/>
-              <a:t>Assumption: User looks at screen during experiment</a:t>
-            </a:r>
-          </a:p>
-          <a:p>
+              <a:t>Look at 8 position outside the screen:</a:t>
+            </a:r>
+          </a:p>
+          <a:p>
+            <a:pPr lvl="1"/>
             <a:r>
               <a:rPr lang="en-US" dirty="0" smtClean="0"/>
-              <a:t>Divide screen into 2 by 2, 3 by 3, and so on doing experiment until the accuracy is around 50 percent</a:t>
-            </a:r>
-          </a:p>
-          <a:p>
+              <a:t>Up</a:t>
+            </a:r>
+          </a:p>
+          <a:p>
+            <a:pPr lvl="1"/>
             <a:r>
               <a:rPr lang="en-US" dirty="0" smtClean="0"/>
-              <a:t>User looks at one rectangle and eye tracker give the one they think user is looking at </a:t>
-            </a:r>
-            <a:endParaRPr lang="en-US" dirty="0"/>
-          </a:p>
-          <a:p>
-            <a:pPr marL="0" marR="0" lvl="0" indent="0" defTabSz="914400" eaLnBrk="1" fontAlgn="auto" latinLnBrk="0" hangingPunct="1">
-              <a:lnSpc>
-                <a:spcPct val="100000"/>
-              </a:lnSpc>
-              <a:spcBef>
-                <a:spcPts val="0"/>
-              </a:spcBef>
-              <a:spcAft>
-                <a:spcPts val="0"/>
-              </a:spcAft>
-              <a:buClrTx/>
-              <a:buSzTx/>
-              <a:buFontTx/>
-              <a:buNone/>
-              <a:tabLst/>
-              <a:defRPr/>
-            </a:pPr>
-            <a:endParaRPr lang="en-US" dirty="0"/>
+              <a:t>Down</a:t>
+            </a:r>
+          </a:p>
+          <a:p>
+            <a:pPr lvl="1"/>
+            <a:r>
+              <a:rPr lang="en-US" dirty="0" smtClean="0"/>
+              <a:t>Left </a:t>
+            </a:r>
+          </a:p>
+          <a:p>
+            <a:pPr lvl="1"/>
+            <a:r>
+              <a:rPr lang="en-US" dirty="0" smtClean="0"/>
+              <a:t>Right</a:t>
+            </a:r>
+          </a:p>
+          <a:p>
+            <a:pPr lvl="1"/>
+            <a:r>
+              <a:rPr lang="en-US" dirty="0" smtClean="0"/>
+              <a:t>Up right corner</a:t>
+            </a:r>
+          </a:p>
+          <a:p>
+            <a:pPr lvl="1"/>
+            <a:r>
+              <a:rPr lang="en-US" dirty="0" smtClean="0"/>
+              <a:t>Up left corner</a:t>
+            </a:r>
+          </a:p>
+          <a:p>
+            <a:pPr lvl="1"/>
+            <a:r>
+              <a:rPr lang="en-US" dirty="0" smtClean="0"/>
+              <a:t>Down left corner</a:t>
+            </a:r>
+          </a:p>
+          <a:p>
+            <a:pPr lvl="1"/>
+            <a:r>
+              <a:rPr lang="en-US" dirty="0" smtClean="0"/>
+              <a:t>Down right corner</a:t>
+            </a:r>
           </a:p>
         </p:txBody>
       </p:sp>
     </p:spTree>
     <p:extLst>
       <p:ext uri="{BB962C8B-B14F-4D97-AF65-F5344CB8AC3E}">
-        <p14:creationId xmlns:p14="http://schemas.microsoft.com/office/powerpoint/2010/main" val="2104047068"/>
+        <p14:creationId xmlns:p14="http://schemas.microsoft.com/office/powerpoint/2010/main" val="33737106"/>
       </p:ext>
     </p:extLst>
   </p:cSld>
@@ -4164,7 +4364,7 @@
           <a:p>
             <a:r>
               <a:rPr lang="en-US" dirty="0" smtClean="0"/>
-              <a:t>Experiment 4</a:t>
+              <a:t>Experiment 3</a:t>
             </a:r>
             <a:endParaRPr lang="en-US" dirty="0"/>
           </a:p>
@@ -4187,67 +4387,54 @@
           <a:p>
             <a:r>
               <a:rPr lang="en-US" dirty="0" smtClean="0"/>
-              <a:t>Does tracking </a:t>
+              <a:t>What </a:t>
             </a:r>
             <a:r>
               <a:rPr lang="en-US" dirty="0"/>
-              <a:t>the flow of </a:t>
+              <a:t>granularity we can expect from eye movement </a:t>
             </a:r>
             <a:r>
               <a:rPr lang="en-US" dirty="0" smtClean="0"/>
-              <a:t>user’s </a:t>
-            </a:r>
-            <a:r>
-              <a:rPr lang="en-US" dirty="0"/>
-              <a:t>actual </a:t>
-            </a:r>
+              <a:t>data</a:t>
+            </a:r>
+          </a:p>
+          <a:p>
             <a:r>
               <a:rPr lang="en-US" dirty="0" smtClean="0"/>
-              <a:t>reading</a:t>
+              <a:t>Assumption: User looks at screen during experiment</a:t>
             </a:r>
           </a:p>
           <a:p>
             <a:r>
               <a:rPr lang="en-US" dirty="0" smtClean="0"/>
-              <a:t>Highly depends on the result of experiment 3</a:t>
+              <a:t>Divide screen into 2 by 2, 3 by 3, and so on doing experiment until the accuracy is around 50 percent</a:t>
             </a:r>
           </a:p>
           <a:p>
             <a:r>
               <a:rPr lang="en-US" dirty="0" smtClean="0"/>
-              <a:t>Assumption: </a:t>
-            </a:r>
-            <a:r>
-              <a:rPr lang="en-US" dirty="0"/>
-              <a:t>User </a:t>
-            </a:r>
-            <a:r>
-              <a:rPr lang="en-US" dirty="0" smtClean="0"/>
-              <a:t>reads the article during experiment and does not get distract</a:t>
-            </a:r>
-          </a:p>
-          <a:p>
-            <a:r>
-              <a:rPr lang="en-US" dirty="0" smtClean="0"/>
-              <a:t>Highlight words which software thinks user is reading </a:t>
-            </a:r>
-          </a:p>
-          <a:p>
-            <a:r>
-              <a:rPr lang="en-US" dirty="0" smtClean="0"/>
-              <a:t>Design a questionnaire to collect user’s feedback</a:t>
-            </a:r>
-          </a:p>
-          <a:p>
-            <a:endParaRPr lang="en-US" dirty="0" smtClean="0"/>
-          </a:p>
-          <a:p>
-            <a:endParaRPr lang="en-US" dirty="0" smtClean="0"/>
-          </a:p>
-          <a:p>
-            <a:endParaRPr lang="en-US" dirty="0" smtClean="0"/>
-          </a:p>
-          <a:p>
+              <a:t>User looks at one rectangle and eye tracker give the one they think user is looking at </a:t>
+            </a:r>
+            <a:endParaRPr lang="en-US" dirty="0"/>
+          </a:p>
+          <a:p>
+            <a:pPr marL="0" marR="0" lvl="0" indent="0" defTabSz="914400" eaLnBrk="1" fontAlgn="auto" latinLnBrk="0" hangingPunct="1">
+              <a:lnSpc>
+                <a:spcPct val="100000"/>
+              </a:lnSpc>
+              <a:spcBef>
+                <a:spcPts val="0"/>
+              </a:spcBef>
+              <a:spcAft>
+                <a:spcPts val="0"/>
+              </a:spcAft>
+              <a:buClrTx/>
+              <a:buSzTx/>
+              <a:buFontTx/>
+              <a:buNone/>
+              <a:tabLst/>
+              <a:defRPr/>
+            </a:pPr>
             <a:endParaRPr lang="en-US" dirty="0"/>
           </a:p>
         </p:txBody>
@@ -4255,7 +4442,7 @@
     </p:spTree>
     <p:extLst>
       <p:ext uri="{BB962C8B-B14F-4D97-AF65-F5344CB8AC3E}">
-        <p14:creationId xmlns:p14="http://schemas.microsoft.com/office/powerpoint/2010/main" val="3457332150"/>
+        <p14:creationId xmlns:p14="http://schemas.microsoft.com/office/powerpoint/2010/main" val="2104047068"/>
       </p:ext>
     </p:extLst>
   </p:cSld>
@@ -4298,10 +4485,10 @@
           <a:lstStyle/>
           <a:p>
             <a:r>
-              <a:rPr lang="en-US" smtClean="0"/>
-              <a:t>Demo</a:t>
-            </a:r>
-            <a:endParaRPr lang="en-US"/>
+              <a:rPr lang="en-US" dirty="0" smtClean="0"/>
+              <a:t>Experiment 4</a:t>
+            </a:r>
+            <a:endParaRPr lang="en-US" dirty="0"/>
           </a:p>
         </p:txBody>
       </p:sp>
@@ -4322,24 +4509,64 @@
           <a:p>
             <a:r>
               <a:rPr lang="en-US" dirty="0" smtClean="0"/>
-              <a:t>Best Case</a:t>
-            </a:r>
-          </a:p>
-          <a:p>
-            <a:pPr lvl="1"/>
+              <a:t>Does tracking </a:t>
+            </a:r>
+            <a:r>
+              <a:rPr lang="en-US" dirty="0"/>
+              <a:t>the flow of </a:t>
+            </a:r>
             <a:r>
               <a:rPr lang="en-US" dirty="0" smtClean="0"/>
-              <a:t>Set up a profile and allow person to look through a piece of text where the eye movements are tracked accurately</a:t>
-            </a:r>
-          </a:p>
-          <a:p>
-            <a:endParaRPr lang="en-US" dirty="0"/>
-          </a:p>
-          <a:p>
-            <a:r>
-              <a:rPr lang="en-US" dirty="0" err="1" smtClean="0"/>
-              <a:t>Suhas</a:t>
-            </a:r>
+              <a:t>user’s </a:t>
+            </a:r>
+            <a:r>
+              <a:rPr lang="en-US" dirty="0"/>
+              <a:t>actual </a:t>
+            </a:r>
+            <a:r>
+              <a:rPr lang="en-US" dirty="0" smtClean="0"/>
+              <a:t>reading</a:t>
+            </a:r>
+          </a:p>
+          <a:p>
+            <a:r>
+              <a:rPr lang="en-US" dirty="0" smtClean="0"/>
+              <a:t>Highly depends on the result of experiment 3</a:t>
+            </a:r>
+          </a:p>
+          <a:p>
+            <a:r>
+              <a:rPr lang="en-US" dirty="0" smtClean="0"/>
+              <a:t>Assumption: </a:t>
+            </a:r>
+            <a:r>
+              <a:rPr lang="en-US" dirty="0"/>
+              <a:t>User </a:t>
+            </a:r>
+            <a:r>
+              <a:rPr lang="en-US" dirty="0" smtClean="0"/>
+              <a:t>reads the article during experiment and does not get distract</a:t>
+            </a:r>
+          </a:p>
+          <a:p>
+            <a:r>
+              <a:rPr lang="en-US" dirty="0" smtClean="0"/>
+              <a:t>Highlight words which software thinks user is reading </a:t>
+            </a:r>
+          </a:p>
+          <a:p>
+            <a:r>
+              <a:rPr lang="en-US" dirty="0" smtClean="0"/>
+              <a:t>Design a questionnaire to collect user’s feedback</a:t>
+            </a:r>
+          </a:p>
+          <a:p>
+            <a:endParaRPr lang="en-US" dirty="0" smtClean="0"/>
+          </a:p>
+          <a:p>
+            <a:endParaRPr lang="en-US" dirty="0" smtClean="0"/>
+          </a:p>
+          <a:p>
             <a:endParaRPr lang="en-US" dirty="0" smtClean="0"/>
           </a:p>
           <a:p>
@@ -4350,24 +4577,147 @@
     </p:spTree>
     <p:extLst>
       <p:ext uri="{BB962C8B-B14F-4D97-AF65-F5344CB8AC3E}">
-        <p14:creationId xmlns:p14="http://schemas.microsoft.com/office/powerpoint/2010/main" val="747479787"/>
+        <p14:creationId xmlns:p14="http://schemas.microsoft.com/office/powerpoint/2010/main" val="3457332150"/>
       </p:ext>
     </p:extLst>
   </p:cSld>
   <p:clrMapOvr>
     <a:masterClrMapping/>
   </p:clrMapOvr>
-  <p:timing>
-    <p:tnLst>
-      <p:par>
-        <p:cTn id="1" dur="indefinite" restart="never" nodeType="tmRoot"/>
-      </p:par>
-    </p:tnLst>
-  </p:timing>
 </p:sld>
 </file>
 
 <file path=ppt/slides/slide13.xml><?xml version="1.0" encoding="utf-8"?>
+<p:sld xmlns:a="http://schemas.openxmlformats.org/drawingml/2006/main" xmlns:r="http://schemas.openxmlformats.org/officeDocument/2006/relationships" xmlns:p="http://schemas.openxmlformats.org/presentationml/2006/main">
+  <p:cSld>
+    <p:spTree>
+      <p:nvGrpSpPr>
+        <p:cNvPr id="1" name=""/>
+        <p:cNvGrpSpPr/>
+        <p:nvPr/>
+      </p:nvGrpSpPr>
+      <p:grpSpPr>
+        <a:xfrm>
+          <a:off x="0" y="0"/>
+          <a:ext cx="0" cy="0"/>
+          <a:chOff x="0" y="0"/>
+          <a:chExt cx="0" cy="0"/>
+        </a:xfrm>
+      </p:grpSpPr>
+      <p:sp>
+        <p:nvSpPr>
+          <p:cNvPr id="2" name="Title 1"/>
+          <p:cNvSpPr>
+            <a:spLocks noGrp="1"/>
+          </p:cNvSpPr>
+          <p:nvPr>
+            <p:ph type="title"/>
+          </p:nvPr>
+        </p:nvSpPr>
+        <p:spPr/>
+        <p:txBody>
+          <a:bodyPr/>
+          <a:lstStyle/>
+          <a:p>
+            <a:r>
+              <a:rPr lang="en-US"/>
+              <a:t>Demo</a:t>
+            </a:r>
+          </a:p>
+        </p:txBody>
+      </p:sp>
+      <p:sp>
+        <p:nvSpPr>
+          <p:cNvPr id="3" name="Content Placeholder 2"/>
+          <p:cNvSpPr>
+            <a:spLocks noGrp="1"/>
+          </p:cNvSpPr>
+          <p:nvPr>
+            <p:ph idx="1"/>
+          </p:nvPr>
+        </p:nvSpPr>
+        <p:spPr/>
+        <p:txBody>
+          <a:bodyPr/>
+          <a:lstStyle/>
+          <a:p>
+            <a:r>
+              <a:rPr lang="en-US" dirty="0"/>
+              <a:t>Eye Tracker is </a:t>
+            </a:r>
+            <a:r>
+              <a:rPr lang="en-US"/>
+              <a:t>mounted to a </a:t>
+            </a:r>
+            <a:r>
+              <a:rPr lang="en-US" dirty="0"/>
+              <a:t>laptop and a person is made to sit in front of laptop.</a:t>
+            </a:r>
+          </a:p>
+          <a:p>
+            <a:r>
+              <a:rPr lang="en-US" dirty="0"/>
+              <a:t>Person is made to see a sentence.</a:t>
+            </a:r>
+          </a:p>
+          <a:p>
+            <a:r>
+              <a:rPr lang="en-US" dirty="0"/>
+              <a:t>Eye movements are tracked accurately.</a:t>
+            </a:r>
+          </a:p>
+          <a:p>
+            <a:r>
+              <a:rPr lang="en-US" dirty="0"/>
+              <a:t>Render the voice of the words as the person scans the sentence.  </a:t>
+            </a:r>
+          </a:p>
+        </p:txBody>
+      </p:sp>
+      <p:pic>
+        <p:nvPicPr>
+          <p:cNvPr id="4" name="Picture 3"/>
+          <p:cNvPicPr>
+            <a:picLocks noChangeAspect="1"/>
+          </p:cNvPicPr>
+          <p:nvPr/>
+        </p:nvPicPr>
+        <p:blipFill>
+          <a:blip r:embed="rId3">
+            <a:extLst>
+              <a:ext uri="{28A0092B-C50C-407E-A947-70E740481C1C}">
+                <a14:useLocalDpi xmlns:a14="http://schemas.microsoft.com/office/drawing/2010/main" val="0"/>
+              </a:ext>
+            </a:extLst>
+          </a:blip>
+          <a:stretch>
+            <a:fillRect/>
+          </a:stretch>
+        </p:blipFill>
+        <p:spPr>
+          <a:xfrm>
+            <a:off x="1559052" y="3869474"/>
+            <a:ext cx="8001000" cy="2207941"/>
+          </a:xfrm>
+          <a:prstGeom prst="rect">
+            <a:avLst/>
+          </a:prstGeom>
+        </p:spPr>
+      </p:pic>
+    </p:spTree>
+    <p:extLst>
+      <p:ext uri="{BB962C8B-B14F-4D97-AF65-F5344CB8AC3E}">
+        <p14:creationId xmlns:p14="http://schemas.microsoft.com/office/powerpoint/2010/main" val="2840356817"/>
+      </p:ext>
+    </p:extLst>
+  </p:cSld>
+  <p:clrMapOvr>
+    <a:masterClrMapping/>
+  </p:clrMapOvr>
+</p:sld>
+</file>
+
+<file path=ppt/slides/slide14.xml><?xml version="1.0" encoding="utf-8"?>
 <p:sld xmlns:a="http://schemas.openxmlformats.org/drawingml/2006/main" xmlns:r="http://schemas.openxmlformats.org/officeDocument/2006/relationships" xmlns:p="http://schemas.openxmlformats.org/presentationml/2006/main">
   <p:cSld>
     <p:spTree>
@@ -6031,9 +6381,400 @@
           <a:chExt cx="0" cy="0"/>
         </a:xfrm>
       </p:grpSpPr>
-      <p:sp>
-        <p:nvSpPr>
-          <p:cNvPr id="2" name="Title 1"/>
+      <p:pic>
+        <p:nvPicPr>
+          <p:cNvPr id="4" name="Content Placeholder 3"/>
+          <p:cNvPicPr>
+            <a:picLocks noGrp="1" noChangeAspect="1"/>
+          </p:cNvPicPr>
+          <p:nvPr>
+            <p:ph idx="1"/>
+          </p:nvPr>
+        </p:nvPicPr>
+        <p:blipFill>
+          <a:blip r:embed="rId3"/>
+          <a:stretch>
+            <a:fillRect/>
+          </a:stretch>
+        </p:blipFill>
+        <p:spPr>
+          <a:xfrm>
+            <a:off x="295583" y="1739327"/>
+            <a:ext cx="1932577" cy="1058813"/>
+          </a:xfrm>
+          <a:prstGeom prst="rect">
+            <a:avLst/>
+          </a:prstGeom>
+        </p:spPr>
+      </p:pic>
+      <p:sp>
+        <p:nvSpPr>
+          <p:cNvPr id="6" name="TextBox 5"/>
+          <p:cNvSpPr txBox="1"/>
+          <p:nvPr/>
+        </p:nvSpPr>
+        <p:spPr>
+          <a:xfrm>
+            <a:off x="2228160" y="2084067"/>
+            <a:ext cx="3581625" cy="369332"/>
+          </a:xfrm>
+          <a:prstGeom prst="rect">
+            <a:avLst/>
+          </a:prstGeom>
+          <a:noFill/>
+        </p:spPr>
+        <p:txBody>
+          <a:bodyPr wrap="square" rtlCol="0">
+            <a:spAutoFit/>
+          </a:bodyPr>
+          <a:lstStyle/>
+          <a:p>
+            <a:r>
+              <a:rPr lang="en-US" dirty="0"/>
+              <a:t>Detecting eyes during setup</a:t>
+            </a:r>
+          </a:p>
+        </p:txBody>
+      </p:sp>
+      <p:pic>
+        <p:nvPicPr>
+          <p:cNvPr id="7" name="Picture 6"/>
+          <p:cNvPicPr>
+            <a:picLocks noChangeAspect="1"/>
+          </p:cNvPicPr>
+          <p:nvPr/>
+        </p:nvPicPr>
+        <p:blipFill>
+          <a:blip r:embed="rId4"/>
+          <a:stretch>
+            <a:fillRect/>
+          </a:stretch>
+        </p:blipFill>
+        <p:spPr>
+          <a:xfrm>
+            <a:off x="6091465" y="1739327"/>
+            <a:ext cx="5024052" cy="1849058"/>
+          </a:xfrm>
+          <a:prstGeom prst="rect">
+            <a:avLst/>
+          </a:prstGeom>
+        </p:spPr>
+      </p:pic>
+      <p:sp>
+        <p:nvSpPr>
+          <p:cNvPr id="8" name="TextBox 7"/>
+          <p:cNvSpPr txBox="1"/>
+          <p:nvPr/>
+        </p:nvSpPr>
+        <p:spPr>
+          <a:xfrm>
+            <a:off x="6599275" y="3517820"/>
+            <a:ext cx="4482788" cy="369332"/>
+          </a:xfrm>
+          <a:prstGeom prst="rect">
+            <a:avLst/>
+          </a:prstGeom>
+          <a:noFill/>
+        </p:spPr>
+        <p:txBody>
+          <a:bodyPr wrap="square" rtlCol="0">
+            <a:spAutoFit/>
+          </a:bodyPr>
+          <a:lstStyle/>
+          <a:p>
+            <a:r>
+              <a:rPr lang="en-US" dirty="0"/>
+              <a:t>Detection of eyes during Gaze Trace</a:t>
+            </a:r>
+          </a:p>
+        </p:txBody>
+      </p:sp>
+      <p:sp>
+        <p:nvSpPr>
+          <p:cNvPr id="9" name="Rectangle 8"/>
+          <p:cNvSpPr/>
+          <p:nvPr/>
+        </p:nvSpPr>
+        <p:spPr>
+          <a:xfrm>
+            <a:off x="133815" y="2709746"/>
+            <a:ext cx="5675970" cy="3693319"/>
+          </a:xfrm>
+          <a:prstGeom prst="rect">
+            <a:avLst/>
+          </a:prstGeom>
+        </p:spPr>
+        <p:txBody>
+          <a:bodyPr wrap="square">
+            <a:spAutoFit/>
+          </a:bodyPr>
+          <a:lstStyle/>
+          <a:p>
+            <a:pPr algn="ctr"/>
+            <a:endParaRPr lang="en-US" b="1" dirty="0">
+              <a:highlight>
+                <a:srgbClr val="00FF00"/>
+              </a:highlight>
+            </a:endParaRPr>
+          </a:p>
+          <a:p>
+            <a:pPr algn="ctr"/>
+            <a:endParaRPr lang="en-US" b="1" dirty="0">
+              <a:highlight>
+                <a:srgbClr val="00FF00"/>
+              </a:highlight>
+            </a:endParaRPr>
+          </a:p>
+          <a:p>
+            <a:pPr algn="ctr"/>
+            <a:r>
+              <a:rPr lang="en-US" b="1" u="sng" dirty="0">
+                <a:effectLst>
+                  <a:outerShdw blurRad="38100" dist="38100" dir="2700000" algn="tl">
+                    <a:srgbClr val="000000">
+                      <a:alpha val="43137"/>
+                    </a:srgbClr>
+                  </a:outerShdw>
+                </a:effectLst>
+              </a:rPr>
+              <a:t>Aim - Render Voice</a:t>
+            </a:r>
+            <a:r>
+              <a:rPr lang="en-US" b="1" u="sng" dirty="0">
+                <a:effectLst>
+                  <a:outerShdw blurRad="38100" dist="38100" dir="2700000" algn="tl">
+                    <a:srgbClr val="000000">
+                      <a:alpha val="43137"/>
+                    </a:srgbClr>
+                  </a:outerShdw>
+                </a:effectLst>
+                <a:highlight>
+                  <a:srgbClr val="00FF00"/>
+                </a:highlight>
+              </a:rPr>
+              <a:t>  </a:t>
+            </a:r>
+          </a:p>
+          <a:p>
+            <a:endParaRPr lang="en-US" dirty="0"/>
+          </a:p>
+          <a:p>
+            <a:r>
+              <a:rPr lang="en-US" b="1" u="sng" dirty="0"/>
+              <a:t>Pros</a:t>
+            </a:r>
+            <a:r>
+              <a:rPr lang="en-US" dirty="0"/>
+              <a:t>			            </a:t>
+            </a:r>
+            <a:r>
+              <a:rPr lang="en-US" b="1" u="sng" dirty="0"/>
+              <a:t>Cons</a:t>
+            </a:r>
+          </a:p>
+          <a:p>
+            <a:r>
+              <a:rPr lang="en-US" b="1" dirty="0"/>
+              <a:t>-</a:t>
+            </a:r>
+            <a:r>
+              <a:rPr lang="en-US" dirty="0"/>
+              <a:t> Accuracy – OK	 	         </a:t>
+            </a:r>
+            <a:r>
+              <a:rPr lang="en-US" b="1" dirty="0"/>
+              <a:t> - </a:t>
+            </a:r>
+            <a:r>
+              <a:rPr lang="en-US" dirty="0"/>
+              <a:t>Detail Accuracy</a:t>
+            </a:r>
+          </a:p>
+          <a:p>
+            <a:r>
+              <a:rPr lang="en-US" b="1" dirty="0"/>
+              <a:t>-</a:t>
+            </a:r>
+            <a:r>
+              <a:rPr lang="en-US" dirty="0"/>
+              <a:t> Speed 			          </a:t>
+            </a:r>
+            <a:r>
+              <a:rPr lang="en-US" b="1" dirty="0"/>
+              <a:t>- </a:t>
+            </a:r>
+            <a:r>
+              <a:rPr lang="en-US" dirty="0"/>
+              <a:t>Miss</a:t>
+            </a:r>
+          </a:p>
+          <a:p>
+            <a:r>
+              <a:rPr lang="en-US" b="1" dirty="0"/>
+              <a:t>- </a:t>
+            </a:r>
+            <a:r>
+              <a:rPr lang="en-US" dirty="0"/>
+              <a:t>Gaze Trace options	         </a:t>
+            </a:r>
+            <a:r>
+              <a:rPr lang="en-US" b="1" dirty="0"/>
+              <a:t> - </a:t>
+            </a:r>
+            <a:r>
+              <a:rPr lang="en-US" dirty="0"/>
+              <a:t>Eyes Pain</a:t>
+            </a:r>
+          </a:p>
+          <a:p>
+            <a:pPr marL="285750" indent="-285750">
+              <a:buFont typeface="Arial" panose="020B0604020202020204" pitchFamily="34" charset="0"/>
+              <a:buChar char="•"/>
+            </a:pPr>
+            <a:r>
+              <a:rPr lang="en-US" dirty="0"/>
+              <a:t>Touch at gaze		          </a:t>
+            </a:r>
+            <a:r>
+              <a:rPr lang="en-US" b="1" dirty="0"/>
+              <a:t>-</a:t>
+            </a:r>
+            <a:r>
+              <a:rPr lang="en-US" dirty="0"/>
+              <a:t> Mounted</a:t>
+            </a:r>
+          </a:p>
+          <a:p>
+            <a:pPr marL="285750" indent="-285750">
+              <a:buFont typeface="Arial" panose="020B0604020202020204" pitchFamily="34" charset="0"/>
+              <a:buChar char="•"/>
+            </a:pPr>
+            <a:r>
+              <a:rPr lang="en-US" dirty="0"/>
+              <a:t>Scroll at gaze</a:t>
+            </a:r>
+          </a:p>
+          <a:p>
+            <a:pPr marL="285750" indent="-285750">
+              <a:buFont typeface="Arial" panose="020B0604020202020204" pitchFamily="34" charset="0"/>
+              <a:buChar char="•"/>
+            </a:pPr>
+            <a:r>
+              <a:rPr lang="en-US" dirty="0"/>
+              <a:t>Mouse wrap on move</a:t>
+            </a:r>
+          </a:p>
+          <a:p>
+            <a:pPr marL="285750" indent="-285750">
+              <a:buFont typeface="Arial" panose="020B0604020202020204" pitchFamily="34" charset="0"/>
+              <a:buChar char="•"/>
+            </a:pPr>
+            <a:r>
+              <a:rPr lang="en-US" dirty="0"/>
+              <a:t>Application switching</a:t>
+            </a:r>
+          </a:p>
+          <a:p>
+            <a:endParaRPr lang="en-US" dirty="0"/>
+          </a:p>
+        </p:txBody>
+      </p:sp>
+      <p:pic>
+        <p:nvPicPr>
+          <p:cNvPr id="10" name="Picture 9"/>
+          <p:cNvPicPr>
+            <a:picLocks noChangeAspect="1"/>
+          </p:cNvPicPr>
+          <p:nvPr/>
+        </p:nvPicPr>
+        <p:blipFill>
+          <a:blip r:embed="rId5">
+            <a:extLst>
+              <a:ext uri="{28A0092B-C50C-407E-A947-70E740481C1C}">
+                <a14:useLocalDpi xmlns:a14="http://schemas.microsoft.com/office/drawing/2010/main" val="0"/>
+              </a:ext>
+            </a:extLst>
+          </a:blip>
+          <a:stretch>
+            <a:fillRect/>
+          </a:stretch>
+        </p:blipFill>
+        <p:spPr>
+          <a:xfrm>
+            <a:off x="6091465" y="4071818"/>
+            <a:ext cx="4990598" cy="1921753"/>
+          </a:xfrm>
+          <a:prstGeom prst="rect">
+            <a:avLst/>
+          </a:prstGeom>
+        </p:spPr>
+      </p:pic>
+      <p:sp>
+        <p:nvSpPr>
+          <p:cNvPr id="11" name="TextBox 10"/>
+          <p:cNvSpPr txBox="1"/>
+          <p:nvPr/>
+        </p:nvSpPr>
+        <p:spPr>
+          <a:xfrm>
+            <a:off x="7538225" y="5993571"/>
+            <a:ext cx="2297150" cy="369332"/>
+          </a:xfrm>
+          <a:prstGeom prst="rect">
+            <a:avLst/>
+          </a:prstGeom>
+          <a:noFill/>
+        </p:spPr>
+        <p:txBody>
+          <a:bodyPr wrap="square" rtlCol="0">
+            <a:spAutoFit/>
+          </a:bodyPr>
+          <a:lstStyle/>
+          <a:p>
+            <a:r>
+              <a:rPr lang="en-US" dirty="0" err="1"/>
+              <a:t>Tobii</a:t>
+            </a:r>
+            <a:r>
+              <a:rPr lang="en-US" dirty="0"/>
+              <a:t> eye X Tracker</a:t>
+            </a:r>
+          </a:p>
+        </p:txBody>
+      </p:sp>
+      <p:pic>
+        <p:nvPicPr>
+          <p:cNvPr id="12" name="Picture 11"/>
+          <p:cNvPicPr>
+            <a:picLocks noChangeAspect="1"/>
+          </p:cNvPicPr>
+          <p:nvPr/>
+        </p:nvPicPr>
+        <p:blipFill>
+          <a:blip r:embed="rId6" cstate="print">
+            <a:extLst>
+              <a:ext uri="{28A0092B-C50C-407E-A947-70E740481C1C}">
+                <a14:useLocalDpi xmlns:a14="http://schemas.microsoft.com/office/drawing/2010/main" val="0"/>
+              </a:ext>
+            </a:extLst>
+          </a:blip>
+          <a:stretch>
+            <a:fillRect/>
+          </a:stretch>
+        </p:blipFill>
+        <p:spPr>
+          <a:xfrm>
+            <a:off x="4115673" y="3196005"/>
+            <a:ext cx="617421" cy="455626"/>
+          </a:xfrm>
+          <a:prstGeom prst="rect">
+            <a:avLst/>
+          </a:prstGeom>
+        </p:spPr>
+      </p:pic>
+      <p:sp>
+        <p:nvSpPr>
+          <p:cNvPr id="15" name="Title 1"/>
           <p:cNvSpPr>
             <a:spLocks noGrp="1"/>
           </p:cNvSpPr>
@@ -6047,6 +6788,65 @@
           <a:lstStyle/>
           <a:p>
             <a:r>
+              <a:rPr lang="en-US" dirty="0"/>
+              <a:t>Problem Formulation</a:t>
+            </a:r>
+          </a:p>
+        </p:txBody>
+      </p:sp>
+    </p:spTree>
+    <p:extLst>
+      <p:ext uri="{BB962C8B-B14F-4D97-AF65-F5344CB8AC3E}">
+        <p14:creationId xmlns:p14="http://schemas.microsoft.com/office/powerpoint/2010/main" val="2901253379"/>
+      </p:ext>
+    </p:extLst>
+  </p:cSld>
+  <p:clrMapOvr>
+    <a:masterClrMapping/>
+  </p:clrMapOvr>
+  <p:timing>
+    <p:tnLst>
+      <p:par>
+        <p:cTn id="1" dur="indefinite" restart="never" nodeType="tmRoot"/>
+      </p:par>
+    </p:tnLst>
+  </p:timing>
+</p:sld>
+</file>
+
+<file path=ppt/slides/slide4.xml><?xml version="1.0" encoding="utf-8"?>
+<p:sld xmlns:a="http://schemas.openxmlformats.org/drawingml/2006/main" xmlns:r="http://schemas.openxmlformats.org/officeDocument/2006/relationships" xmlns:p="http://schemas.openxmlformats.org/presentationml/2006/main">
+  <p:cSld>
+    <p:spTree>
+      <p:nvGrpSpPr>
+        <p:cNvPr id="1" name=""/>
+        <p:cNvGrpSpPr/>
+        <p:nvPr/>
+      </p:nvGrpSpPr>
+      <p:grpSpPr>
+        <a:xfrm>
+          <a:off x="0" y="0"/>
+          <a:ext cx="0" cy="0"/>
+          <a:chOff x="0" y="0"/>
+          <a:chExt cx="0" cy="0"/>
+        </a:xfrm>
+      </p:grpSpPr>
+      <p:sp>
+        <p:nvSpPr>
+          <p:cNvPr id="2" name="Title 1"/>
+          <p:cNvSpPr>
+            <a:spLocks noGrp="1"/>
+          </p:cNvSpPr>
+          <p:nvPr>
+            <p:ph type="title"/>
+          </p:nvPr>
+        </p:nvSpPr>
+        <p:spPr/>
+        <p:txBody>
+          <a:bodyPr/>
+          <a:lstStyle/>
+          <a:p>
+            <a:r>
               <a:rPr lang="en-US" smtClean="0"/>
               <a:t>Technical Challenges</a:t>
             </a:r>
@@ -6067,7 +6867,7 @@
         <p:spPr/>
         <p:txBody>
           <a:bodyPr>
-            <a:normAutofit fontScale="92500" lnSpcReduction="20000"/>
+            <a:normAutofit lnSpcReduction="10000"/>
           </a:bodyPr>
           <a:lstStyle/>
           <a:p>
@@ -6137,18 +6937,13 @@
           <a:p>
             <a:r>
               <a:rPr lang="en-US" dirty="0" smtClean="0"/>
-              <a:t>Account for rapid, random eye movements</a:t>
-            </a:r>
-          </a:p>
-          <a:p>
-            <a:r>
-              <a:rPr lang="en-US" dirty="0" err="1" smtClean="0"/>
-              <a:t>Ashkan</a:t>
+              <a:t>Account for rapid, random eye </a:t>
             </a:r>
             <a:r>
               <a:rPr lang="en-US" dirty="0" smtClean="0"/>
-              <a:t> - Kyle</a:t>
-            </a:r>
+              <a:t>movements</a:t>
+            </a:r>
+            <a:endParaRPr lang="en-US" dirty="0" smtClean="0"/>
           </a:p>
         </p:txBody>
       </p:sp>
@@ -6172,7 +6967,7 @@
 </p:sld>
 </file>
 
-<file path=ppt/slides/slide4.xml><?xml version="1.0" encoding="utf-8"?>
+<file path=ppt/slides/slide5.xml><?xml version="1.0" encoding="utf-8"?>
 <p:sld xmlns:a="http://schemas.openxmlformats.org/drawingml/2006/main" xmlns:r="http://schemas.openxmlformats.org/officeDocument/2006/relationships" xmlns:p="http://schemas.openxmlformats.org/presentationml/2006/main">
   <p:cSld>
     <p:spTree>
@@ -6415,7 +7210,7 @@
 </p:sld>
 </file>
 
-<file path=ppt/slides/slide5.xml><?xml version="1.0" encoding="utf-8"?>
+<file path=ppt/slides/slide6.xml><?xml version="1.0" encoding="utf-8"?>
 <p:sld xmlns:a="http://schemas.openxmlformats.org/drawingml/2006/main" xmlns:r="http://schemas.openxmlformats.org/officeDocument/2006/relationships" xmlns:p="http://schemas.openxmlformats.org/presentationml/2006/main">
   <p:cSld>
     <p:spTree>
@@ -6590,7 +7385,7 @@
 </p:sld>
 </file>
 
-<file path=ppt/slides/slide6.xml><?xml version="1.0" encoding="utf-8"?>
+<file path=ppt/slides/slide7.xml><?xml version="1.0" encoding="utf-8"?>
 <p:sld xmlns:a="http://schemas.openxmlformats.org/drawingml/2006/main" xmlns:r="http://schemas.openxmlformats.org/officeDocument/2006/relationships" xmlns:p="http://schemas.openxmlformats.org/presentationml/2006/main">
   <p:cSld>
     <p:spTree>
@@ -6967,7 +7762,7 @@
 </p:sld>
 </file>
 
-<file path=ppt/slides/slide7.xml><?xml version="1.0" encoding="utf-8"?>
+<file path=ppt/slides/slide8.xml><?xml version="1.0" encoding="utf-8"?>
 <p:sld xmlns:a="http://schemas.openxmlformats.org/drawingml/2006/main" xmlns:r="http://schemas.openxmlformats.org/officeDocument/2006/relationships" xmlns:p="http://schemas.openxmlformats.org/presentationml/2006/main">
   <p:cSld>
     <p:spTree>
@@ -7194,7 +7989,7 @@
 </p:sld>
 </file>
 
-<file path=ppt/slides/slide8.xml><?xml version="1.0" encoding="utf-8"?>
+<file path=ppt/slides/slide9.xml><?xml version="1.0" encoding="utf-8"?>
 <p:sld xmlns:a="http://schemas.openxmlformats.org/drawingml/2006/main" xmlns:r="http://schemas.openxmlformats.org/officeDocument/2006/relationships" xmlns:p="http://schemas.openxmlformats.org/presentationml/2006/main">
   <p:cSld>
     <p:spTree>
@@ -7338,159 +8133,6 @@
       </p:par>
     </p:tnLst>
   </p:timing>
-</p:sld>
-</file>
-
-<file path=ppt/slides/slide9.xml><?xml version="1.0" encoding="utf-8"?>
-<p:sld xmlns:a="http://schemas.openxmlformats.org/drawingml/2006/main" xmlns:r="http://schemas.openxmlformats.org/officeDocument/2006/relationships" xmlns:p="http://schemas.openxmlformats.org/presentationml/2006/main">
-  <p:cSld>
-    <p:spTree>
-      <p:nvGrpSpPr>
-        <p:cNvPr id="1" name=""/>
-        <p:cNvGrpSpPr/>
-        <p:nvPr/>
-      </p:nvGrpSpPr>
-      <p:grpSpPr>
-        <a:xfrm>
-          <a:off x="0" y="0"/>
-          <a:ext cx="0" cy="0"/>
-          <a:chOff x="0" y="0"/>
-          <a:chExt cx="0" cy="0"/>
-        </a:xfrm>
-      </p:grpSpPr>
-      <p:sp>
-        <p:nvSpPr>
-          <p:cNvPr id="2" name="Title 1"/>
-          <p:cNvSpPr>
-            <a:spLocks noGrp="1"/>
-          </p:cNvSpPr>
-          <p:nvPr>
-            <p:ph type="title"/>
-          </p:nvPr>
-        </p:nvSpPr>
-        <p:spPr>
-          <a:xfrm>
-            <a:off x="1261872" y="-230588"/>
-            <a:ext cx="9692640" cy="1325562"/>
-          </a:xfrm>
-        </p:spPr>
-        <p:txBody>
-          <a:bodyPr/>
-          <a:lstStyle/>
-          <a:p>
-            <a:r>
-              <a:rPr lang="en-US" dirty="0" smtClean="0"/>
-              <a:t>Experiment 2</a:t>
-            </a:r>
-            <a:endParaRPr lang="en-US" dirty="0"/>
-          </a:p>
-        </p:txBody>
-      </p:sp>
-      <p:sp>
-        <p:nvSpPr>
-          <p:cNvPr id="3" name="Content Placeholder 2"/>
-          <p:cNvSpPr>
-            <a:spLocks noGrp="1"/>
-          </p:cNvSpPr>
-          <p:nvPr>
-            <p:ph idx="1"/>
-          </p:nvPr>
-        </p:nvSpPr>
-        <p:spPr>
-          <a:xfrm>
-            <a:off x="1261872" y="1232452"/>
-            <a:ext cx="8595360" cy="4351337"/>
-          </a:xfrm>
-        </p:spPr>
-        <p:txBody>
-          <a:bodyPr/>
-          <a:lstStyle/>
-          <a:p>
-            <a:r>
-              <a:rPr lang="en-US" dirty="0" smtClean="0"/>
-              <a:t>Whether or not user are look at screen</a:t>
-            </a:r>
-          </a:p>
-          <a:p>
-            <a:r>
-              <a:rPr lang="en-US" dirty="0" smtClean="0"/>
-              <a:t>Assumption: head keep still just eye movement</a:t>
-            </a:r>
-          </a:p>
-          <a:p>
-            <a:r>
-              <a:rPr lang="en-US" dirty="0" smtClean="0"/>
-              <a:t>Look at 8 position outside the screen:</a:t>
-            </a:r>
-          </a:p>
-          <a:p>
-            <a:pPr lvl="1"/>
-            <a:r>
-              <a:rPr lang="en-US" dirty="0" smtClean="0"/>
-              <a:t>Up</a:t>
-            </a:r>
-          </a:p>
-          <a:p>
-            <a:pPr lvl="1"/>
-            <a:r>
-              <a:rPr lang="en-US" dirty="0" smtClean="0"/>
-              <a:t>Down</a:t>
-            </a:r>
-          </a:p>
-          <a:p>
-            <a:pPr lvl="1"/>
-            <a:r>
-              <a:rPr lang="en-US" dirty="0" smtClean="0"/>
-              <a:t>Left </a:t>
-            </a:r>
-          </a:p>
-          <a:p>
-            <a:pPr lvl="1"/>
-            <a:r>
-              <a:rPr lang="en-US" dirty="0" smtClean="0"/>
-              <a:t>Right</a:t>
-            </a:r>
-          </a:p>
-          <a:p>
-            <a:pPr lvl="1"/>
-            <a:r>
-              <a:rPr lang="en-US" dirty="0" smtClean="0"/>
-              <a:t>Up right corner</a:t>
-            </a:r>
-          </a:p>
-          <a:p>
-            <a:pPr lvl="1"/>
-            <a:r>
-              <a:rPr lang="en-US" dirty="0" smtClean="0"/>
-              <a:t>Up left corner</a:t>
-            </a:r>
-          </a:p>
-          <a:p>
-            <a:pPr lvl="1"/>
-            <a:r>
-              <a:rPr lang="en-US" dirty="0" smtClean="0"/>
-              <a:t>Down left corner</a:t>
-            </a:r>
-          </a:p>
-          <a:p>
-            <a:pPr lvl="1"/>
-            <a:r>
-              <a:rPr lang="en-US" dirty="0" smtClean="0"/>
-              <a:t>Down right corner</a:t>
-            </a:r>
-          </a:p>
-        </p:txBody>
-      </p:sp>
-    </p:spTree>
-    <p:extLst>
-      <p:ext uri="{BB962C8B-B14F-4D97-AF65-F5344CB8AC3E}">
-        <p14:creationId xmlns:p14="http://schemas.microsoft.com/office/powerpoint/2010/main" val="33737106"/>
-      </p:ext>
-    </p:extLst>
-  </p:cSld>
-  <p:clrMapOvr>
-    <a:masterClrMapping/>
-  </p:clrMapOvr>
 </p:sld>
 </file>
 

--- a/ProposalPresentation/Proposal.pptx
+++ b/ProposalPresentation/Proposal.pptx
@@ -5,23 +5,22 @@
     <p:sldMasterId id="2147483690" r:id="rId1"/>
   </p:sldMasterIdLst>
   <p:notesMasterIdLst>
-    <p:notesMasterId r:id="rId16"/>
+    <p:notesMasterId r:id="rId15"/>
   </p:notesMasterIdLst>
   <p:sldIdLst>
     <p:sldId id="256" r:id="rId2"/>
     <p:sldId id="257" r:id="rId3"/>
     <p:sldId id="272" r:id="rId4"/>
-    <p:sldId id="258" r:id="rId5"/>
-    <p:sldId id="263" r:id="rId6"/>
-    <p:sldId id="264" r:id="rId7"/>
-    <p:sldId id="265" r:id="rId8"/>
-    <p:sldId id="259" r:id="rId9"/>
-    <p:sldId id="268" r:id="rId10"/>
-    <p:sldId id="269" r:id="rId11"/>
-    <p:sldId id="270" r:id="rId12"/>
-    <p:sldId id="271" r:id="rId13"/>
-    <p:sldId id="273" r:id="rId14"/>
-    <p:sldId id="267" r:id="rId15"/>
+    <p:sldId id="263" r:id="rId5"/>
+    <p:sldId id="264" r:id="rId6"/>
+    <p:sldId id="265" r:id="rId7"/>
+    <p:sldId id="259" r:id="rId8"/>
+    <p:sldId id="268" r:id="rId9"/>
+    <p:sldId id="269" r:id="rId10"/>
+    <p:sldId id="270" r:id="rId11"/>
+    <p:sldId id="271" r:id="rId12"/>
+    <p:sldId id="273" r:id="rId13"/>
+    <p:sldId id="267" r:id="rId14"/>
   </p:sldIdLst>
   <p:sldSz cx="12192000" cy="6858000"/>
   <p:notesSz cx="6858000" cy="9144000"/>
@@ -647,7 +646,7 @@
           <a:p>
             <a:fld id="{693B9949-4082-4E9D-BF06-D5CAF1E713C7}" type="slidenum">
               <a:rPr lang="en-US" smtClean="0"/>
-              <a:t>8</a:t>
+              <a:t>7</a:t>
             </a:fld>
             <a:endParaRPr lang="en-US"/>
           </a:p>
@@ -731,7 +730,7 @@
           <a:p>
             <a:fld id="{693B9949-4082-4E9D-BF06-D5CAF1E713C7}" type="slidenum">
               <a:rPr lang="en-US" smtClean="0"/>
-              <a:t>13</a:t>
+              <a:t>12</a:t>
             </a:fld>
             <a:endParaRPr lang="en-US"/>
           </a:p>
@@ -4204,19 +4203,14 @@
             <p:ph type="title"/>
           </p:nvPr>
         </p:nvSpPr>
-        <p:spPr>
-          <a:xfrm>
-            <a:off x="1261872" y="-230588"/>
-            <a:ext cx="9692640" cy="1325562"/>
-          </a:xfrm>
-        </p:spPr>
+        <p:spPr/>
         <p:txBody>
           <a:bodyPr/>
           <a:lstStyle/>
           <a:p>
             <a:r>
               <a:rPr lang="en-US" dirty="0" smtClean="0"/>
-              <a:t>Experiment 2</a:t>
+              <a:t>Experiment 3</a:t>
             </a:r>
             <a:endParaRPr lang="en-US" dirty="0"/>
           </a:p>
@@ -4232,95 +4226,82 @@
             <p:ph idx="1"/>
           </p:nvPr>
         </p:nvSpPr>
-        <p:spPr>
-          <a:xfrm>
-            <a:off x="1261872" y="1232452"/>
-            <a:ext cx="8595360" cy="4351337"/>
-          </a:xfrm>
-        </p:spPr>
+        <p:spPr/>
         <p:txBody>
           <a:bodyPr/>
           <a:lstStyle/>
           <a:p>
             <a:r>
               <a:rPr lang="en-US" dirty="0" smtClean="0"/>
-              <a:t>Whether or not user are look at screen</a:t>
-            </a:r>
-          </a:p>
-          <a:p>
+              <a:t>Test of various granularity expectations </a:t>
+            </a:r>
+            <a:r>
+              <a:rPr lang="en-US" dirty="0"/>
+              <a:t>from eye movement </a:t>
+            </a:r>
             <a:r>
               <a:rPr lang="en-US" dirty="0" smtClean="0"/>
-              <a:t>Assumption: head keep still just eye movement</a:t>
+              <a:t>data</a:t>
             </a:r>
           </a:p>
           <a:p>
             <a:r>
               <a:rPr lang="en-US" dirty="0" smtClean="0"/>
-              <a:t>Look at 8 position outside the screen:</a:t>
-            </a:r>
-          </a:p>
-          <a:p>
-            <a:pPr lvl="1"/>
+              <a:t>Assumption: User looks at screen during experiment</a:t>
+            </a:r>
+          </a:p>
+          <a:p>
             <a:r>
               <a:rPr lang="en-US" dirty="0" smtClean="0"/>
-              <a:t>Up</a:t>
-            </a:r>
-          </a:p>
-          <a:p>
-            <a:pPr lvl="1"/>
+              <a:t>Divide screen into 2 by 2, 3 by 3, and so on doing experiment until the accuracy </a:t>
+            </a:r>
             <a:r>
               <a:rPr lang="en-US" dirty="0" smtClean="0"/>
-              <a:t>Down</a:t>
-            </a:r>
-          </a:p>
-          <a:p>
-            <a:pPr lvl="1"/>
+              <a:t>is better than random guessing</a:t>
+            </a:r>
+            <a:endParaRPr lang="en-US" dirty="0" smtClean="0"/>
+          </a:p>
+          <a:p>
             <a:r>
               <a:rPr lang="en-US" dirty="0" smtClean="0"/>
-              <a:t>Left </a:t>
-            </a:r>
-          </a:p>
-          <a:p>
-            <a:pPr lvl="1"/>
+              <a:t>User looks at one </a:t>
+            </a:r>
             <a:r>
               <a:rPr lang="en-US" dirty="0" smtClean="0"/>
-              <a:t>Right</a:t>
-            </a:r>
-          </a:p>
-          <a:p>
-            <a:pPr lvl="1"/>
+              <a:t>shape and </a:t>
+            </a:r>
             <a:r>
               <a:rPr lang="en-US" dirty="0" smtClean="0"/>
-              <a:t>Up right corner</a:t>
-            </a:r>
-          </a:p>
-          <a:p>
-            <a:pPr lvl="1"/>
-            <a:r>
-              <a:rPr lang="en-US" dirty="0" smtClean="0"/>
-              <a:t>Up left corner</a:t>
-            </a:r>
-          </a:p>
-          <a:p>
-            <a:pPr lvl="1"/>
-            <a:r>
-              <a:rPr lang="en-US" dirty="0" smtClean="0"/>
-              <a:t>Down left corner</a:t>
-            </a:r>
-          </a:p>
-          <a:p>
-            <a:pPr lvl="1"/>
-            <a:r>
-              <a:rPr lang="en-US" dirty="0" smtClean="0"/>
-              <a:t>Down right corner</a:t>
-            </a:r>
+              <a:t>eye tracker give the one they think user is looking at </a:t>
+            </a:r>
+            <a:endParaRPr lang="en-US" dirty="0"/>
+          </a:p>
+          <a:p>
+            <a:pPr marL="0" marR="0" lvl="0" indent="0" defTabSz="914400" eaLnBrk="1" fontAlgn="auto" latinLnBrk="0" hangingPunct="1">
+              <a:lnSpc>
+                <a:spcPct val="100000"/>
+              </a:lnSpc>
+              <a:spcBef>
+                <a:spcPts val="0"/>
+              </a:spcBef>
+              <a:spcAft>
+                <a:spcPts val="0"/>
+              </a:spcAft>
+              <a:buClrTx/>
+              <a:buSzTx/>
+              <a:buFontTx/>
+              <a:buNone/>
+              <a:tabLst/>
+              <a:defRPr/>
+            </a:pPr>
+            <a:endParaRPr lang="en-US" dirty="0"/>
           </a:p>
         </p:txBody>
       </p:sp>
     </p:spTree>
     <p:extLst>
       <p:ext uri="{BB962C8B-B14F-4D97-AF65-F5344CB8AC3E}">
-        <p14:creationId xmlns:p14="http://schemas.microsoft.com/office/powerpoint/2010/main" val="33737106"/>
+        <p14:creationId xmlns:p14="http://schemas.microsoft.com/office/powerpoint/2010/main" val="2104047068"/>
       </p:ext>
     </p:extLst>
   </p:cSld>
@@ -4364,128 +4345,6 @@
           <a:p>
             <a:r>
               <a:rPr lang="en-US" dirty="0" smtClean="0"/>
-              <a:t>Experiment 3</a:t>
-            </a:r>
-            <a:endParaRPr lang="en-US" dirty="0"/>
-          </a:p>
-        </p:txBody>
-      </p:sp>
-      <p:sp>
-        <p:nvSpPr>
-          <p:cNvPr id="3" name="Content Placeholder 2"/>
-          <p:cNvSpPr>
-            <a:spLocks noGrp="1"/>
-          </p:cNvSpPr>
-          <p:nvPr>
-            <p:ph idx="1"/>
-          </p:nvPr>
-        </p:nvSpPr>
-        <p:spPr/>
-        <p:txBody>
-          <a:bodyPr/>
-          <a:lstStyle/>
-          <a:p>
-            <a:r>
-              <a:rPr lang="en-US" dirty="0" smtClean="0"/>
-              <a:t>What </a:t>
-            </a:r>
-            <a:r>
-              <a:rPr lang="en-US" dirty="0"/>
-              <a:t>granularity we can expect from eye movement </a:t>
-            </a:r>
-            <a:r>
-              <a:rPr lang="en-US" dirty="0" smtClean="0"/>
-              <a:t>data</a:t>
-            </a:r>
-          </a:p>
-          <a:p>
-            <a:r>
-              <a:rPr lang="en-US" dirty="0" smtClean="0"/>
-              <a:t>Assumption: User looks at screen during experiment</a:t>
-            </a:r>
-          </a:p>
-          <a:p>
-            <a:r>
-              <a:rPr lang="en-US" dirty="0" smtClean="0"/>
-              <a:t>Divide screen into 2 by 2, 3 by 3, and so on doing experiment until the accuracy is around 50 percent</a:t>
-            </a:r>
-          </a:p>
-          <a:p>
-            <a:r>
-              <a:rPr lang="en-US" dirty="0" smtClean="0"/>
-              <a:t>User looks at one rectangle and eye tracker give the one they think user is looking at </a:t>
-            </a:r>
-            <a:endParaRPr lang="en-US" dirty="0"/>
-          </a:p>
-          <a:p>
-            <a:pPr marL="0" marR="0" lvl="0" indent="0" defTabSz="914400" eaLnBrk="1" fontAlgn="auto" latinLnBrk="0" hangingPunct="1">
-              <a:lnSpc>
-                <a:spcPct val="100000"/>
-              </a:lnSpc>
-              <a:spcBef>
-                <a:spcPts val="0"/>
-              </a:spcBef>
-              <a:spcAft>
-                <a:spcPts val="0"/>
-              </a:spcAft>
-              <a:buClrTx/>
-              <a:buSzTx/>
-              <a:buFontTx/>
-              <a:buNone/>
-              <a:tabLst/>
-              <a:defRPr/>
-            </a:pPr>
-            <a:endParaRPr lang="en-US" dirty="0"/>
-          </a:p>
-        </p:txBody>
-      </p:sp>
-    </p:spTree>
-    <p:extLst>
-      <p:ext uri="{BB962C8B-B14F-4D97-AF65-F5344CB8AC3E}">
-        <p14:creationId xmlns:p14="http://schemas.microsoft.com/office/powerpoint/2010/main" val="2104047068"/>
-      </p:ext>
-    </p:extLst>
-  </p:cSld>
-  <p:clrMapOvr>
-    <a:masterClrMapping/>
-  </p:clrMapOvr>
-</p:sld>
-</file>
-
-<file path=ppt/slides/slide12.xml><?xml version="1.0" encoding="utf-8"?>
-<p:sld xmlns:a="http://schemas.openxmlformats.org/drawingml/2006/main" xmlns:r="http://schemas.openxmlformats.org/officeDocument/2006/relationships" xmlns:p="http://schemas.openxmlformats.org/presentationml/2006/main">
-  <p:cSld>
-    <p:spTree>
-      <p:nvGrpSpPr>
-        <p:cNvPr id="1" name=""/>
-        <p:cNvGrpSpPr/>
-        <p:nvPr/>
-      </p:nvGrpSpPr>
-      <p:grpSpPr>
-        <a:xfrm>
-          <a:off x="0" y="0"/>
-          <a:ext cx="0" cy="0"/>
-          <a:chOff x="0" y="0"/>
-          <a:chExt cx="0" cy="0"/>
-        </a:xfrm>
-      </p:grpSpPr>
-      <p:sp>
-        <p:nvSpPr>
-          <p:cNvPr id="2" name="Title 1"/>
-          <p:cNvSpPr>
-            <a:spLocks noGrp="1"/>
-          </p:cNvSpPr>
-          <p:nvPr>
-            <p:ph type="title"/>
-          </p:nvPr>
-        </p:nvSpPr>
-        <p:spPr/>
-        <p:txBody>
-          <a:bodyPr/>
-          <a:lstStyle/>
-          <a:p>
-            <a:r>
-              <a:rPr lang="en-US" dirty="0" smtClean="0"/>
               <a:t>Experiment 4</a:t>
             </a:r>
             <a:endParaRPr lang="en-US" dirty="0"/>
@@ -4587,7 +4446,7 @@
 </p:sld>
 </file>
 
-<file path=ppt/slides/slide13.xml><?xml version="1.0" encoding="utf-8"?>
+<file path=ppt/slides/slide12.xml><?xml version="1.0" encoding="utf-8"?>
 <p:sld xmlns:a="http://schemas.openxmlformats.org/drawingml/2006/main" xmlns:r="http://schemas.openxmlformats.org/officeDocument/2006/relationships" xmlns:p="http://schemas.openxmlformats.org/presentationml/2006/main">
   <p:cSld>
     <p:spTree>
@@ -4717,7 +4576,7 @@
 </p:sld>
 </file>
 
-<file path=ppt/slides/slide14.xml><?xml version="1.0" encoding="utf-8"?>
+<file path=ppt/slides/slide13.xml><?xml version="1.0" encoding="utf-8"?>
 <p:sld xmlns:a="http://schemas.openxmlformats.org/drawingml/2006/main" xmlns:r="http://schemas.openxmlformats.org/officeDocument/2006/relationships" xmlns:p="http://schemas.openxmlformats.org/presentationml/2006/main">
   <p:cSld>
     <p:spTree>
@@ -4765,7 +4624,11 @@
           </p:cNvGraphicFramePr>
           <p:nvPr>
             <p:ph idx="1"/>
-            <p:extLst/>
+            <p:extLst>
+              <p:ext uri="{D42A27DB-BD31-4B8C-83A1-F6EECF244321}">
+                <p14:modId xmlns:p14="http://schemas.microsoft.com/office/powerpoint/2010/main" val="1054178530"/>
+              </p:ext>
+            </p:extLst>
           </p:nvPr>
         </p:nvGraphicFramePr>
         <p:xfrm>
@@ -4981,14 +4844,14 @@
                     <a:p>
                       <a:pPr algn="ctr"/>
                       <a:r>
-                        <a:rPr lang="en-US" sz="1400" b="0" dirty="0" smtClean="0">
+                        <a:rPr lang="en-US" sz="1400" b="1" dirty="0" smtClean="0">
                           <a:solidFill>
                             <a:schemeClr val="tx1"/>
                           </a:solidFill>
                         </a:rPr>
                         <a:t>December</a:t>
                       </a:r>
-                      <a:endParaRPr lang="en-US" sz="1400" b="0" dirty="0">
+                      <a:endParaRPr lang="en-US" sz="1400" b="1" dirty="0">
                         <a:solidFill>
                           <a:schemeClr val="tx1"/>
                         </a:solidFill>
@@ -6325,20 +6188,12 @@
             </a:r>
           </a:p>
           <a:p>
-            <a:endParaRPr lang="en-US" dirty="0"/>
+            <a:endParaRPr lang="en-US" dirty="0" smtClean="0"/>
           </a:p>
           <a:p>
             <a:r>
               <a:rPr lang="en-US" dirty="0" smtClean="0"/>
-              <a:t>Su(story) – </a:t>
-            </a:r>
-            <a:r>
-              <a:rPr lang="en-US" dirty="0" err="1" smtClean="0"/>
-              <a:t>Suhas</a:t>
-            </a:r>
-            <a:r>
-              <a:rPr lang="en-US" dirty="0" smtClean="0"/>
-              <a:t>(tracker)</a:t>
+              <a:t>Kyle (story)</a:t>
             </a:r>
             <a:endParaRPr lang="en-US" dirty="0"/>
           </a:p>
@@ -6815,159 +6670,6 @@
 </file>
 
 <file path=ppt/slides/slide4.xml><?xml version="1.0" encoding="utf-8"?>
-<p:sld xmlns:a="http://schemas.openxmlformats.org/drawingml/2006/main" xmlns:r="http://schemas.openxmlformats.org/officeDocument/2006/relationships" xmlns:p="http://schemas.openxmlformats.org/presentationml/2006/main">
-  <p:cSld>
-    <p:spTree>
-      <p:nvGrpSpPr>
-        <p:cNvPr id="1" name=""/>
-        <p:cNvGrpSpPr/>
-        <p:nvPr/>
-      </p:nvGrpSpPr>
-      <p:grpSpPr>
-        <a:xfrm>
-          <a:off x="0" y="0"/>
-          <a:ext cx="0" cy="0"/>
-          <a:chOff x="0" y="0"/>
-          <a:chExt cx="0" cy="0"/>
-        </a:xfrm>
-      </p:grpSpPr>
-      <p:sp>
-        <p:nvSpPr>
-          <p:cNvPr id="2" name="Title 1"/>
-          <p:cNvSpPr>
-            <a:spLocks noGrp="1"/>
-          </p:cNvSpPr>
-          <p:nvPr>
-            <p:ph type="title"/>
-          </p:nvPr>
-        </p:nvSpPr>
-        <p:spPr/>
-        <p:txBody>
-          <a:bodyPr/>
-          <a:lstStyle/>
-          <a:p>
-            <a:r>
-              <a:rPr lang="en-US" smtClean="0"/>
-              <a:t>Technical Challenges</a:t>
-            </a:r>
-            <a:endParaRPr lang="en-US"/>
-          </a:p>
-        </p:txBody>
-      </p:sp>
-      <p:sp>
-        <p:nvSpPr>
-          <p:cNvPr id="3" name="Content Placeholder 2"/>
-          <p:cNvSpPr>
-            <a:spLocks noGrp="1"/>
-          </p:cNvSpPr>
-          <p:nvPr>
-            <p:ph idx="1"/>
-          </p:nvPr>
-        </p:nvSpPr>
-        <p:spPr/>
-        <p:txBody>
-          <a:bodyPr>
-            <a:normAutofit lnSpcReduction="10000"/>
-          </a:bodyPr>
-          <a:lstStyle/>
-          <a:p>
-            <a:r>
-              <a:rPr lang="en-US" dirty="0" smtClean="0"/>
-              <a:t>Accuracy</a:t>
-            </a:r>
-          </a:p>
-          <a:p>
-            <a:r>
-              <a:rPr lang="en-US" dirty="0" smtClean="0"/>
-              <a:t>Individual differences between eyes</a:t>
-            </a:r>
-          </a:p>
-          <a:p>
-            <a:pPr lvl="1"/>
-            <a:r>
-              <a:rPr lang="en-US" dirty="0" smtClean="0"/>
-              <a:t>What works for one set does not always transfer</a:t>
-            </a:r>
-          </a:p>
-          <a:p>
-            <a:r>
-              <a:rPr lang="en-US" dirty="0" smtClean="0"/>
-              <a:t>Arc degree coverage (want a static user)</a:t>
-            </a:r>
-          </a:p>
-          <a:p>
-            <a:pPr lvl="1"/>
-            <a:r>
-              <a:rPr lang="en-US" dirty="0"/>
-              <a:t>Dealing with dynamic positioning of user</a:t>
-            </a:r>
-            <a:endParaRPr lang="en-US" dirty="0" smtClean="0"/>
-          </a:p>
-          <a:p>
-            <a:r>
-              <a:rPr lang="en-US" dirty="0" smtClean="0"/>
-              <a:t>Constant connection between eye and sensors</a:t>
-            </a:r>
-          </a:p>
-          <a:p>
-            <a:r>
-              <a:rPr lang="en-US" dirty="0" smtClean="0"/>
-              <a:t>Problems with unspecific target goal</a:t>
-            </a:r>
-          </a:p>
-          <a:p>
-            <a:r>
-              <a:rPr lang="en-US" dirty="0" smtClean="0"/>
-              <a:t>Ease of setup / portability</a:t>
-            </a:r>
-          </a:p>
-          <a:p>
-            <a:pPr lvl="1"/>
-            <a:r>
-              <a:rPr lang="en-US" dirty="0" smtClean="0"/>
-              <a:t>Hidden mounting requirement</a:t>
-            </a:r>
-          </a:p>
-          <a:p>
-            <a:r>
-              <a:rPr lang="en-US" dirty="0" smtClean="0"/>
-              <a:t>Write our own software to obtain data from eye tracker</a:t>
-            </a:r>
-          </a:p>
-          <a:p>
-            <a:r>
-              <a:rPr lang="en-US" dirty="0" smtClean="0"/>
-              <a:t>Account for rapid, random eye </a:t>
-            </a:r>
-            <a:r>
-              <a:rPr lang="en-US" dirty="0" smtClean="0"/>
-              <a:t>movements</a:t>
-            </a:r>
-            <a:endParaRPr lang="en-US" dirty="0" smtClean="0"/>
-          </a:p>
-        </p:txBody>
-      </p:sp>
-    </p:spTree>
-    <p:extLst>
-      <p:ext uri="{BB962C8B-B14F-4D97-AF65-F5344CB8AC3E}">
-        <p14:creationId xmlns:p14="http://schemas.microsoft.com/office/powerpoint/2010/main" val="2077237427"/>
-      </p:ext>
-    </p:extLst>
-  </p:cSld>
-  <p:clrMapOvr>
-    <a:masterClrMapping/>
-  </p:clrMapOvr>
-  <p:timing>
-    <p:tnLst>
-      <p:par>
-        <p:cTn id="1" dur="indefinite" restart="never" nodeType="tmRoot"/>
-      </p:par>
-    </p:tnLst>
-  </p:timing>
-</p:sld>
-</file>
-
-<file path=ppt/slides/slide5.xml><?xml version="1.0" encoding="utf-8"?>
 <p:sld xmlns:a="http://schemas.openxmlformats.org/drawingml/2006/main" xmlns:r="http://schemas.openxmlformats.org/officeDocument/2006/relationships" xmlns:p="http://schemas.openxmlformats.org/presentationml/2006/main">
   <p:cSld>
     <p:spTree>
@@ -7210,7 +6912,7 @@
 </p:sld>
 </file>
 
-<file path=ppt/slides/slide6.xml><?xml version="1.0" encoding="utf-8"?>
+<file path=ppt/slides/slide5.xml><?xml version="1.0" encoding="utf-8"?>
 <p:sld xmlns:a="http://schemas.openxmlformats.org/drawingml/2006/main" xmlns:r="http://schemas.openxmlformats.org/officeDocument/2006/relationships" xmlns:p="http://schemas.openxmlformats.org/presentationml/2006/main">
   <p:cSld>
     <p:spTree>
@@ -7385,7 +7087,7 @@
 </p:sld>
 </file>
 
-<file path=ppt/slides/slide7.xml><?xml version="1.0" encoding="utf-8"?>
+<file path=ppt/slides/slide6.xml><?xml version="1.0" encoding="utf-8"?>
 <p:sld xmlns:a="http://schemas.openxmlformats.org/drawingml/2006/main" xmlns:r="http://schemas.openxmlformats.org/officeDocument/2006/relationships" xmlns:p="http://schemas.openxmlformats.org/presentationml/2006/main">
   <p:cSld>
     <p:spTree>
@@ -7471,7 +7173,15 @@
           <a:p>
             <a:r>
               <a:rPr lang="en-US" dirty="0" smtClean="0"/>
-              <a:t>Write our own software to obtain data from eye tracker and detect text and object</a:t>
+              <a:t>Write our own </a:t>
+            </a:r>
+            <a:r>
+              <a:rPr lang="en-US" dirty="0" smtClean="0"/>
+              <a:t>program to </a:t>
+            </a:r>
+            <a:r>
+              <a:rPr lang="en-US" dirty="0" smtClean="0"/>
+              <a:t>obtain data from eye tracker and detect text and object</a:t>
             </a:r>
           </a:p>
         </p:txBody>
@@ -7762,7 +7472,7 @@
 </p:sld>
 </file>
 
-<file path=ppt/slides/slide8.xml><?xml version="1.0" encoding="utf-8"?>
+<file path=ppt/slides/slide7.xml><?xml version="1.0" encoding="utf-8"?>
 <p:sld xmlns:a="http://schemas.openxmlformats.org/drawingml/2006/main" xmlns:r="http://schemas.openxmlformats.org/officeDocument/2006/relationships" xmlns:p="http://schemas.openxmlformats.org/presentationml/2006/main">
   <p:cSld>
     <p:spTree>
@@ -7989,7 +7699,7 @@
 </p:sld>
 </file>
 
-<file path=ppt/slides/slide9.xml><?xml version="1.0" encoding="utf-8"?>
+<file path=ppt/slides/slide8.xml><?xml version="1.0" encoding="utf-8"?>
 <p:sld xmlns:a="http://schemas.openxmlformats.org/drawingml/2006/main" xmlns:r="http://schemas.openxmlformats.org/officeDocument/2006/relationships" xmlns:p="http://schemas.openxmlformats.org/presentationml/2006/main">
   <p:cSld>
     <p:spTree>
@@ -8133,6 +7843,170 @@
       </p:par>
     </p:tnLst>
   </p:timing>
+</p:sld>
+</file>
+
+<file path=ppt/slides/slide9.xml><?xml version="1.0" encoding="utf-8"?>
+<p:sld xmlns:a="http://schemas.openxmlformats.org/drawingml/2006/main" xmlns:r="http://schemas.openxmlformats.org/officeDocument/2006/relationships" xmlns:p="http://schemas.openxmlformats.org/presentationml/2006/main">
+  <p:cSld>
+    <p:spTree>
+      <p:nvGrpSpPr>
+        <p:cNvPr id="1" name=""/>
+        <p:cNvGrpSpPr/>
+        <p:nvPr/>
+      </p:nvGrpSpPr>
+      <p:grpSpPr>
+        <a:xfrm>
+          <a:off x="0" y="0"/>
+          <a:ext cx="0" cy="0"/>
+          <a:chOff x="0" y="0"/>
+          <a:chExt cx="0" cy="0"/>
+        </a:xfrm>
+      </p:grpSpPr>
+      <p:sp>
+        <p:nvSpPr>
+          <p:cNvPr id="2" name="Title 1"/>
+          <p:cNvSpPr>
+            <a:spLocks noGrp="1"/>
+          </p:cNvSpPr>
+          <p:nvPr>
+            <p:ph type="title"/>
+          </p:nvPr>
+        </p:nvSpPr>
+        <p:spPr>
+          <a:xfrm>
+            <a:off x="1261872" y="-230588"/>
+            <a:ext cx="9692640" cy="1325562"/>
+          </a:xfrm>
+        </p:spPr>
+        <p:txBody>
+          <a:bodyPr/>
+          <a:lstStyle/>
+          <a:p>
+            <a:r>
+              <a:rPr lang="en-US" dirty="0" smtClean="0"/>
+              <a:t>Experiment 2</a:t>
+            </a:r>
+            <a:endParaRPr lang="en-US" dirty="0"/>
+          </a:p>
+        </p:txBody>
+      </p:sp>
+      <p:sp>
+        <p:nvSpPr>
+          <p:cNvPr id="3" name="Content Placeholder 2"/>
+          <p:cNvSpPr>
+            <a:spLocks noGrp="1"/>
+          </p:cNvSpPr>
+          <p:nvPr>
+            <p:ph idx="1"/>
+          </p:nvPr>
+        </p:nvSpPr>
+        <p:spPr>
+          <a:xfrm>
+            <a:off x="1261872" y="1232452"/>
+            <a:ext cx="8595360" cy="4351337"/>
+          </a:xfrm>
+        </p:spPr>
+        <p:txBody>
+          <a:bodyPr/>
+          <a:lstStyle/>
+          <a:p>
+            <a:r>
+              <a:rPr lang="en-US" dirty="0" smtClean="0"/>
+              <a:t>Whether or not user are look at screen</a:t>
+            </a:r>
+          </a:p>
+          <a:p>
+            <a:r>
+              <a:rPr lang="en-US" dirty="0" smtClean="0"/>
+              <a:t>Assumption: head keep still just eye movement</a:t>
+            </a:r>
+          </a:p>
+          <a:p>
+            <a:r>
+              <a:rPr lang="en-US" dirty="0" smtClean="0"/>
+              <a:t>Look at 8 position outside the screen:</a:t>
+            </a:r>
+          </a:p>
+          <a:p>
+            <a:pPr lvl="1"/>
+            <a:r>
+              <a:rPr lang="en-US" dirty="0" smtClean="0"/>
+              <a:t>Up</a:t>
+            </a:r>
+          </a:p>
+          <a:p>
+            <a:pPr lvl="1"/>
+            <a:r>
+              <a:rPr lang="en-US" dirty="0" smtClean="0"/>
+              <a:t>Down</a:t>
+            </a:r>
+          </a:p>
+          <a:p>
+            <a:pPr lvl="1"/>
+            <a:r>
+              <a:rPr lang="en-US" dirty="0" smtClean="0"/>
+              <a:t>Left </a:t>
+            </a:r>
+          </a:p>
+          <a:p>
+            <a:pPr lvl="1"/>
+            <a:r>
+              <a:rPr lang="en-US" dirty="0" smtClean="0"/>
+              <a:t>Right</a:t>
+            </a:r>
+          </a:p>
+          <a:p>
+            <a:pPr lvl="1"/>
+            <a:r>
+              <a:rPr lang="en-US" dirty="0" smtClean="0"/>
+              <a:t>Up right corner</a:t>
+            </a:r>
+          </a:p>
+          <a:p>
+            <a:pPr lvl="1"/>
+            <a:r>
+              <a:rPr lang="en-US" dirty="0" smtClean="0"/>
+              <a:t>Up left corner</a:t>
+            </a:r>
+          </a:p>
+          <a:p>
+            <a:pPr lvl="1"/>
+            <a:r>
+              <a:rPr lang="en-US" dirty="0" smtClean="0"/>
+              <a:t>Down left corner</a:t>
+            </a:r>
+          </a:p>
+          <a:p>
+            <a:pPr lvl="1"/>
+            <a:r>
+              <a:rPr lang="en-US" dirty="0" smtClean="0"/>
+              <a:t>Down right </a:t>
+            </a:r>
+            <a:r>
+              <a:rPr lang="en-US" dirty="0" smtClean="0"/>
+              <a:t>corner</a:t>
+            </a:r>
+          </a:p>
+          <a:p>
+            <a:r>
+              <a:rPr lang="en-US" dirty="0" smtClean="0"/>
+              <a:t>Utilize results to help set up grid for tracking fixation</a:t>
+            </a:r>
+            <a:endParaRPr lang="en-US" dirty="0" smtClean="0"/>
+          </a:p>
+        </p:txBody>
+      </p:sp>
+    </p:spTree>
+    <p:extLst>
+      <p:ext uri="{BB962C8B-B14F-4D97-AF65-F5344CB8AC3E}">
+        <p14:creationId xmlns:p14="http://schemas.microsoft.com/office/powerpoint/2010/main" val="33737106"/>
+      </p:ext>
+    </p:extLst>
+  </p:cSld>
+  <p:clrMapOvr>
+    <a:masterClrMapping/>
+  </p:clrMapOvr>
 </p:sld>
 </file>
 

--- a/ProposalPresentation/Proposal.pptx
+++ b/ProposalPresentation/Proposal.pptx
@@ -4253,26 +4253,13 @@
           <a:p>
             <a:r>
               <a:rPr lang="en-US" dirty="0" smtClean="0"/>
-              <a:t>Divide screen into 2 by 2, 3 by 3, and so on doing experiment until the accuracy </a:t>
-            </a:r>
+              <a:t>Divide screen into 2 by 2, 3 by 3, and so on doing experiment until the accuracy is better than random guessing</a:t>
+            </a:r>
+          </a:p>
+          <a:p>
             <a:r>
               <a:rPr lang="en-US" dirty="0" smtClean="0"/>
-              <a:t>is better than random guessing</a:t>
-            </a:r>
-            <a:endParaRPr lang="en-US" dirty="0" smtClean="0"/>
-          </a:p>
-          <a:p>
-            <a:r>
-              <a:rPr lang="en-US" dirty="0" smtClean="0"/>
-              <a:t>User looks at one </a:t>
-            </a:r>
-            <a:r>
-              <a:rPr lang="en-US" dirty="0" smtClean="0"/>
-              <a:t>shape and </a:t>
-            </a:r>
-            <a:r>
-              <a:rPr lang="en-US" dirty="0" smtClean="0"/>
-              <a:t>eye tracker give the one they think user is looking at </a:t>
+              <a:t>User looks at one shape and eye tracker give the one they think user is looking at </a:t>
             </a:r>
             <a:endParaRPr lang="en-US" dirty="0"/>
           </a:p>
@@ -4308,6 +4295,13 @@
   <p:clrMapOvr>
     <a:masterClrMapping/>
   </p:clrMapOvr>
+  <p:timing>
+    <p:tnLst>
+      <p:par>
+        <p:cTn id="1" dur="indefinite" restart="never" nodeType="tmRoot"/>
+      </p:par>
+    </p:tnLst>
+  </p:timing>
 </p:sld>
 </file>
 
@@ -4443,6 +4437,13 @@
   <p:clrMapOvr>
     <a:masterClrMapping/>
   </p:clrMapOvr>
+  <p:timing>
+    <p:tnLst>
+      <p:par>
+        <p:cTn id="1" dur="indefinite" restart="never" nodeType="tmRoot"/>
+      </p:par>
+    </p:tnLst>
+  </p:timing>
 </p:sld>
 </file>
 
@@ -4573,6 +4574,13 @@
   <p:clrMapOvr>
     <a:masterClrMapping/>
   </p:clrMapOvr>
+  <p:timing>
+    <p:tnLst>
+      <p:par>
+        <p:cTn id="1" dur="indefinite" restart="never" nodeType="tmRoot"/>
+      </p:par>
+    </p:tnLst>
+  </p:timing>
 </p:sld>
 </file>
 
@@ -6153,52 +6161,83 @@
             <a:spLocks noGrp="1"/>
           </p:cNvSpPr>
           <p:nvPr>
-            <p:ph idx="1"/>
+            <p:ph sz="half" idx="1"/>
           </p:nvPr>
         </p:nvSpPr>
         <p:spPr/>
         <p:txBody>
-          <a:bodyPr/>
+          <a:bodyPr>
+            <a:normAutofit/>
+          </a:bodyPr>
           <a:lstStyle/>
           <a:p>
+            <a:endParaRPr lang="en-US" smtClean="0"/>
+          </a:p>
+          <a:p>
+            <a:r>
+              <a:rPr lang="en-US" smtClean="0"/>
+              <a:t>Create </a:t>
+            </a:r>
             <a:r>
               <a:rPr lang="en-US" dirty="0" smtClean="0"/>
-              <a:t>Large goal: Track eye movement to support reading</a:t>
-            </a:r>
+              <a:t>a story environment to allow reading support</a:t>
+            </a:r>
+          </a:p>
+          <a:p>
+            <a:endParaRPr lang="en-US" dirty="0" smtClean="0"/>
           </a:p>
           <a:p>
             <a:r>
               <a:rPr lang="en-US" dirty="0" smtClean="0"/>
-              <a:t>Part One: Track word by word movements of eyes along sentences</a:t>
-            </a:r>
-          </a:p>
-          <a:p>
+              <a:t>Develop techniques to determine how to convert </a:t>
+            </a:r>
             <a:r>
               <a:rPr lang="en-US" dirty="0" smtClean="0"/>
-              <a:t>Part Two: Eye movement highlights and speaks words of page</a:t>
-            </a:r>
-          </a:p>
-          <a:p>
+              <a:t>eye tracking into the precision needed for reading</a:t>
+            </a:r>
             <a:endParaRPr lang="en-US" dirty="0" smtClean="0"/>
           </a:p>
           <a:p>
+            <a:endParaRPr lang="en-US" dirty="0" smtClean="0"/>
+          </a:p>
+          <a:p>
             <a:r>
               <a:rPr lang="en-US" dirty="0" smtClean="0"/>
-              <a:t>State the problem and what kind of solution we are working towards</a:t>
-            </a:r>
-          </a:p>
-          <a:p>
-            <a:endParaRPr lang="en-US" dirty="0" smtClean="0"/>
-          </a:p>
-          <a:p>
-            <a:r>
-              <a:rPr lang="en-US" dirty="0" smtClean="0"/>
-              <a:t>Kyle (story)</a:t>
+              <a:t>Create prediction techniques to allow for smooth transitions to between words</a:t>
             </a:r>
             <a:endParaRPr lang="en-US" dirty="0"/>
           </a:p>
         </p:txBody>
       </p:sp>
+      <p:pic>
+        <p:nvPicPr>
+          <p:cNvPr id="5" name="Content Placeholder 4"/>
+          <p:cNvPicPr>
+            <a:picLocks noGrp="1" noChangeAspect="1"/>
+          </p:cNvPicPr>
+          <p:nvPr>
+            <p:ph sz="half" idx="2"/>
+          </p:nvPr>
+        </p:nvPicPr>
+        <p:blipFill>
+          <a:blip r:embed="rId2" cstate="print">
+            <a:extLst>
+              <a:ext uri="{28A0092B-C50C-407E-A947-70E740481C1C}">
+                <a14:useLocalDpi xmlns:a14="http://schemas.microsoft.com/office/drawing/2010/main" val="0"/>
+              </a:ext>
+            </a:extLst>
+          </a:blip>
+          <a:stretch>
+            <a:fillRect/>
+          </a:stretch>
+        </p:blipFill>
+        <p:spPr>
+          <a:xfrm>
+            <a:off x="5924801" y="2045616"/>
+            <a:ext cx="5223608" cy="3917706"/>
+          </a:xfrm>
+        </p:spPr>
+      </p:pic>
     </p:spTree>
     <p:extLst>
       <p:ext uri="{BB962C8B-B14F-4D97-AF65-F5344CB8AC3E}">
@@ -7173,15 +7212,7 @@
           <a:p>
             <a:r>
               <a:rPr lang="en-US" dirty="0" smtClean="0"/>
-              <a:t>Write our own </a:t>
-            </a:r>
-            <a:r>
-              <a:rPr lang="en-US" dirty="0" smtClean="0"/>
-              <a:t>program to </a:t>
-            </a:r>
-            <a:r>
-              <a:rPr lang="en-US" dirty="0" smtClean="0"/>
-              <a:t>obtain data from eye tracker and detect text and object</a:t>
+              <a:t>Write our own program to obtain data from eye tracker and detect text and object</a:t>
             </a:r>
           </a:p>
         </p:txBody>
@@ -7981,11 +8012,7 @@
             <a:pPr lvl="1"/>
             <a:r>
               <a:rPr lang="en-US" dirty="0" smtClean="0"/>
-              <a:t>Down right </a:t>
-            </a:r>
-            <a:r>
-              <a:rPr lang="en-US" dirty="0" smtClean="0"/>
-              <a:t>corner</a:t>
+              <a:t>Down right corner</a:t>
             </a:r>
           </a:p>
           <a:p>
@@ -7993,7 +8020,6 @@
               <a:rPr lang="en-US" dirty="0" smtClean="0"/>
               <a:t>Utilize results to help set up grid for tracking fixation</a:t>
             </a:r>
-            <a:endParaRPr lang="en-US" dirty="0" smtClean="0"/>
           </a:p>
         </p:txBody>
       </p:sp>
@@ -8007,6 +8033,13 @@
   <p:clrMapOvr>
     <a:masterClrMapping/>
   </p:clrMapOvr>
+  <p:timing>
+    <p:tnLst>
+      <p:par>
+        <p:cTn id="1" dur="indefinite" restart="never" nodeType="tmRoot"/>
+      </p:par>
+    </p:tnLst>
+  </p:timing>
 </p:sld>
 </file>
 

--- a/ProposalPresentation/Proposal.pptx
+++ b/ProposalPresentation/Proposal.pptx
@@ -5,7 +5,7 @@
     <p:sldMasterId id="2147483690" r:id="rId1"/>
   </p:sldMasterIdLst>
   <p:notesMasterIdLst>
-    <p:notesMasterId r:id="rId15"/>
+    <p:notesMasterId r:id="rId16"/>
   </p:notesMasterIdLst>
   <p:sldIdLst>
     <p:sldId id="256" r:id="rId2"/>
@@ -21,6 +21,7 @@
     <p:sldId id="271" r:id="rId12"/>
     <p:sldId id="273" r:id="rId13"/>
     <p:sldId id="267" r:id="rId14"/>
+    <p:sldId id="274" r:id="rId15"/>
   </p:sldIdLst>
   <p:sldSz cx="12192000" cy="6858000"/>
   <p:notesSz cx="6858000" cy="9144000"/>
@@ -209,7 +210,7 @@
           <a:p>
             <a:fld id="{196649D2-8F6F-483E-9FFD-996F9FA14F8E}" type="datetimeFigureOut">
               <a:rPr lang="en-US" smtClean="0"/>
-              <a:t>10/3/2016</a:t>
+              <a:t>10/4/2016</a:t>
             </a:fld>
             <a:endParaRPr lang="en-US"/>
           </a:p>
@@ -917,7 +918,7 @@
           <a:p>
             <a:fld id="{063EE82C-7EBD-4CD0-9EA0-6671C904F8AE}" type="datetimeFigureOut">
               <a:rPr lang="en-US" smtClean="0"/>
-              <a:t>10/3/2016</a:t>
+              <a:t>10/4/2016</a:t>
             </a:fld>
             <a:endParaRPr lang="en-US"/>
           </a:p>
@@ -1150,7 +1151,7 @@
           <a:p>
             <a:fld id="{063EE82C-7EBD-4CD0-9EA0-6671C904F8AE}" type="datetimeFigureOut">
               <a:rPr lang="en-US" smtClean="0"/>
-              <a:t>10/3/2016</a:t>
+              <a:t>10/4/2016</a:t>
             </a:fld>
             <a:endParaRPr lang="en-US"/>
           </a:p>
@@ -1330,7 +1331,7 @@
           <a:p>
             <a:fld id="{063EE82C-7EBD-4CD0-9EA0-6671C904F8AE}" type="datetimeFigureOut">
               <a:rPr lang="en-US" smtClean="0"/>
-              <a:t>10/3/2016</a:t>
+              <a:t>10/4/2016</a:t>
             </a:fld>
             <a:endParaRPr lang="en-US"/>
           </a:p>
@@ -1505,7 +1506,7 @@
           <a:p>
             <a:fld id="{063EE82C-7EBD-4CD0-9EA0-6671C904F8AE}" type="datetimeFigureOut">
               <a:rPr lang="en-US" smtClean="0"/>
-              <a:t>10/3/2016</a:t>
+              <a:t>10/4/2016</a:t>
             </a:fld>
             <a:endParaRPr lang="en-US"/>
           </a:p>
@@ -1759,7 +1760,7 @@
           <a:p>
             <a:fld id="{063EE82C-7EBD-4CD0-9EA0-6671C904F8AE}" type="datetimeFigureOut">
               <a:rPr lang="en-US" smtClean="0"/>
-              <a:t>10/3/2016</a:t>
+              <a:t>10/4/2016</a:t>
             </a:fld>
             <a:endParaRPr lang="en-US"/>
           </a:p>
@@ -2090,7 +2091,7 @@
           <a:p>
             <a:fld id="{063EE82C-7EBD-4CD0-9EA0-6671C904F8AE}" type="datetimeFigureOut">
               <a:rPr lang="en-US" smtClean="0"/>
-              <a:t>10/3/2016</a:t>
+              <a:t>10/4/2016</a:t>
             </a:fld>
             <a:endParaRPr lang="en-US"/>
           </a:p>
@@ -2541,7 +2542,7 @@
           <a:p>
             <a:fld id="{063EE82C-7EBD-4CD0-9EA0-6671C904F8AE}" type="datetimeFigureOut">
               <a:rPr lang="en-US" smtClean="0"/>
-              <a:t>10/3/2016</a:t>
+              <a:t>10/4/2016</a:t>
             </a:fld>
             <a:endParaRPr lang="en-US"/>
           </a:p>
@@ -2659,7 +2660,7 @@
           <a:p>
             <a:fld id="{063EE82C-7EBD-4CD0-9EA0-6671C904F8AE}" type="datetimeFigureOut">
               <a:rPr lang="en-US" smtClean="0"/>
-              <a:t>10/3/2016</a:t>
+              <a:t>10/4/2016</a:t>
             </a:fld>
             <a:endParaRPr lang="en-US"/>
           </a:p>
@@ -2754,7 +2755,7 @@
           <a:p>
             <a:fld id="{063EE82C-7EBD-4CD0-9EA0-6671C904F8AE}" type="datetimeFigureOut">
               <a:rPr lang="en-US" smtClean="0"/>
-              <a:t>10/3/2016</a:t>
+              <a:t>10/4/2016</a:t>
             </a:fld>
             <a:endParaRPr lang="en-US"/>
           </a:p>
@@ -3041,7 +3042,7 @@
           <a:p>
             <a:fld id="{063EE82C-7EBD-4CD0-9EA0-6671C904F8AE}" type="datetimeFigureOut">
               <a:rPr lang="en-US" smtClean="0"/>
-              <a:t>10/3/2016</a:t>
+              <a:t>10/4/2016</a:t>
             </a:fld>
             <a:endParaRPr lang="en-US"/>
           </a:p>
@@ -3363,7 +3364,7 @@
           <a:p>
             <a:fld id="{063EE82C-7EBD-4CD0-9EA0-6671C904F8AE}" type="datetimeFigureOut">
               <a:rPr lang="en-US" smtClean="0"/>
-              <a:t>10/3/2016</a:t>
+              <a:t>10/4/2016</a:t>
             </a:fld>
             <a:endParaRPr lang="en-US"/>
           </a:p>
@@ -3617,7 +3618,7 @@
           <a:p>
             <a:fld id="{063EE82C-7EBD-4CD0-9EA0-6671C904F8AE}" type="datetimeFigureOut">
               <a:rPr lang="en-US" smtClean="0"/>
-              <a:t>10/3/2016</a:t>
+              <a:t>10/4/2016</a:t>
             </a:fld>
             <a:endParaRPr lang="en-US"/>
           </a:p>
@@ -6114,6 +6115,202 @@
 </p:sld>
 </file>
 
+<file path=ppt/slides/slide14.xml><?xml version="1.0" encoding="utf-8"?>
+<p:sld xmlns:a="http://schemas.openxmlformats.org/drawingml/2006/main" xmlns:r="http://schemas.openxmlformats.org/officeDocument/2006/relationships" xmlns:p="http://schemas.openxmlformats.org/presentationml/2006/main">
+  <p:cSld>
+    <p:spTree>
+      <p:nvGrpSpPr>
+        <p:cNvPr id="1" name=""/>
+        <p:cNvGrpSpPr/>
+        <p:nvPr/>
+      </p:nvGrpSpPr>
+      <p:grpSpPr>
+        <a:xfrm>
+          <a:off x="0" y="0"/>
+          <a:ext cx="0" cy="0"/>
+          <a:chOff x="0" y="0"/>
+          <a:chExt cx="0" cy="0"/>
+        </a:xfrm>
+      </p:grpSpPr>
+      <p:sp>
+        <p:nvSpPr>
+          <p:cNvPr id="2" name="Title 1"/>
+          <p:cNvSpPr>
+            <a:spLocks noGrp="1"/>
+          </p:cNvSpPr>
+          <p:nvPr>
+            <p:ph type="title"/>
+          </p:nvPr>
+        </p:nvSpPr>
+        <p:spPr/>
+        <p:txBody>
+          <a:bodyPr/>
+          <a:lstStyle/>
+          <a:p>
+            <a:r>
+              <a:rPr lang="en-US" dirty="0" smtClean="0"/>
+              <a:t>References</a:t>
+            </a:r>
+            <a:endParaRPr lang="en-US" dirty="0"/>
+          </a:p>
+        </p:txBody>
+      </p:sp>
+      <p:sp>
+        <p:nvSpPr>
+          <p:cNvPr id="3" name="Content Placeholder 2"/>
+          <p:cNvSpPr>
+            <a:spLocks noGrp="1"/>
+          </p:cNvSpPr>
+          <p:nvPr>
+            <p:ph idx="1"/>
+          </p:nvPr>
+        </p:nvSpPr>
+        <p:spPr/>
+        <p:txBody>
+          <a:bodyPr/>
+          <a:lstStyle/>
+          <a:p>
+            <a:r>
+              <a:rPr lang="en-US" dirty="0" err="1"/>
+              <a:t>Alghowinem</a:t>
+            </a:r>
+            <a:r>
+              <a:rPr lang="en-US" dirty="0"/>
+              <a:t>, S., </a:t>
+            </a:r>
+            <a:r>
+              <a:rPr lang="en-US" dirty="0" err="1"/>
+              <a:t>AlShehri</a:t>
+            </a:r>
+            <a:r>
+              <a:rPr lang="en-US" dirty="0"/>
+              <a:t>, M., </a:t>
+            </a:r>
+            <a:r>
+              <a:rPr lang="en-US" dirty="0" err="1"/>
+              <a:t>Goecke</a:t>
+            </a:r>
+            <a:r>
+              <a:rPr lang="en-US" dirty="0"/>
+              <a:t>, R., &amp; Wagner, M. (2014). Exploring eye activity as an indication of emotional states using an eye-tracking sensor. In </a:t>
+            </a:r>
+            <a:r>
+              <a:rPr lang="en-US" i="1" dirty="0"/>
+              <a:t>Intelligent systems for science and information</a:t>
+            </a:r>
+            <a:r>
+              <a:rPr lang="en-US" dirty="0"/>
+              <a:t> (pp. 261-276). Springer International Publishing.</a:t>
+            </a:r>
+            <a:endParaRPr lang="en-US" dirty="0" smtClean="0"/>
+          </a:p>
+          <a:p>
+            <a:r>
+              <a:rPr lang="en-US" dirty="0"/>
+              <a:t>Evans, M. A., &amp; Saint-Aubin, J. (2005). What children are looking at during shared storybook reading evidence from eye movement </a:t>
+            </a:r>
+            <a:r>
+              <a:rPr lang="en-US" dirty="0" err="1"/>
+              <a:t>monitoring.</a:t>
+            </a:r>
+            <a:r>
+              <a:rPr lang="en-US" i="1" dirty="0" err="1"/>
+              <a:t>Psychological</a:t>
+            </a:r>
+            <a:r>
+              <a:rPr lang="en-US" i="1" dirty="0"/>
+              <a:t> Science</a:t>
+            </a:r>
+            <a:r>
+              <a:rPr lang="en-US" dirty="0"/>
+              <a:t>, </a:t>
+            </a:r>
+            <a:r>
+              <a:rPr lang="en-US" i="1" dirty="0"/>
+              <a:t>16</a:t>
+            </a:r>
+            <a:r>
+              <a:rPr lang="en-US" dirty="0"/>
+              <a:t>(11), 913-920.</a:t>
+            </a:r>
+            <a:endParaRPr lang="en-US" dirty="0" smtClean="0"/>
+          </a:p>
+          <a:p>
+            <a:r>
+              <a:rPr lang="en-US" dirty="0" smtClean="0"/>
+              <a:t>Gary </a:t>
+            </a:r>
+            <a:r>
+              <a:rPr lang="en-US" dirty="0"/>
+              <a:t>Feng (2011) Eye Tracking: A Brief Guide for </a:t>
+            </a:r>
+            <a:r>
+              <a:rPr lang="en-US" dirty="0" smtClean="0"/>
+              <a:t>Developmental Researchers</a:t>
+            </a:r>
+            <a:r>
+              <a:rPr lang="en-US" dirty="0"/>
+              <a:t>, Journal of Cognition and Development, 12:1, 1-11, </a:t>
+            </a:r>
+            <a:r>
+              <a:rPr lang="en-US" dirty="0" smtClean="0"/>
+              <a:t>DOI: 10.1080/15248372.2011.547447</a:t>
+            </a:r>
+          </a:p>
+          <a:p>
+            <a:r>
+              <a:rPr lang="en-US" dirty="0"/>
+              <a:t>Jacob, R. J., &amp; </a:t>
+            </a:r>
+            <a:r>
+              <a:rPr lang="en-US" dirty="0" err="1"/>
+              <a:t>Karn</a:t>
+            </a:r>
+            <a:r>
+              <a:rPr lang="en-US" dirty="0"/>
+              <a:t>, K. S. (2003). Eye tracking in human-computer interaction and usability research: Ready to deliver the promises. </a:t>
+            </a:r>
+            <a:r>
+              <a:rPr lang="en-US" i="1" dirty="0"/>
+              <a:t>Mind</a:t>
+            </a:r>
+            <a:r>
+              <a:rPr lang="en-US" dirty="0"/>
+              <a:t>, </a:t>
+            </a:r>
+            <a:r>
+              <a:rPr lang="en-US" i="1" dirty="0"/>
+              <a:t>2</a:t>
+            </a:r>
+            <a:r>
+              <a:rPr lang="en-US" dirty="0"/>
+              <a:t>(3), </a:t>
+            </a:r>
+            <a:r>
+              <a:rPr lang="en-US"/>
+              <a:t>4</a:t>
+            </a:r>
+            <a:r>
+              <a:rPr lang="en-US" smtClean="0"/>
+              <a:t>.</a:t>
+            </a:r>
+            <a:endParaRPr lang="en-US" dirty="0" smtClean="0"/>
+          </a:p>
+        </p:txBody>
+      </p:sp>
+    </p:spTree>
+    <p:extLst>
+      <p:ext uri="{BB962C8B-B14F-4D97-AF65-F5344CB8AC3E}">
+        <p14:creationId xmlns:p14="http://schemas.microsoft.com/office/powerpoint/2010/main" val="412669610"/>
+      </p:ext>
+    </p:extLst>
+  </p:cSld>
+  <p:clrMapOvr>
+    <a:masterClrMapping/>
+  </p:clrMapOvr>
+</p:sld>
+</file>
+
 <file path=ppt/slides/slide2.xml><?xml version="1.0" encoding="utf-8"?>
 <p:sld xmlns:a="http://schemas.openxmlformats.org/drawingml/2006/main" xmlns:r="http://schemas.openxmlformats.org/officeDocument/2006/relationships" xmlns:p="http://schemas.openxmlformats.org/presentationml/2006/main">
   <p:cSld>
@@ -6189,13 +6386,8 @@
           <a:p>
             <a:r>
               <a:rPr lang="en-US" dirty="0" smtClean="0"/>
-              <a:t>Develop techniques to determine how to convert </a:t>
-            </a:r>
-            <a:r>
-              <a:rPr lang="en-US" dirty="0" smtClean="0"/>
-              <a:t>eye tracking into the precision needed for reading</a:t>
-            </a:r>
-            <a:endParaRPr lang="en-US" dirty="0" smtClean="0"/>
+              <a:t>Develop techniques to determine how to convert eye tracking into the precision needed for reading</a:t>
+            </a:r>
           </a:p>
           <a:p>
             <a:endParaRPr lang="en-US" dirty="0" smtClean="0"/>
